--- a/writeups/nn/images/layers/images.pptx
+++ b/writeups/nn/images/layers/images.pptx
@@ -5,10 +5,10 @@
     <p:sldMasterId id="2147483648" r:id="rId1"/>
   </p:sldMasterIdLst>
   <p:notesMasterIdLst>
-    <p:notesMasterId r:id="rId20"/>
+    <p:notesMasterId r:id="rId22"/>
   </p:notesMasterIdLst>
   <p:handoutMasterIdLst>
-    <p:handoutMasterId r:id="rId21"/>
+    <p:handoutMasterId r:id="rId23"/>
   </p:handoutMasterIdLst>
   <p:sldIdLst>
     <p:sldId id="265" r:id="rId2"/>
@@ -25,10 +25,12 @@
     <p:sldId id="277" r:id="rId13"/>
     <p:sldId id="384" r:id="rId14"/>
     <p:sldId id="382" r:id="rId15"/>
-    <p:sldId id="388" r:id="rId16"/>
-    <p:sldId id="387" r:id="rId17"/>
-    <p:sldId id="389" r:id="rId18"/>
-    <p:sldId id="391" r:id="rId19"/>
+    <p:sldId id="392" r:id="rId16"/>
+    <p:sldId id="394" r:id="rId17"/>
+    <p:sldId id="388" r:id="rId18"/>
+    <p:sldId id="387" r:id="rId19"/>
+    <p:sldId id="389" r:id="rId20"/>
+    <p:sldId id="391" r:id="rId21"/>
   </p:sldIdLst>
   <p:sldSz cx="9144000" cy="6858000" type="screen4x3"/>
   <p:notesSz cx="6858000" cy="9144000"/>
@@ -212,7 +214,7 @@
           <a:p>
             <a:fld id="{86EAF274-BA3F-104C-B4F5-1FD3A53A7370}" type="datetimeFigureOut">
               <a:rPr lang="en-US" smtClean="0"/>
-              <a:t>10/2/15</a:t>
+              <a:t>1/23/17</a:t>
             </a:fld>
             <a:endParaRPr lang="en-US"/>
           </a:p>
@@ -378,7 +380,7 @@
           <a:p>
             <a:fld id="{95E0FBB9-0127-4A45-8CCE-F796A70551EF}" type="datetimeFigureOut">
               <a:rPr lang="en-US" smtClean="0"/>
-              <a:t>10/2/15</a:t>
+              <a:t>1/23/17</a:t>
             </a:fld>
             <a:endParaRPr lang="en-US"/>
           </a:p>
@@ -828,7 +830,7 @@
           <a:p>
             <a:fld id="{92C9ED59-C183-6C4B-BAF6-33153AEC072D}" type="datetime1">
               <a:rPr lang="en-US" smtClean="0"/>
-              <a:t>10/2/15</a:t>
+              <a:t>1/23/17</a:t>
             </a:fld>
             <a:endParaRPr lang="en-US"/>
           </a:p>
@@ -998,7 +1000,7 @@
           <a:p>
             <a:fld id="{62AF8D47-67D4-8B49-B9DF-08CE85C8E226}" type="datetime1">
               <a:rPr lang="en-US" smtClean="0"/>
-              <a:t>10/2/15</a:t>
+              <a:t>1/23/17</a:t>
             </a:fld>
             <a:endParaRPr lang="en-US"/>
           </a:p>
@@ -1178,7 +1180,7 @@
           <a:p>
             <a:fld id="{C0A1A736-CF0D-9947-BB6F-30737237AAAD}" type="datetime1">
               <a:rPr lang="en-US" smtClean="0"/>
-              <a:t>10/2/15</a:t>
+              <a:t>1/23/17</a:t>
             </a:fld>
             <a:endParaRPr lang="en-US"/>
           </a:p>
@@ -1348,7 +1350,7 @@
           <a:p>
             <a:fld id="{29B3E903-0617-284B-BCA3-1A1342D92DA2}" type="datetime1">
               <a:rPr lang="en-US" smtClean="0"/>
-              <a:t>10/2/15</a:t>
+              <a:t>1/23/17</a:t>
             </a:fld>
             <a:endParaRPr lang="en-US"/>
           </a:p>
@@ -1594,7 +1596,7 @@
           <a:p>
             <a:fld id="{99CDE2C6-865A-7344-AB50-CB96AAE3A522}" type="datetime1">
               <a:rPr lang="en-US" smtClean="0"/>
-              <a:t>10/2/15</a:t>
+              <a:t>1/23/17</a:t>
             </a:fld>
             <a:endParaRPr lang="en-US"/>
           </a:p>
@@ -1882,7 +1884,7 @@
           <a:p>
             <a:fld id="{B6B4AC17-E7E2-3C47-8CE8-0D2CB2C71C9B}" type="datetime1">
               <a:rPr lang="en-US" smtClean="0"/>
-              <a:t>10/2/15</a:t>
+              <a:t>1/23/17</a:t>
             </a:fld>
             <a:endParaRPr lang="en-US"/>
           </a:p>
@@ -2304,7 +2306,7 @@
           <a:p>
             <a:fld id="{E02CCFCB-7B52-1242-88F1-65FE6905D5C0}" type="datetime1">
               <a:rPr lang="en-US" smtClean="0"/>
-              <a:t>10/2/15</a:t>
+              <a:t>1/23/17</a:t>
             </a:fld>
             <a:endParaRPr lang="en-US"/>
           </a:p>
@@ -2422,7 +2424,7 @@
           <a:p>
             <a:fld id="{42860C3B-8552-E645-AC63-7F2C6C962A61}" type="datetime1">
               <a:rPr lang="en-US" smtClean="0"/>
-              <a:t>10/2/15</a:t>
+              <a:t>1/23/17</a:t>
             </a:fld>
             <a:endParaRPr lang="en-US"/>
           </a:p>
@@ -2517,7 +2519,7 @@
           <a:p>
             <a:fld id="{21B09DB7-D0D4-2B4F-A9A5-2C8096E48751}" type="datetime1">
               <a:rPr lang="en-US" smtClean="0"/>
-              <a:t>10/2/15</a:t>
+              <a:t>1/23/17</a:t>
             </a:fld>
             <a:endParaRPr lang="en-US"/>
           </a:p>
@@ -2794,7 +2796,7 @@
           <a:p>
             <a:fld id="{3AAAFB36-6ACF-2441-B2E2-D013E739924B}" type="datetime1">
               <a:rPr lang="en-US" smtClean="0"/>
-              <a:t>10/2/15</a:t>
+              <a:t>1/23/17</a:t>
             </a:fld>
             <a:endParaRPr lang="en-US"/>
           </a:p>
@@ -3047,7 +3049,7 @@
           <a:p>
             <a:fld id="{A91A3FBF-560C-2745-9D4F-E35C6375FCB5}" type="datetime1">
               <a:rPr lang="en-US" smtClean="0"/>
-              <a:t>10/2/15</a:t>
+              <a:t>1/23/17</a:t>
             </a:fld>
             <a:endParaRPr lang="en-US"/>
           </a:p>
@@ -3260,7 +3262,7 @@
           <a:p>
             <a:fld id="{8D78AD4A-9EA9-5F48-A776-A1E49EF47BFC}" type="datetime1">
               <a:rPr lang="en-US" smtClean="0"/>
-              <a:t>10/2/15</a:t>
+              <a:t>1/23/17</a:t>
             </a:fld>
             <a:endParaRPr lang="en-US"/>
           </a:p>
@@ -18435,6 +18437,5112 @@
           <a:chExt cx="0" cy="0"/>
         </a:xfrm>
       </p:grpSpPr>
+      <p:grpSp>
+        <p:nvGrpSpPr>
+          <p:cNvPr id="53" name="Group 52"/>
+          <p:cNvGrpSpPr/>
+          <p:nvPr/>
+        </p:nvGrpSpPr>
+        <p:grpSpPr>
+          <a:xfrm>
+            <a:off x="760464" y="1434258"/>
+            <a:ext cx="1023307" cy="4484055"/>
+            <a:chOff x="760464" y="1306873"/>
+            <a:chExt cx="1023307" cy="4484055"/>
+          </a:xfrm>
+        </p:grpSpPr>
+        <p:grpSp>
+          <p:nvGrpSpPr>
+            <p:cNvPr id="5" name="Group 4"/>
+            <p:cNvGrpSpPr/>
+            <p:nvPr/>
+          </p:nvGrpSpPr>
+          <p:grpSpPr>
+            <a:xfrm rot="16200000">
+              <a:off x="442" y="4007599"/>
+              <a:ext cx="2543351" cy="1023307"/>
+              <a:chOff x="3280722" y="2449058"/>
+              <a:chExt cx="2543351" cy="1023307"/>
+            </a:xfrm>
+          </p:grpSpPr>
+          <p:sp>
+            <p:nvSpPr>
+              <p:cNvPr id="32" name="Rectangle 31"/>
+              <p:cNvSpPr/>
+              <p:nvPr/>
+            </p:nvSpPr>
+            <p:spPr>
+              <a:xfrm>
+                <a:off x="4041634" y="2449058"/>
+                <a:ext cx="1049363" cy="1023306"/>
+              </a:xfrm>
+              <a:prstGeom prst="rect">
+                <a:avLst/>
+              </a:prstGeom>
+              <a:solidFill>
+                <a:schemeClr val="accent3">
+                  <a:lumMod val="40000"/>
+                  <a:lumOff val="60000"/>
+                  <a:alpha val="33000"/>
+                </a:schemeClr>
+              </a:solidFill>
+              <a:ln>
+                <a:solidFill>
+                  <a:schemeClr val="accent3"/>
+                </a:solidFill>
+              </a:ln>
+              <a:effectLst/>
+            </p:spPr>
+            <p:style>
+              <a:lnRef idx="1">
+                <a:schemeClr val="accent1"/>
+              </a:lnRef>
+              <a:fillRef idx="3">
+                <a:schemeClr val="accent1"/>
+              </a:fillRef>
+              <a:effectRef idx="2">
+                <a:schemeClr val="accent1"/>
+              </a:effectRef>
+              <a:fontRef idx="minor">
+                <a:schemeClr val="lt1"/>
+              </a:fontRef>
+            </p:style>
+            <p:txBody>
+              <a:bodyPr rtlCol="0" anchor="ctr"/>
+              <a:lstStyle/>
+              <a:p>
+                <a:pPr algn="r"/>
+                <a:endParaRPr lang="en-US"/>
+              </a:p>
+            </p:txBody>
+          </p:sp>
+          <p:sp>
+            <p:nvSpPr>
+              <p:cNvPr id="33" name="Oval 32"/>
+              <p:cNvSpPr/>
+              <p:nvPr/>
+            </p:nvSpPr>
+            <p:spPr>
+              <a:xfrm>
+                <a:off x="4311145" y="2718829"/>
+                <a:ext cx="515211" cy="515211"/>
+              </a:xfrm>
+              <a:prstGeom prst="ellipse">
+                <a:avLst/>
+              </a:prstGeom>
+              <a:solidFill>
+                <a:srgbClr val="93CDDD"/>
+              </a:solidFill>
+              <a:ln w="19050" cmpd="sng">
+                <a:solidFill>
+                  <a:srgbClr val="4F81BD"/>
+                </a:solidFill>
+              </a:ln>
+              <a:effectLst/>
+            </p:spPr>
+            <p:style>
+              <a:lnRef idx="1">
+                <a:schemeClr val="accent1"/>
+              </a:lnRef>
+              <a:fillRef idx="3">
+                <a:schemeClr val="accent1"/>
+              </a:fillRef>
+              <a:effectRef idx="2">
+                <a:schemeClr val="accent1"/>
+              </a:effectRef>
+              <a:fontRef idx="minor">
+                <a:schemeClr val="lt1"/>
+              </a:fontRef>
+            </p:style>
+            <p:txBody>
+              <a:bodyPr rtlCol="0" anchor="ctr" anchorCtr="1"/>
+              <a:lstStyle/>
+              <a:p>
+                <a:pPr algn="r"/>
+                <a:endParaRPr lang="en-US" sz="1600" baseline="-25000" dirty="0">
+                  <a:solidFill>
+                    <a:srgbClr val="000000"/>
+                  </a:solidFill>
+                  <a:latin typeface="CMU Bright Roman"/>
+                  <a:cs typeface="CMU Bright Roman"/>
+                </a:endParaRPr>
+              </a:p>
+            </p:txBody>
+          </p:sp>
+          <p:cxnSp>
+            <p:nvCxnSpPr>
+              <p:cNvPr id="62" name="Straight Arrow Connector 61"/>
+              <p:cNvCxnSpPr>
+                <a:stCxn id="33" idx="6"/>
+              </p:cNvCxnSpPr>
+              <p:nvPr/>
+            </p:nvCxnSpPr>
+            <p:spPr>
+              <a:xfrm>
+                <a:off x="4826356" y="2976435"/>
+                <a:ext cx="634532" cy="1488"/>
+              </a:xfrm>
+              <a:prstGeom prst="straightConnector1">
+                <a:avLst/>
+              </a:prstGeom>
+              <a:ln w="12700">
+                <a:solidFill>
+                  <a:schemeClr val="tx1"/>
+                </a:solidFill>
+                <a:tailEnd type="arrow"/>
+              </a:ln>
+              <a:effectLst/>
+            </p:spPr>
+            <p:style>
+              <a:lnRef idx="2">
+                <a:schemeClr val="accent1"/>
+              </a:lnRef>
+              <a:fillRef idx="0">
+                <a:schemeClr val="accent1"/>
+              </a:fillRef>
+              <a:effectRef idx="1">
+                <a:schemeClr val="accent1"/>
+              </a:effectRef>
+              <a:fontRef idx="minor">
+                <a:schemeClr val="tx1"/>
+              </a:fontRef>
+            </p:style>
+          </p:cxnSp>
+          <p:cxnSp>
+            <p:nvCxnSpPr>
+              <p:cNvPr id="125" name="Straight Arrow Connector 124"/>
+              <p:cNvCxnSpPr>
+                <a:endCxn id="33" idx="1"/>
+              </p:cNvCxnSpPr>
+              <p:nvPr/>
+            </p:nvCxnSpPr>
+            <p:spPr>
+              <a:xfrm rot="5400000" flipV="1">
+                <a:off x="4003862" y="2411546"/>
+                <a:ext cx="75451" cy="690018"/>
+              </a:xfrm>
+              <a:prstGeom prst="straightConnector1">
+                <a:avLst/>
+              </a:prstGeom>
+              <a:ln w="12700">
+                <a:solidFill>
+                  <a:schemeClr val="tx1"/>
+                </a:solidFill>
+                <a:tailEnd type="arrow"/>
+              </a:ln>
+              <a:effectLst/>
+            </p:spPr>
+            <p:style>
+              <a:lnRef idx="2">
+                <a:schemeClr val="accent1"/>
+              </a:lnRef>
+              <a:fillRef idx="0">
+                <a:schemeClr val="accent1"/>
+              </a:fillRef>
+              <a:effectRef idx="1">
+                <a:schemeClr val="accent1"/>
+              </a:effectRef>
+              <a:fontRef idx="minor">
+                <a:schemeClr val="tx1"/>
+              </a:fontRef>
+            </p:style>
+          </p:cxnSp>
+          <p:cxnSp>
+            <p:nvCxnSpPr>
+              <p:cNvPr id="131" name="Straight Arrow Connector 130"/>
+              <p:cNvCxnSpPr>
+                <a:endCxn id="33" idx="3"/>
+              </p:cNvCxnSpPr>
+              <p:nvPr/>
+            </p:nvCxnSpPr>
+            <p:spPr>
+              <a:xfrm rot="5400000" flipH="1" flipV="1">
+                <a:off x="4003861" y="2851306"/>
+                <a:ext cx="75452" cy="690018"/>
+              </a:xfrm>
+              <a:prstGeom prst="straightConnector1">
+                <a:avLst/>
+              </a:prstGeom>
+              <a:ln w="12700">
+                <a:solidFill>
+                  <a:schemeClr val="tx1"/>
+                </a:solidFill>
+                <a:tailEnd type="arrow"/>
+              </a:ln>
+              <a:effectLst/>
+            </p:spPr>
+            <p:style>
+              <a:lnRef idx="2">
+                <a:schemeClr val="accent1"/>
+              </a:lnRef>
+              <a:fillRef idx="0">
+                <a:schemeClr val="accent1"/>
+              </a:fillRef>
+              <a:effectRef idx="1">
+                <a:schemeClr val="accent1"/>
+              </a:effectRef>
+              <a:fontRef idx="minor">
+                <a:schemeClr val="tx1"/>
+              </a:fontRef>
+            </p:style>
+          </p:cxnSp>
+          <p:sp>
+            <p:nvSpPr>
+              <p:cNvPr id="164" name="TextBox 163"/>
+              <p:cNvSpPr txBox="1"/>
+              <p:nvPr/>
+            </p:nvSpPr>
+            <p:spPr>
+              <a:xfrm rot="5400000">
+                <a:off x="5451974" y="2805169"/>
+                <a:ext cx="405644" cy="338554"/>
+              </a:xfrm>
+              <a:prstGeom prst="rect">
+                <a:avLst/>
+              </a:prstGeom>
+              <a:noFill/>
+            </p:spPr>
+            <p:txBody>
+              <a:bodyPr wrap="none" rtlCol="0">
+                <a:spAutoFit/>
+              </a:bodyPr>
+              <a:lstStyle/>
+              <a:p>
+                <a:pPr algn="r"/>
+                <a:r>
+                  <a:rPr lang="en-US" sz="1600" i="1" dirty="0" smtClean="0">
+                    <a:latin typeface="CMU Bright Roman"/>
+                    <a:cs typeface="CMU Bright Roman"/>
+                  </a:rPr>
+                  <a:t>h</a:t>
+                </a:r>
+                <a:r>
+                  <a:rPr lang="en-US" sz="1600" i="1" baseline="30000" dirty="0">
+                    <a:latin typeface="CMU Bright Roman"/>
+                    <a:cs typeface="CMU Bright Roman"/>
+                  </a:rPr>
+                  <a:t>1</a:t>
+                </a:r>
+              </a:p>
+            </p:txBody>
+          </p:sp>
+          <p:sp>
+            <p:nvSpPr>
+              <p:cNvPr id="60" name="TextBox 59"/>
+              <p:cNvSpPr txBox="1"/>
+              <p:nvPr/>
+            </p:nvSpPr>
+            <p:spPr>
+              <a:xfrm rot="5400000">
+                <a:off x="3020419" y="2709361"/>
+                <a:ext cx="1023307" cy="502702"/>
+              </a:xfrm>
+              <a:prstGeom prst="rect">
+                <a:avLst/>
+              </a:prstGeom>
+              <a:noFill/>
+            </p:spPr>
+            <p:txBody>
+              <a:bodyPr wrap="square" rtlCol="0">
+                <a:spAutoFit/>
+              </a:bodyPr>
+              <a:lstStyle/>
+              <a:p>
+                <a:pPr algn="r"/>
+                <a:r>
+                  <a:rPr lang="en-US" sz="1600" b="1" dirty="0" smtClean="0">
+                    <a:latin typeface="CMU Bright Roman"/>
+                    <a:cs typeface="CMU Bright Roman"/>
+                  </a:rPr>
+                  <a:t> </a:t>
+                </a:r>
+                <a:r>
+                  <a:rPr lang="en-US" sz="1600" dirty="0" smtClean="0">
+                    <a:latin typeface="CMU Bright Roman"/>
+                    <a:cs typeface="CMU Bright Roman"/>
+                  </a:rPr>
+                  <a:t>x</a:t>
+                </a:r>
+                <a:r>
+                  <a:rPr lang="en-US" sz="1600" i="1" baseline="30000" dirty="0">
+                    <a:latin typeface="CMU Bright Roman"/>
+                    <a:cs typeface="CMU Bright Roman"/>
+                  </a:rPr>
+                  <a:t>1</a:t>
+                </a:r>
+                <a:r>
+                  <a:rPr lang="en-US" sz="1600" i="1" baseline="-25000" dirty="0" smtClean="0">
+                    <a:latin typeface="CMU Bright Roman"/>
+                    <a:cs typeface="CMU Bright Roman"/>
+                  </a:rPr>
+                  <a:t>  </a:t>
+                </a:r>
+                <a:r>
+                  <a:rPr lang="en-US" sz="1600" i="1" dirty="0" smtClean="0">
+                    <a:latin typeface="CMU Bright Roman"/>
+                    <a:cs typeface="CMU Bright Roman"/>
+                  </a:rPr>
+                  <a:t>   h</a:t>
+                </a:r>
+                <a:r>
+                  <a:rPr lang="en-US" sz="1600" i="1" baseline="30000" dirty="0">
+                    <a:latin typeface="CMU Bright Roman"/>
+                    <a:cs typeface="CMU Bright Roman"/>
+                  </a:rPr>
+                  <a:t>0</a:t>
+                </a:r>
+              </a:p>
+              <a:p>
+                <a:pPr algn="r"/>
+                <a:endParaRPr lang="en-US" sz="1600" i="1" baseline="-25000" dirty="0">
+                  <a:latin typeface="CMU Bright Roman"/>
+                  <a:cs typeface="CMU Bright Roman"/>
+                </a:endParaRPr>
+              </a:p>
+            </p:txBody>
+          </p:sp>
+        </p:grpSp>
+        <p:sp>
+          <p:nvSpPr>
+            <p:cNvPr id="30" name="Rectangle 29"/>
+            <p:cNvSpPr/>
+            <p:nvPr/>
+          </p:nvSpPr>
+          <p:spPr>
+            <a:xfrm>
+              <a:off x="1089766" y="2576760"/>
+              <a:ext cx="398953" cy="366300"/>
+            </a:xfrm>
+            <a:prstGeom prst="rect">
+              <a:avLst/>
+            </a:prstGeom>
+            <a:solidFill>
+              <a:schemeClr val="accent1">
+                <a:lumMod val="60000"/>
+                <a:lumOff val="40000"/>
+                <a:alpha val="33000"/>
+              </a:schemeClr>
+            </a:solidFill>
+            <a:ln>
+              <a:solidFill>
+                <a:schemeClr val="accent1"/>
+              </a:solidFill>
+            </a:ln>
+            <a:effectLst/>
+          </p:spPr>
+          <p:style>
+            <a:lnRef idx="1">
+              <a:schemeClr val="accent1"/>
+            </a:lnRef>
+            <a:fillRef idx="3">
+              <a:schemeClr val="accent1"/>
+            </a:fillRef>
+            <a:effectRef idx="2">
+              <a:schemeClr val="accent1"/>
+            </a:effectRef>
+            <a:fontRef idx="minor">
+              <a:schemeClr val="lt1"/>
+            </a:fontRef>
+          </p:style>
+          <p:txBody>
+            <a:bodyPr rtlCol="0" anchor="ctr"/>
+            <a:lstStyle/>
+            <a:p>
+              <a:pPr algn="r"/>
+              <a:endParaRPr lang="en-US" dirty="0">
+                <a:solidFill>
+                  <a:srgbClr val="000000"/>
+                </a:solidFill>
+                <a:latin typeface="CMU Bright Roman"/>
+                <a:cs typeface="CMU Bright Roman"/>
+              </a:endParaRPr>
+            </a:p>
+          </p:txBody>
+        </p:sp>
+        <p:cxnSp>
+          <p:nvCxnSpPr>
+            <p:cNvPr id="31" name="Straight Arrow Connector 30"/>
+            <p:cNvCxnSpPr>
+              <a:stCxn id="164" idx="0"/>
+              <a:endCxn id="30" idx="2"/>
+            </p:cNvCxnSpPr>
+            <p:nvPr/>
+          </p:nvCxnSpPr>
+          <p:spPr>
+            <a:xfrm flipV="1">
+              <a:off x="1285852" y="2943060"/>
+              <a:ext cx="3391" cy="304517"/>
+            </a:xfrm>
+            <a:prstGeom prst="straightConnector1">
+              <a:avLst/>
+            </a:prstGeom>
+            <a:ln w="12700">
+              <a:solidFill>
+                <a:schemeClr val="tx1"/>
+              </a:solidFill>
+              <a:tailEnd type="arrow"/>
+            </a:ln>
+            <a:effectLst/>
+          </p:spPr>
+          <p:style>
+            <a:lnRef idx="2">
+              <a:schemeClr val="accent1"/>
+            </a:lnRef>
+            <a:fillRef idx="0">
+              <a:schemeClr val="accent1"/>
+            </a:fillRef>
+            <a:effectRef idx="1">
+              <a:schemeClr val="accent1"/>
+            </a:effectRef>
+            <a:fontRef idx="minor">
+              <a:schemeClr val="tx1"/>
+            </a:fontRef>
+          </p:style>
+        </p:cxnSp>
+        <p:sp>
+          <p:nvSpPr>
+            <p:cNvPr id="49" name="Rectangle 48"/>
+            <p:cNvSpPr/>
+            <p:nvPr/>
+          </p:nvSpPr>
+          <p:spPr>
+            <a:xfrm>
+              <a:off x="1036659" y="1306873"/>
+              <a:ext cx="498388" cy="457597"/>
+            </a:xfrm>
+            <a:prstGeom prst="rect">
+              <a:avLst/>
+            </a:prstGeom>
+            <a:solidFill>
+              <a:srgbClr val="FFFF00">
+                <a:alpha val="33000"/>
+              </a:srgbClr>
+            </a:solidFill>
+            <a:ln>
+              <a:solidFill>
+                <a:schemeClr val="accent1"/>
+              </a:solidFill>
+            </a:ln>
+            <a:effectLst/>
+          </p:spPr>
+          <p:style>
+            <a:lnRef idx="1">
+              <a:schemeClr val="accent1"/>
+            </a:lnRef>
+            <a:fillRef idx="3">
+              <a:schemeClr val="accent1"/>
+            </a:fillRef>
+            <a:effectRef idx="2">
+              <a:schemeClr val="accent1"/>
+            </a:effectRef>
+            <a:fontRef idx="minor">
+              <a:schemeClr val="lt1"/>
+            </a:fontRef>
+          </p:style>
+          <p:txBody>
+            <a:bodyPr rtlCol="0" anchor="ctr"/>
+            <a:lstStyle/>
+            <a:p>
+              <a:pPr algn="r"/>
+              <a:r>
+                <a:rPr lang="en-US" dirty="0" smtClean="0">
+                  <a:solidFill>
+                    <a:srgbClr val="000000"/>
+                  </a:solidFill>
+                  <a:latin typeface="CMU Bright Roman"/>
+                  <a:cs typeface="CMU Bright Roman"/>
+                </a:rPr>
+                <a:t>C</a:t>
+              </a:r>
+              <a:r>
+                <a:rPr lang="en-US" baseline="30000" dirty="0" smtClean="0">
+                  <a:solidFill>
+                    <a:srgbClr val="000000"/>
+                  </a:solidFill>
+                  <a:latin typeface="CMU Bright Roman"/>
+                  <a:cs typeface="CMU Bright Roman"/>
+                </a:rPr>
+                <a:t>1</a:t>
+              </a:r>
+              <a:endParaRPr lang="en-US" baseline="30000" dirty="0">
+                <a:solidFill>
+                  <a:srgbClr val="000000"/>
+                </a:solidFill>
+                <a:latin typeface="CMU Bright Roman"/>
+                <a:cs typeface="CMU Bright Roman"/>
+              </a:endParaRPr>
+            </a:p>
+          </p:txBody>
+        </p:sp>
+        <p:sp>
+          <p:nvSpPr>
+            <p:cNvPr id="50" name="TextBox 49"/>
+            <p:cNvSpPr txBox="1"/>
+            <p:nvPr/>
+          </p:nvSpPr>
+          <p:spPr>
+            <a:xfrm>
+              <a:off x="1093320" y="1978815"/>
+              <a:ext cx="393537" cy="338554"/>
+            </a:xfrm>
+            <a:prstGeom prst="rect">
+              <a:avLst/>
+            </a:prstGeom>
+            <a:noFill/>
+          </p:spPr>
+          <p:txBody>
+            <a:bodyPr wrap="none" rtlCol="0">
+              <a:spAutoFit/>
+            </a:bodyPr>
+            <a:lstStyle/>
+            <a:p>
+              <a:pPr algn="r"/>
+              <a:r>
+                <a:rPr lang="en-US" sz="1600" i="1" dirty="0" smtClean="0">
+                  <a:latin typeface="CMU Bright Roman"/>
+                  <a:cs typeface="CMU Bright Roman"/>
+                </a:rPr>
+                <a:t>y</a:t>
+              </a:r>
+              <a:r>
+                <a:rPr lang="en-US" sz="1600" i="1" baseline="30000" dirty="0">
+                  <a:latin typeface="CMU Bright Roman"/>
+                  <a:cs typeface="CMU Bright Roman"/>
+                </a:rPr>
+                <a:t>1</a:t>
+              </a:r>
+            </a:p>
+          </p:txBody>
+        </p:sp>
+        <p:cxnSp>
+          <p:nvCxnSpPr>
+            <p:cNvPr id="51" name="Straight Arrow Connector 50"/>
+            <p:cNvCxnSpPr>
+              <a:stCxn id="50" idx="0"/>
+              <a:endCxn id="49" idx="2"/>
+            </p:cNvCxnSpPr>
+            <p:nvPr/>
+          </p:nvCxnSpPr>
+          <p:spPr>
+            <a:xfrm flipH="1" flipV="1">
+              <a:off x="1285853" y="1764470"/>
+              <a:ext cx="4236" cy="214345"/>
+            </a:xfrm>
+            <a:prstGeom prst="straightConnector1">
+              <a:avLst/>
+            </a:prstGeom>
+            <a:ln w="12700">
+              <a:solidFill>
+                <a:schemeClr val="tx1"/>
+              </a:solidFill>
+              <a:tailEnd type="arrow"/>
+            </a:ln>
+            <a:effectLst/>
+          </p:spPr>
+          <p:style>
+            <a:lnRef idx="2">
+              <a:schemeClr val="accent1"/>
+            </a:lnRef>
+            <a:fillRef idx="0">
+              <a:schemeClr val="accent1"/>
+            </a:fillRef>
+            <a:effectRef idx="1">
+              <a:schemeClr val="accent1"/>
+            </a:effectRef>
+            <a:fontRef idx="minor">
+              <a:schemeClr val="tx1"/>
+            </a:fontRef>
+          </p:style>
+        </p:cxnSp>
+        <p:cxnSp>
+          <p:nvCxnSpPr>
+            <p:cNvPr id="54" name="Straight Arrow Connector 53"/>
+            <p:cNvCxnSpPr>
+              <a:stCxn id="30" idx="0"/>
+              <a:endCxn id="50" idx="2"/>
+            </p:cNvCxnSpPr>
+            <p:nvPr/>
+          </p:nvCxnSpPr>
+          <p:spPr>
+            <a:xfrm flipV="1">
+              <a:off x="1289243" y="2317369"/>
+              <a:ext cx="846" cy="259391"/>
+            </a:xfrm>
+            <a:prstGeom prst="straightConnector1">
+              <a:avLst/>
+            </a:prstGeom>
+            <a:ln w="12700">
+              <a:solidFill>
+                <a:schemeClr val="tx1"/>
+              </a:solidFill>
+              <a:tailEnd type="arrow"/>
+            </a:ln>
+            <a:effectLst/>
+          </p:spPr>
+          <p:style>
+            <a:lnRef idx="2">
+              <a:schemeClr val="accent1"/>
+            </a:lnRef>
+            <a:fillRef idx="0">
+              <a:schemeClr val="accent1"/>
+            </a:fillRef>
+            <a:effectRef idx="1">
+              <a:schemeClr val="accent1"/>
+            </a:effectRef>
+            <a:fontRef idx="minor">
+              <a:schemeClr val="tx1"/>
+            </a:fontRef>
+          </p:style>
+        </p:cxnSp>
+      </p:grpSp>
+      <p:grpSp>
+        <p:nvGrpSpPr>
+          <p:cNvPr id="82" name="Group 81"/>
+          <p:cNvGrpSpPr/>
+          <p:nvPr/>
+        </p:nvGrpSpPr>
+        <p:grpSpPr>
+          <a:xfrm>
+            <a:off x="2133502" y="1434259"/>
+            <a:ext cx="1023307" cy="4484055"/>
+            <a:chOff x="760464" y="1306873"/>
+            <a:chExt cx="1023307" cy="4484055"/>
+          </a:xfrm>
+        </p:grpSpPr>
+        <p:grpSp>
+          <p:nvGrpSpPr>
+            <p:cNvPr id="83" name="Group 82"/>
+            <p:cNvGrpSpPr/>
+            <p:nvPr/>
+          </p:nvGrpSpPr>
+          <p:grpSpPr>
+            <a:xfrm rot="16200000">
+              <a:off x="442" y="4007599"/>
+              <a:ext cx="2543351" cy="1023307"/>
+              <a:chOff x="3280722" y="2449058"/>
+              <a:chExt cx="2543351" cy="1023307"/>
+            </a:xfrm>
+          </p:grpSpPr>
+          <p:sp>
+            <p:nvSpPr>
+              <p:cNvPr id="90" name="Rectangle 89"/>
+              <p:cNvSpPr/>
+              <p:nvPr/>
+            </p:nvSpPr>
+            <p:spPr>
+              <a:xfrm>
+                <a:off x="4041634" y="2449058"/>
+                <a:ext cx="1049363" cy="1023306"/>
+              </a:xfrm>
+              <a:prstGeom prst="rect">
+                <a:avLst/>
+              </a:prstGeom>
+              <a:solidFill>
+                <a:schemeClr val="accent3">
+                  <a:lumMod val="40000"/>
+                  <a:lumOff val="60000"/>
+                  <a:alpha val="33000"/>
+                </a:schemeClr>
+              </a:solidFill>
+              <a:ln>
+                <a:solidFill>
+                  <a:schemeClr val="accent3"/>
+                </a:solidFill>
+              </a:ln>
+              <a:effectLst/>
+            </p:spPr>
+            <p:style>
+              <a:lnRef idx="1">
+                <a:schemeClr val="accent1"/>
+              </a:lnRef>
+              <a:fillRef idx="3">
+                <a:schemeClr val="accent1"/>
+              </a:fillRef>
+              <a:effectRef idx="2">
+                <a:schemeClr val="accent1"/>
+              </a:effectRef>
+              <a:fontRef idx="minor">
+                <a:schemeClr val="lt1"/>
+              </a:fontRef>
+            </p:style>
+            <p:txBody>
+              <a:bodyPr rtlCol="0" anchor="ctr"/>
+              <a:lstStyle/>
+              <a:p>
+                <a:pPr algn="r"/>
+                <a:endParaRPr lang="en-US"/>
+              </a:p>
+            </p:txBody>
+          </p:sp>
+          <p:sp>
+            <p:nvSpPr>
+              <p:cNvPr id="91" name="Oval 90"/>
+              <p:cNvSpPr/>
+              <p:nvPr/>
+            </p:nvSpPr>
+            <p:spPr>
+              <a:xfrm>
+                <a:off x="4311145" y="2718829"/>
+                <a:ext cx="515211" cy="515211"/>
+              </a:xfrm>
+              <a:prstGeom prst="ellipse">
+                <a:avLst/>
+              </a:prstGeom>
+              <a:solidFill>
+                <a:srgbClr val="93CDDD"/>
+              </a:solidFill>
+              <a:ln w="19050" cmpd="sng">
+                <a:solidFill>
+                  <a:srgbClr val="4F81BD"/>
+                </a:solidFill>
+              </a:ln>
+              <a:effectLst/>
+            </p:spPr>
+            <p:style>
+              <a:lnRef idx="1">
+                <a:schemeClr val="accent1"/>
+              </a:lnRef>
+              <a:fillRef idx="3">
+                <a:schemeClr val="accent1"/>
+              </a:fillRef>
+              <a:effectRef idx="2">
+                <a:schemeClr val="accent1"/>
+              </a:effectRef>
+              <a:fontRef idx="minor">
+                <a:schemeClr val="lt1"/>
+              </a:fontRef>
+            </p:style>
+            <p:txBody>
+              <a:bodyPr rtlCol="0" anchor="ctr" anchorCtr="1"/>
+              <a:lstStyle/>
+              <a:p>
+                <a:pPr algn="r"/>
+                <a:endParaRPr lang="en-US" sz="1600" baseline="-25000" dirty="0">
+                  <a:solidFill>
+                    <a:srgbClr val="000000"/>
+                  </a:solidFill>
+                  <a:latin typeface="CMU Bright Roman"/>
+                  <a:cs typeface="CMU Bright Roman"/>
+                </a:endParaRPr>
+              </a:p>
+            </p:txBody>
+          </p:sp>
+          <p:cxnSp>
+            <p:nvCxnSpPr>
+              <p:cNvPr id="93" name="Straight Arrow Connector 92"/>
+              <p:cNvCxnSpPr>
+                <a:stCxn id="91" idx="6"/>
+              </p:cNvCxnSpPr>
+              <p:nvPr/>
+            </p:nvCxnSpPr>
+            <p:spPr>
+              <a:xfrm>
+                <a:off x="4826356" y="2976435"/>
+                <a:ext cx="634532" cy="1488"/>
+              </a:xfrm>
+              <a:prstGeom prst="straightConnector1">
+                <a:avLst/>
+              </a:prstGeom>
+              <a:ln w="12700">
+                <a:solidFill>
+                  <a:schemeClr val="tx1"/>
+                </a:solidFill>
+                <a:tailEnd type="arrow"/>
+              </a:ln>
+              <a:effectLst/>
+            </p:spPr>
+            <p:style>
+              <a:lnRef idx="2">
+                <a:schemeClr val="accent1"/>
+              </a:lnRef>
+              <a:fillRef idx="0">
+                <a:schemeClr val="accent1"/>
+              </a:fillRef>
+              <a:effectRef idx="1">
+                <a:schemeClr val="accent1"/>
+              </a:effectRef>
+              <a:fontRef idx="minor">
+                <a:schemeClr val="tx1"/>
+              </a:fontRef>
+            </p:style>
+          </p:cxnSp>
+          <p:cxnSp>
+            <p:nvCxnSpPr>
+              <p:cNvPr id="94" name="Straight Arrow Connector 93"/>
+              <p:cNvCxnSpPr>
+                <a:endCxn id="91" idx="1"/>
+              </p:cNvCxnSpPr>
+              <p:nvPr/>
+            </p:nvCxnSpPr>
+            <p:spPr>
+              <a:xfrm rot="5400000" flipV="1">
+                <a:off x="4003862" y="2411546"/>
+                <a:ext cx="75451" cy="690018"/>
+              </a:xfrm>
+              <a:prstGeom prst="straightConnector1">
+                <a:avLst/>
+              </a:prstGeom>
+              <a:ln w="12700">
+                <a:solidFill>
+                  <a:schemeClr val="tx1"/>
+                </a:solidFill>
+                <a:tailEnd type="arrow"/>
+              </a:ln>
+              <a:effectLst/>
+            </p:spPr>
+            <p:style>
+              <a:lnRef idx="2">
+                <a:schemeClr val="accent1"/>
+              </a:lnRef>
+              <a:fillRef idx="0">
+                <a:schemeClr val="accent1"/>
+              </a:fillRef>
+              <a:effectRef idx="1">
+                <a:schemeClr val="accent1"/>
+              </a:effectRef>
+              <a:fontRef idx="minor">
+                <a:schemeClr val="tx1"/>
+              </a:fontRef>
+            </p:style>
+          </p:cxnSp>
+          <p:cxnSp>
+            <p:nvCxnSpPr>
+              <p:cNvPr id="95" name="Straight Arrow Connector 94"/>
+              <p:cNvCxnSpPr>
+                <a:endCxn id="91" idx="3"/>
+              </p:cNvCxnSpPr>
+              <p:nvPr/>
+            </p:nvCxnSpPr>
+            <p:spPr>
+              <a:xfrm rot="5400000" flipH="1" flipV="1">
+                <a:off x="4003861" y="2851306"/>
+                <a:ext cx="75452" cy="690018"/>
+              </a:xfrm>
+              <a:prstGeom prst="straightConnector1">
+                <a:avLst/>
+              </a:prstGeom>
+              <a:ln w="12700">
+                <a:solidFill>
+                  <a:schemeClr val="tx1"/>
+                </a:solidFill>
+                <a:tailEnd type="arrow"/>
+              </a:ln>
+              <a:effectLst/>
+            </p:spPr>
+            <p:style>
+              <a:lnRef idx="2">
+                <a:schemeClr val="accent1"/>
+              </a:lnRef>
+              <a:fillRef idx="0">
+                <a:schemeClr val="accent1"/>
+              </a:fillRef>
+              <a:effectRef idx="1">
+                <a:schemeClr val="accent1"/>
+              </a:effectRef>
+              <a:fontRef idx="minor">
+                <a:schemeClr val="tx1"/>
+              </a:fontRef>
+            </p:style>
+          </p:cxnSp>
+          <p:sp>
+            <p:nvSpPr>
+              <p:cNvPr id="96" name="TextBox 95"/>
+              <p:cNvSpPr txBox="1"/>
+              <p:nvPr/>
+            </p:nvSpPr>
+            <p:spPr>
+              <a:xfrm rot="5400000">
+                <a:off x="5451974" y="2805169"/>
+                <a:ext cx="405644" cy="338554"/>
+              </a:xfrm>
+              <a:prstGeom prst="rect">
+                <a:avLst/>
+              </a:prstGeom>
+              <a:noFill/>
+            </p:spPr>
+            <p:txBody>
+              <a:bodyPr wrap="none" rtlCol="0">
+                <a:spAutoFit/>
+              </a:bodyPr>
+              <a:lstStyle/>
+              <a:p>
+                <a:pPr algn="r"/>
+                <a:r>
+                  <a:rPr lang="en-US" sz="1600" i="1" dirty="0" smtClean="0">
+                    <a:latin typeface="CMU Bright Roman"/>
+                    <a:cs typeface="CMU Bright Roman"/>
+                  </a:rPr>
+                  <a:t>h</a:t>
+                </a:r>
+                <a:r>
+                  <a:rPr lang="en-US" sz="1600" i="1" baseline="30000" dirty="0">
+                    <a:latin typeface="CMU Bright Roman"/>
+                    <a:cs typeface="CMU Bright Roman"/>
+                  </a:rPr>
+                  <a:t>2</a:t>
+                </a:r>
+              </a:p>
+            </p:txBody>
+          </p:sp>
+          <p:sp>
+            <p:nvSpPr>
+              <p:cNvPr id="97" name="TextBox 96"/>
+              <p:cNvSpPr txBox="1"/>
+              <p:nvPr/>
+            </p:nvSpPr>
+            <p:spPr>
+              <a:xfrm rot="5400000">
+                <a:off x="3020419" y="2709361"/>
+                <a:ext cx="1023307" cy="502702"/>
+              </a:xfrm>
+              <a:prstGeom prst="rect">
+                <a:avLst/>
+              </a:prstGeom>
+              <a:noFill/>
+            </p:spPr>
+            <p:txBody>
+              <a:bodyPr wrap="square" rtlCol="0">
+                <a:spAutoFit/>
+              </a:bodyPr>
+              <a:lstStyle/>
+              <a:p>
+                <a:pPr algn="r"/>
+                <a:r>
+                  <a:rPr lang="en-US" sz="1600" b="1" dirty="0" smtClean="0">
+                    <a:latin typeface="CMU Bright Roman"/>
+                    <a:cs typeface="CMU Bright Roman"/>
+                  </a:rPr>
+                  <a:t> </a:t>
+                </a:r>
+                <a:r>
+                  <a:rPr lang="en-US" sz="1600" dirty="0" smtClean="0">
+                    <a:latin typeface="CMU Bright Roman"/>
+                    <a:cs typeface="CMU Bright Roman"/>
+                  </a:rPr>
+                  <a:t>x</a:t>
+                </a:r>
+                <a:r>
+                  <a:rPr lang="en-US" sz="1600" i="1" baseline="30000" dirty="0" smtClean="0">
+                    <a:latin typeface="CMU Bright Roman"/>
+                    <a:cs typeface="CMU Bright Roman"/>
+                  </a:rPr>
+                  <a:t>2</a:t>
+                </a:r>
+                <a:r>
+                  <a:rPr lang="en-US" sz="1600" i="1" dirty="0" smtClean="0">
+                    <a:latin typeface="CMU Bright Roman"/>
+                    <a:cs typeface="CMU Bright Roman"/>
+                  </a:rPr>
+                  <a:t>     h</a:t>
+                </a:r>
+                <a:r>
+                  <a:rPr lang="en-US" sz="1600" i="1" baseline="30000" dirty="0">
+                    <a:latin typeface="CMU Bright Roman"/>
+                    <a:cs typeface="CMU Bright Roman"/>
+                  </a:rPr>
+                  <a:t>1</a:t>
+                </a:r>
+              </a:p>
+              <a:p>
+                <a:pPr algn="r"/>
+                <a:endParaRPr lang="en-US" sz="1600" i="1" baseline="-25000" dirty="0">
+                  <a:latin typeface="CMU Bright Roman"/>
+                  <a:cs typeface="CMU Bright Roman"/>
+                </a:endParaRPr>
+              </a:p>
+            </p:txBody>
+          </p:sp>
+        </p:grpSp>
+        <p:sp>
+          <p:nvSpPr>
+            <p:cNvPr id="84" name="Rectangle 83"/>
+            <p:cNvSpPr/>
+            <p:nvPr/>
+          </p:nvSpPr>
+          <p:spPr>
+            <a:xfrm>
+              <a:off x="1089766" y="2576760"/>
+              <a:ext cx="398953" cy="366300"/>
+            </a:xfrm>
+            <a:prstGeom prst="rect">
+              <a:avLst/>
+            </a:prstGeom>
+            <a:solidFill>
+              <a:schemeClr val="accent1">
+                <a:lumMod val="60000"/>
+                <a:lumOff val="40000"/>
+                <a:alpha val="33000"/>
+              </a:schemeClr>
+            </a:solidFill>
+            <a:ln>
+              <a:solidFill>
+                <a:schemeClr val="accent1"/>
+              </a:solidFill>
+            </a:ln>
+            <a:effectLst/>
+          </p:spPr>
+          <p:style>
+            <a:lnRef idx="1">
+              <a:schemeClr val="accent1"/>
+            </a:lnRef>
+            <a:fillRef idx="3">
+              <a:schemeClr val="accent1"/>
+            </a:fillRef>
+            <a:effectRef idx="2">
+              <a:schemeClr val="accent1"/>
+            </a:effectRef>
+            <a:fontRef idx="minor">
+              <a:schemeClr val="lt1"/>
+            </a:fontRef>
+          </p:style>
+          <p:txBody>
+            <a:bodyPr rtlCol="0" anchor="ctr"/>
+            <a:lstStyle/>
+            <a:p>
+              <a:pPr algn="r"/>
+              <a:endParaRPr lang="en-US" dirty="0">
+                <a:solidFill>
+                  <a:srgbClr val="000000"/>
+                </a:solidFill>
+                <a:latin typeface="CMU Bright Roman"/>
+                <a:cs typeface="CMU Bright Roman"/>
+              </a:endParaRPr>
+            </a:p>
+          </p:txBody>
+        </p:sp>
+        <p:cxnSp>
+          <p:nvCxnSpPr>
+            <p:cNvPr id="85" name="Straight Arrow Connector 84"/>
+            <p:cNvCxnSpPr>
+              <a:stCxn id="96" idx="0"/>
+              <a:endCxn id="84" idx="2"/>
+            </p:cNvCxnSpPr>
+            <p:nvPr/>
+          </p:nvCxnSpPr>
+          <p:spPr>
+            <a:xfrm flipV="1">
+              <a:off x="1285852" y="2943060"/>
+              <a:ext cx="3391" cy="304517"/>
+            </a:xfrm>
+            <a:prstGeom prst="straightConnector1">
+              <a:avLst/>
+            </a:prstGeom>
+            <a:ln w="12700">
+              <a:solidFill>
+                <a:schemeClr val="tx1"/>
+              </a:solidFill>
+              <a:tailEnd type="arrow"/>
+            </a:ln>
+            <a:effectLst/>
+          </p:spPr>
+          <p:style>
+            <a:lnRef idx="2">
+              <a:schemeClr val="accent1"/>
+            </a:lnRef>
+            <a:fillRef idx="0">
+              <a:schemeClr val="accent1"/>
+            </a:fillRef>
+            <a:effectRef idx="1">
+              <a:schemeClr val="accent1"/>
+            </a:effectRef>
+            <a:fontRef idx="minor">
+              <a:schemeClr val="tx1"/>
+            </a:fontRef>
+          </p:style>
+        </p:cxnSp>
+        <p:sp>
+          <p:nvSpPr>
+            <p:cNvPr id="86" name="Rectangle 85"/>
+            <p:cNvSpPr/>
+            <p:nvPr/>
+          </p:nvSpPr>
+          <p:spPr>
+            <a:xfrm>
+              <a:off x="1036659" y="1306873"/>
+              <a:ext cx="498388" cy="457597"/>
+            </a:xfrm>
+            <a:prstGeom prst="rect">
+              <a:avLst/>
+            </a:prstGeom>
+            <a:solidFill>
+              <a:srgbClr val="FFFF00">
+                <a:alpha val="33000"/>
+              </a:srgbClr>
+            </a:solidFill>
+            <a:ln>
+              <a:solidFill>
+                <a:schemeClr val="accent1"/>
+              </a:solidFill>
+            </a:ln>
+            <a:effectLst/>
+          </p:spPr>
+          <p:style>
+            <a:lnRef idx="1">
+              <a:schemeClr val="accent1"/>
+            </a:lnRef>
+            <a:fillRef idx="3">
+              <a:schemeClr val="accent1"/>
+            </a:fillRef>
+            <a:effectRef idx="2">
+              <a:schemeClr val="accent1"/>
+            </a:effectRef>
+            <a:fontRef idx="minor">
+              <a:schemeClr val="lt1"/>
+            </a:fontRef>
+          </p:style>
+          <p:txBody>
+            <a:bodyPr rtlCol="0" anchor="ctr"/>
+            <a:lstStyle/>
+            <a:p>
+              <a:pPr algn="r"/>
+              <a:r>
+                <a:rPr lang="en-US" dirty="0" smtClean="0">
+                  <a:solidFill>
+                    <a:srgbClr val="000000"/>
+                  </a:solidFill>
+                  <a:latin typeface="CMU Bright Roman"/>
+                  <a:cs typeface="CMU Bright Roman"/>
+                </a:rPr>
+                <a:t>C</a:t>
+              </a:r>
+              <a:r>
+                <a:rPr lang="en-US" baseline="30000" dirty="0">
+                  <a:solidFill>
+                    <a:srgbClr val="000000"/>
+                  </a:solidFill>
+                  <a:latin typeface="CMU Bright Roman"/>
+                  <a:cs typeface="CMU Bright Roman"/>
+                </a:rPr>
+                <a:t>2</a:t>
+              </a:r>
+            </a:p>
+          </p:txBody>
+        </p:sp>
+        <p:sp>
+          <p:nvSpPr>
+            <p:cNvPr id="87" name="TextBox 86"/>
+            <p:cNvSpPr txBox="1"/>
+            <p:nvPr/>
+          </p:nvSpPr>
+          <p:spPr>
+            <a:xfrm>
+              <a:off x="1093320" y="1978815"/>
+              <a:ext cx="393537" cy="338554"/>
+            </a:xfrm>
+            <a:prstGeom prst="rect">
+              <a:avLst/>
+            </a:prstGeom>
+            <a:noFill/>
+          </p:spPr>
+          <p:txBody>
+            <a:bodyPr wrap="none" rtlCol="0">
+              <a:spAutoFit/>
+            </a:bodyPr>
+            <a:lstStyle/>
+            <a:p>
+              <a:pPr algn="r"/>
+              <a:r>
+                <a:rPr lang="en-US" sz="1600" i="1" dirty="0" smtClean="0">
+                  <a:latin typeface="CMU Bright Roman"/>
+                  <a:cs typeface="CMU Bright Roman"/>
+                </a:rPr>
+                <a:t>y</a:t>
+              </a:r>
+              <a:r>
+                <a:rPr lang="en-US" sz="1600" i="1" baseline="30000" dirty="0">
+                  <a:latin typeface="CMU Bright Roman"/>
+                  <a:cs typeface="CMU Bright Roman"/>
+                </a:rPr>
+                <a:t>2</a:t>
+              </a:r>
+            </a:p>
+          </p:txBody>
+        </p:sp>
+        <p:cxnSp>
+          <p:nvCxnSpPr>
+            <p:cNvPr id="88" name="Straight Arrow Connector 87"/>
+            <p:cNvCxnSpPr>
+              <a:stCxn id="87" idx="0"/>
+              <a:endCxn id="86" idx="2"/>
+            </p:cNvCxnSpPr>
+            <p:nvPr/>
+          </p:nvCxnSpPr>
+          <p:spPr>
+            <a:xfrm flipH="1" flipV="1">
+              <a:off x="1285853" y="1764470"/>
+              <a:ext cx="4236" cy="214345"/>
+            </a:xfrm>
+            <a:prstGeom prst="straightConnector1">
+              <a:avLst/>
+            </a:prstGeom>
+            <a:ln w="12700">
+              <a:solidFill>
+                <a:schemeClr val="tx1"/>
+              </a:solidFill>
+              <a:tailEnd type="arrow"/>
+            </a:ln>
+            <a:effectLst/>
+          </p:spPr>
+          <p:style>
+            <a:lnRef idx="2">
+              <a:schemeClr val="accent1"/>
+            </a:lnRef>
+            <a:fillRef idx="0">
+              <a:schemeClr val="accent1"/>
+            </a:fillRef>
+            <a:effectRef idx="1">
+              <a:schemeClr val="accent1"/>
+            </a:effectRef>
+            <a:fontRef idx="minor">
+              <a:schemeClr val="tx1"/>
+            </a:fontRef>
+          </p:style>
+        </p:cxnSp>
+        <p:cxnSp>
+          <p:nvCxnSpPr>
+            <p:cNvPr id="89" name="Straight Arrow Connector 88"/>
+            <p:cNvCxnSpPr>
+              <a:stCxn id="84" idx="0"/>
+              <a:endCxn id="87" idx="2"/>
+            </p:cNvCxnSpPr>
+            <p:nvPr/>
+          </p:nvCxnSpPr>
+          <p:spPr>
+            <a:xfrm flipV="1">
+              <a:off x="1289243" y="2317369"/>
+              <a:ext cx="846" cy="259391"/>
+            </a:xfrm>
+            <a:prstGeom prst="straightConnector1">
+              <a:avLst/>
+            </a:prstGeom>
+            <a:ln w="12700">
+              <a:solidFill>
+                <a:schemeClr val="tx1"/>
+              </a:solidFill>
+              <a:tailEnd type="arrow"/>
+            </a:ln>
+            <a:effectLst/>
+          </p:spPr>
+          <p:style>
+            <a:lnRef idx="2">
+              <a:schemeClr val="accent1"/>
+            </a:lnRef>
+            <a:fillRef idx="0">
+              <a:schemeClr val="accent1"/>
+            </a:fillRef>
+            <a:effectRef idx="1">
+              <a:schemeClr val="accent1"/>
+            </a:effectRef>
+            <a:fontRef idx="minor">
+              <a:schemeClr val="tx1"/>
+            </a:fontRef>
+          </p:style>
+        </p:cxnSp>
+      </p:grpSp>
+      <p:grpSp>
+        <p:nvGrpSpPr>
+          <p:cNvPr id="98" name="Group 97"/>
+          <p:cNvGrpSpPr/>
+          <p:nvPr/>
+        </p:nvGrpSpPr>
+        <p:grpSpPr>
+          <a:xfrm>
+            <a:off x="3468037" y="1439855"/>
+            <a:ext cx="1023307" cy="4484055"/>
+            <a:chOff x="760464" y="1306873"/>
+            <a:chExt cx="1023307" cy="4484055"/>
+          </a:xfrm>
+        </p:grpSpPr>
+        <p:grpSp>
+          <p:nvGrpSpPr>
+            <p:cNvPr id="99" name="Group 98"/>
+            <p:cNvGrpSpPr/>
+            <p:nvPr/>
+          </p:nvGrpSpPr>
+          <p:grpSpPr>
+            <a:xfrm rot="16200000">
+              <a:off x="442" y="4007599"/>
+              <a:ext cx="2543351" cy="1023307"/>
+              <a:chOff x="3280722" y="2449058"/>
+              <a:chExt cx="2543351" cy="1023307"/>
+            </a:xfrm>
+          </p:grpSpPr>
+          <p:sp>
+            <p:nvSpPr>
+              <p:cNvPr id="106" name="Rectangle 105"/>
+              <p:cNvSpPr/>
+              <p:nvPr/>
+            </p:nvSpPr>
+            <p:spPr>
+              <a:xfrm>
+                <a:off x="4041634" y="2449058"/>
+                <a:ext cx="1049363" cy="1023306"/>
+              </a:xfrm>
+              <a:prstGeom prst="rect">
+                <a:avLst/>
+              </a:prstGeom>
+              <a:solidFill>
+                <a:schemeClr val="accent3">
+                  <a:lumMod val="40000"/>
+                  <a:lumOff val="60000"/>
+                  <a:alpha val="33000"/>
+                </a:schemeClr>
+              </a:solidFill>
+              <a:ln>
+                <a:solidFill>
+                  <a:schemeClr val="accent3"/>
+                </a:solidFill>
+              </a:ln>
+              <a:effectLst/>
+            </p:spPr>
+            <p:style>
+              <a:lnRef idx="1">
+                <a:schemeClr val="accent1"/>
+              </a:lnRef>
+              <a:fillRef idx="3">
+                <a:schemeClr val="accent1"/>
+              </a:fillRef>
+              <a:effectRef idx="2">
+                <a:schemeClr val="accent1"/>
+              </a:effectRef>
+              <a:fontRef idx="minor">
+                <a:schemeClr val="lt1"/>
+              </a:fontRef>
+            </p:style>
+            <p:txBody>
+              <a:bodyPr rtlCol="0" anchor="ctr"/>
+              <a:lstStyle/>
+              <a:p>
+                <a:pPr algn="r"/>
+                <a:endParaRPr lang="en-US"/>
+              </a:p>
+            </p:txBody>
+          </p:sp>
+          <p:sp>
+            <p:nvSpPr>
+              <p:cNvPr id="107" name="Oval 106"/>
+              <p:cNvSpPr/>
+              <p:nvPr/>
+            </p:nvSpPr>
+            <p:spPr>
+              <a:xfrm>
+                <a:off x="4311145" y="2718829"/>
+                <a:ext cx="515211" cy="515211"/>
+              </a:xfrm>
+              <a:prstGeom prst="ellipse">
+                <a:avLst/>
+              </a:prstGeom>
+              <a:solidFill>
+                <a:schemeClr val="accent5">
+                  <a:lumMod val="60000"/>
+                  <a:lumOff val="40000"/>
+                </a:schemeClr>
+              </a:solidFill>
+              <a:ln w="19050" cmpd="sng">
+                <a:solidFill>
+                  <a:srgbClr val="4F81BD"/>
+                </a:solidFill>
+              </a:ln>
+              <a:effectLst/>
+            </p:spPr>
+            <p:style>
+              <a:lnRef idx="1">
+                <a:schemeClr val="accent1"/>
+              </a:lnRef>
+              <a:fillRef idx="3">
+                <a:schemeClr val="accent1"/>
+              </a:fillRef>
+              <a:effectRef idx="2">
+                <a:schemeClr val="accent1"/>
+              </a:effectRef>
+              <a:fontRef idx="minor">
+                <a:schemeClr val="lt1"/>
+              </a:fontRef>
+            </p:style>
+            <p:txBody>
+              <a:bodyPr rtlCol="0" anchor="ctr" anchorCtr="1"/>
+              <a:lstStyle/>
+              <a:p>
+                <a:pPr algn="r"/>
+                <a:endParaRPr lang="en-US" sz="1600" baseline="-25000" dirty="0">
+                  <a:solidFill>
+                    <a:srgbClr val="000000"/>
+                  </a:solidFill>
+                  <a:latin typeface="CMU Bright Roman"/>
+                  <a:cs typeface="CMU Bright Roman"/>
+                </a:endParaRPr>
+              </a:p>
+            </p:txBody>
+          </p:sp>
+          <p:cxnSp>
+            <p:nvCxnSpPr>
+              <p:cNvPr id="109" name="Straight Arrow Connector 108"/>
+              <p:cNvCxnSpPr>
+                <a:stCxn id="107" idx="6"/>
+              </p:cNvCxnSpPr>
+              <p:nvPr/>
+            </p:nvCxnSpPr>
+            <p:spPr>
+              <a:xfrm>
+                <a:off x="4826356" y="2976435"/>
+                <a:ext cx="634532" cy="1488"/>
+              </a:xfrm>
+              <a:prstGeom prst="straightConnector1">
+                <a:avLst/>
+              </a:prstGeom>
+              <a:ln w="12700">
+                <a:solidFill>
+                  <a:schemeClr val="tx1"/>
+                </a:solidFill>
+                <a:tailEnd type="arrow"/>
+              </a:ln>
+              <a:effectLst/>
+            </p:spPr>
+            <p:style>
+              <a:lnRef idx="2">
+                <a:schemeClr val="accent1"/>
+              </a:lnRef>
+              <a:fillRef idx="0">
+                <a:schemeClr val="accent1"/>
+              </a:fillRef>
+              <a:effectRef idx="1">
+                <a:schemeClr val="accent1"/>
+              </a:effectRef>
+              <a:fontRef idx="minor">
+                <a:schemeClr val="tx1"/>
+              </a:fontRef>
+            </p:style>
+          </p:cxnSp>
+          <p:cxnSp>
+            <p:nvCxnSpPr>
+              <p:cNvPr id="110" name="Straight Arrow Connector 109"/>
+              <p:cNvCxnSpPr>
+                <a:endCxn id="107" idx="1"/>
+              </p:cNvCxnSpPr>
+              <p:nvPr/>
+            </p:nvCxnSpPr>
+            <p:spPr>
+              <a:xfrm rot="5400000" flipV="1">
+                <a:off x="4003862" y="2411546"/>
+                <a:ext cx="75451" cy="690018"/>
+              </a:xfrm>
+              <a:prstGeom prst="straightConnector1">
+                <a:avLst/>
+              </a:prstGeom>
+              <a:ln w="12700">
+                <a:solidFill>
+                  <a:schemeClr val="tx1"/>
+                </a:solidFill>
+                <a:tailEnd type="arrow"/>
+              </a:ln>
+              <a:effectLst/>
+            </p:spPr>
+            <p:style>
+              <a:lnRef idx="2">
+                <a:schemeClr val="accent1"/>
+              </a:lnRef>
+              <a:fillRef idx="0">
+                <a:schemeClr val="accent1"/>
+              </a:fillRef>
+              <a:effectRef idx="1">
+                <a:schemeClr val="accent1"/>
+              </a:effectRef>
+              <a:fontRef idx="minor">
+                <a:schemeClr val="tx1"/>
+              </a:fontRef>
+            </p:style>
+          </p:cxnSp>
+          <p:cxnSp>
+            <p:nvCxnSpPr>
+              <p:cNvPr id="111" name="Straight Arrow Connector 110"/>
+              <p:cNvCxnSpPr>
+                <a:endCxn id="107" idx="3"/>
+              </p:cNvCxnSpPr>
+              <p:nvPr/>
+            </p:nvCxnSpPr>
+            <p:spPr>
+              <a:xfrm rot="5400000" flipH="1" flipV="1">
+                <a:off x="4003861" y="2851306"/>
+                <a:ext cx="75452" cy="690018"/>
+              </a:xfrm>
+              <a:prstGeom prst="straightConnector1">
+                <a:avLst/>
+              </a:prstGeom>
+              <a:ln w="12700">
+                <a:solidFill>
+                  <a:schemeClr val="tx1"/>
+                </a:solidFill>
+                <a:tailEnd type="arrow"/>
+              </a:ln>
+              <a:effectLst/>
+            </p:spPr>
+            <p:style>
+              <a:lnRef idx="2">
+                <a:schemeClr val="accent1"/>
+              </a:lnRef>
+              <a:fillRef idx="0">
+                <a:schemeClr val="accent1"/>
+              </a:fillRef>
+              <a:effectRef idx="1">
+                <a:schemeClr val="accent1"/>
+              </a:effectRef>
+              <a:fontRef idx="minor">
+                <a:schemeClr val="tx1"/>
+              </a:fontRef>
+            </p:style>
+          </p:cxnSp>
+          <p:sp>
+            <p:nvSpPr>
+              <p:cNvPr id="112" name="TextBox 111"/>
+              <p:cNvSpPr txBox="1"/>
+              <p:nvPr/>
+            </p:nvSpPr>
+            <p:spPr>
+              <a:xfrm rot="5400000">
+                <a:off x="5451974" y="2805169"/>
+                <a:ext cx="405644" cy="338554"/>
+              </a:xfrm>
+              <a:prstGeom prst="rect">
+                <a:avLst/>
+              </a:prstGeom>
+              <a:noFill/>
+            </p:spPr>
+            <p:txBody>
+              <a:bodyPr wrap="none" rtlCol="0">
+                <a:spAutoFit/>
+              </a:bodyPr>
+              <a:lstStyle/>
+              <a:p>
+                <a:pPr algn="r"/>
+                <a:r>
+                  <a:rPr lang="en-US" sz="1600" i="1" dirty="0" smtClean="0">
+                    <a:latin typeface="CMU Bright Roman"/>
+                    <a:cs typeface="CMU Bright Roman"/>
+                  </a:rPr>
+                  <a:t>h</a:t>
+                </a:r>
+                <a:r>
+                  <a:rPr lang="en-US" sz="1600" i="1" baseline="30000" dirty="0" smtClean="0">
+                    <a:latin typeface="CMU Bright Roman"/>
+                    <a:cs typeface="CMU Bright Roman"/>
+                  </a:rPr>
+                  <a:t>3</a:t>
+                </a:r>
+                <a:endParaRPr lang="en-US" sz="1600" i="1" baseline="30000" dirty="0">
+                  <a:latin typeface="CMU Bright Roman"/>
+                  <a:cs typeface="CMU Bright Roman"/>
+                </a:endParaRPr>
+              </a:p>
+            </p:txBody>
+          </p:sp>
+          <p:sp>
+            <p:nvSpPr>
+              <p:cNvPr id="113" name="TextBox 112"/>
+              <p:cNvSpPr txBox="1"/>
+              <p:nvPr/>
+            </p:nvSpPr>
+            <p:spPr>
+              <a:xfrm rot="5400000">
+                <a:off x="3020419" y="2709361"/>
+                <a:ext cx="1023307" cy="502702"/>
+              </a:xfrm>
+              <a:prstGeom prst="rect">
+                <a:avLst/>
+              </a:prstGeom>
+              <a:noFill/>
+            </p:spPr>
+            <p:txBody>
+              <a:bodyPr wrap="square" rtlCol="0">
+                <a:spAutoFit/>
+              </a:bodyPr>
+              <a:lstStyle/>
+              <a:p>
+                <a:pPr algn="r"/>
+                <a:r>
+                  <a:rPr lang="en-US" sz="1600" b="1" dirty="0" smtClean="0">
+                    <a:latin typeface="CMU Bright Roman"/>
+                    <a:cs typeface="CMU Bright Roman"/>
+                  </a:rPr>
+                  <a:t> </a:t>
+                </a:r>
+                <a:r>
+                  <a:rPr lang="en-US" sz="1600" dirty="0" smtClean="0">
+                    <a:latin typeface="CMU Bright Roman"/>
+                    <a:cs typeface="CMU Bright Roman"/>
+                  </a:rPr>
+                  <a:t>x</a:t>
+                </a:r>
+                <a:r>
+                  <a:rPr lang="en-US" sz="1600" i="1" baseline="30000" dirty="0">
+                    <a:latin typeface="CMU Bright Roman"/>
+                    <a:cs typeface="CMU Bright Roman"/>
+                  </a:rPr>
+                  <a:t>3</a:t>
+                </a:r>
+                <a:r>
+                  <a:rPr lang="en-US" sz="1600" i="1" dirty="0" smtClean="0">
+                    <a:latin typeface="CMU Bright Roman"/>
+                    <a:cs typeface="CMU Bright Roman"/>
+                  </a:rPr>
+                  <a:t>     h</a:t>
+                </a:r>
+                <a:r>
+                  <a:rPr lang="en-US" sz="1600" i="1" baseline="30000" dirty="0" smtClean="0">
+                    <a:latin typeface="CMU Bright Roman"/>
+                    <a:cs typeface="CMU Bright Roman"/>
+                  </a:rPr>
+                  <a:t>2</a:t>
+                </a:r>
+                <a:endParaRPr lang="en-US" sz="1600" i="1" baseline="30000" dirty="0">
+                  <a:latin typeface="CMU Bright Roman"/>
+                  <a:cs typeface="CMU Bright Roman"/>
+                </a:endParaRPr>
+              </a:p>
+              <a:p>
+                <a:pPr algn="r"/>
+                <a:endParaRPr lang="en-US" sz="1600" i="1" baseline="-25000" dirty="0">
+                  <a:latin typeface="CMU Bright Roman"/>
+                  <a:cs typeface="CMU Bright Roman"/>
+                </a:endParaRPr>
+              </a:p>
+            </p:txBody>
+          </p:sp>
+        </p:grpSp>
+        <p:sp>
+          <p:nvSpPr>
+            <p:cNvPr id="100" name="Rectangle 99"/>
+            <p:cNvSpPr/>
+            <p:nvPr/>
+          </p:nvSpPr>
+          <p:spPr>
+            <a:xfrm>
+              <a:off x="1089766" y="2576760"/>
+              <a:ext cx="398953" cy="366300"/>
+            </a:xfrm>
+            <a:prstGeom prst="rect">
+              <a:avLst/>
+            </a:prstGeom>
+            <a:solidFill>
+              <a:schemeClr val="accent1">
+                <a:lumMod val="60000"/>
+                <a:lumOff val="40000"/>
+                <a:alpha val="33000"/>
+              </a:schemeClr>
+            </a:solidFill>
+            <a:ln>
+              <a:solidFill>
+                <a:schemeClr val="accent1"/>
+              </a:solidFill>
+            </a:ln>
+            <a:effectLst/>
+          </p:spPr>
+          <p:style>
+            <a:lnRef idx="1">
+              <a:schemeClr val="accent1"/>
+            </a:lnRef>
+            <a:fillRef idx="3">
+              <a:schemeClr val="accent1"/>
+            </a:fillRef>
+            <a:effectRef idx="2">
+              <a:schemeClr val="accent1"/>
+            </a:effectRef>
+            <a:fontRef idx="minor">
+              <a:schemeClr val="lt1"/>
+            </a:fontRef>
+          </p:style>
+          <p:txBody>
+            <a:bodyPr rtlCol="0" anchor="ctr"/>
+            <a:lstStyle/>
+            <a:p>
+              <a:pPr algn="r"/>
+              <a:endParaRPr lang="en-US" dirty="0">
+                <a:solidFill>
+                  <a:srgbClr val="000000"/>
+                </a:solidFill>
+                <a:latin typeface="CMU Bright Roman"/>
+                <a:cs typeface="CMU Bright Roman"/>
+              </a:endParaRPr>
+            </a:p>
+          </p:txBody>
+        </p:sp>
+        <p:cxnSp>
+          <p:nvCxnSpPr>
+            <p:cNvPr id="101" name="Straight Arrow Connector 100"/>
+            <p:cNvCxnSpPr>
+              <a:stCxn id="112" idx="0"/>
+              <a:endCxn id="100" idx="2"/>
+            </p:cNvCxnSpPr>
+            <p:nvPr/>
+          </p:nvCxnSpPr>
+          <p:spPr>
+            <a:xfrm flipV="1">
+              <a:off x="1285852" y="2943060"/>
+              <a:ext cx="3391" cy="304517"/>
+            </a:xfrm>
+            <a:prstGeom prst="straightConnector1">
+              <a:avLst/>
+            </a:prstGeom>
+            <a:ln w="12700">
+              <a:solidFill>
+                <a:schemeClr val="tx1"/>
+              </a:solidFill>
+              <a:tailEnd type="arrow"/>
+            </a:ln>
+            <a:effectLst/>
+          </p:spPr>
+          <p:style>
+            <a:lnRef idx="2">
+              <a:schemeClr val="accent1"/>
+            </a:lnRef>
+            <a:fillRef idx="0">
+              <a:schemeClr val="accent1"/>
+            </a:fillRef>
+            <a:effectRef idx="1">
+              <a:schemeClr val="accent1"/>
+            </a:effectRef>
+            <a:fontRef idx="minor">
+              <a:schemeClr val="tx1"/>
+            </a:fontRef>
+          </p:style>
+        </p:cxnSp>
+        <p:sp>
+          <p:nvSpPr>
+            <p:cNvPr id="102" name="Rectangle 101"/>
+            <p:cNvSpPr/>
+            <p:nvPr/>
+          </p:nvSpPr>
+          <p:spPr>
+            <a:xfrm>
+              <a:off x="1036659" y="1306873"/>
+              <a:ext cx="498388" cy="457597"/>
+            </a:xfrm>
+            <a:prstGeom prst="rect">
+              <a:avLst/>
+            </a:prstGeom>
+            <a:solidFill>
+              <a:srgbClr val="FFFF00">
+                <a:alpha val="33000"/>
+              </a:srgbClr>
+            </a:solidFill>
+            <a:ln>
+              <a:solidFill>
+                <a:schemeClr val="accent1"/>
+              </a:solidFill>
+            </a:ln>
+            <a:effectLst/>
+          </p:spPr>
+          <p:style>
+            <a:lnRef idx="1">
+              <a:schemeClr val="accent1"/>
+            </a:lnRef>
+            <a:fillRef idx="3">
+              <a:schemeClr val="accent1"/>
+            </a:fillRef>
+            <a:effectRef idx="2">
+              <a:schemeClr val="accent1"/>
+            </a:effectRef>
+            <a:fontRef idx="minor">
+              <a:schemeClr val="lt1"/>
+            </a:fontRef>
+          </p:style>
+          <p:txBody>
+            <a:bodyPr rtlCol="0" anchor="ctr"/>
+            <a:lstStyle/>
+            <a:p>
+              <a:pPr algn="r"/>
+              <a:r>
+                <a:rPr lang="en-US" dirty="0" smtClean="0">
+                  <a:solidFill>
+                    <a:srgbClr val="000000"/>
+                  </a:solidFill>
+                  <a:latin typeface="CMU Bright Roman"/>
+                  <a:cs typeface="CMU Bright Roman"/>
+                </a:rPr>
+                <a:t>C</a:t>
+              </a:r>
+              <a:r>
+                <a:rPr lang="en-US" baseline="30000" dirty="0" smtClean="0">
+                  <a:solidFill>
+                    <a:srgbClr val="000000"/>
+                  </a:solidFill>
+                  <a:latin typeface="CMU Bright Roman"/>
+                  <a:cs typeface="CMU Bright Roman"/>
+                </a:rPr>
+                <a:t>3</a:t>
+              </a:r>
+              <a:endParaRPr lang="en-US" baseline="30000" dirty="0">
+                <a:solidFill>
+                  <a:srgbClr val="000000"/>
+                </a:solidFill>
+                <a:latin typeface="CMU Bright Roman"/>
+                <a:cs typeface="CMU Bright Roman"/>
+              </a:endParaRPr>
+            </a:p>
+          </p:txBody>
+        </p:sp>
+        <p:sp>
+          <p:nvSpPr>
+            <p:cNvPr id="103" name="TextBox 102"/>
+            <p:cNvSpPr txBox="1"/>
+            <p:nvPr/>
+          </p:nvSpPr>
+          <p:spPr>
+            <a:xfrm>
+              <a:off x="1093320" y="1978815"/>
+              <a:ext cx="393537" cy="338554"/>
+            </a:xfrm>
+            <a:prstGeom prst="rect">
+              <a:avLst/>
+            </a:prstGeom>
+            <a:noFill/>
+          </p:spPr>
+          <p:txBody>
+            <a:bodyPr wrap="none" rtlCol="0">
+              <a:spAutoFit/>
+            </a:bodyPr>
+            <a:lstStyle/>
+            <a:p>
+              <a:pPr algn="r"/>
+              <a:r>
+                <a:rPr lang="en-US" sz="1600" i="1" dirty="0" smtClean="0">
+                  <a:latin typeface="CMU Bright Roman"/>
+                  <a:cs typeface="CMU Bright Roman"/>
+                </a:rPr>
+                <a:t>y</a:t>
+              </a:r>
+              <a:r>
+                <a:rPr lang="en-US" sz="1600" i="1" baseline="30000" dirty="0" smtClean="0">
+                  <a:latin typeface="CMU Bright Roman"/>
+                  <a:cs typeface="CMU Bright Roman"/>
+                </a:rPr>
+                <a:t>3</a:t>
+              </a:r>
+              <a:endParaRPr lang="en-US" sz="1600" i="1" baseline="30000" dirty="0">
+                <a:latin typeface="CMU Bright Roman"/>
+                <a:cs typeface="CMU Bright Roman"/>
+              </a:endParaRPr>
+            </a:p>
+          </p:txBody>
+        </p:sp>
+        <p:cxnSp>
+          <p:nvCxnSpPr>
+            <p:cNvPr id="104" name="Straight Arrow Connector 103"/>
+            <p:cNvCxnSpPr>
+              <a:stCxn id="103" idx="0"/>
+              <a:endCxn id="102" idx="2"/>
+            </p:cNvCxnSpPr>
+            <p:nvPr/>
+          </p:nvCxnSpPr>
+          <p:spPr>
+            <a:xfrm flipH="1" flipV="1">
+              <a:off x="1285853" y="1764470"/>
+              <a:ext cx="4236" cy="214345"/>
+            </a:xfrm>
+            <a:prstGeom prst="straightConnector1">
+              <a:avLst/>
+            </a:prstGeom>
+            <a:ln w="12700">
+              <a:solidFill>
+                <a:schemeClr val="tx1"/>
+              </a:solidFill>
+              <a:tailEnd type="arrow"/>
+            </a:ln>
+            <a:effectLst/>
+          </p:spPr>
+          <p:style>
+            <a:lnRef idx="2">
+              <a:schemeClr val="accent1"/>
+            </a:lnRef>
+            <a:fillRef idx="0">
+              <a:schemeClr val="accent1"/>
+            </a:fillRef>
+            <a:effectRef idx="1">
+              <a:schemeClr val="accent1"/>
+            </a:effectRef>
+            <a:fontRef idx="minor">
+              <a:schemeClr val="tx1"/>
+            </a:fontRef>
+          </p:style>
+        </p:cxnSp>
+        <p:cxnSp>
+          <p:nvCxnSpPr>
+            <p:cNvPr id="105" name="Straight Arrow Connector 104"/>
+            <p:cNvCxnSpPr>
+              <a:stCxn id="100" idx="0"/>
+              <a:endCxn id="103" idx="2"/>
+            </p:cNvCxnSpPr>
+            <p:nvPr/>
+          </p:nvCxnSpPr>
+          <p:spPr>
+            <a:xfrm flipV="1">
+              <a:off x="1289243" y="2317369"/>
+              <a:ext cx="846" cy="259391"/>
+            </a:xfrm>
+            <a:prstGeom prst="straightConnector1">
+              <a:avLst/>
+            </a:prstGeom>
+            <a:ln w="12700">
+              <a:solidFill>
+                <a:schemeClr val="tx1"/>
+              </a:solidFill>
+              <a:tailEnd type="arrow"/>
+            </a:ln>
+            <a:effectLst/>
+          </p:spPr>
+          <p:style>
+            <a:lnRef idx="2">
+              <a:schemeClr val="accent1"/>
+            </a:lnRef>
+            <a:fillRef idx="0">
+              <a:schemeClr val="accent1"/>
+            </a:fillRef>
+            <a:effectRef idx="1">
+              <a:schemeClr val="accent1"/>
+            </a:effectRef>
+            <a:fontRef idx="minor">
+              <a:schemeClr val="tx1"/>
+            </a:fontRef>
+          </p:style>
+        </p:cxnSp>
+      </p:grpSp>
+      <p:sp>
+        <p:nvSpPr>
+          <p:cNvPr id="117" name="Freeform 116"/>
+          <p:cNvSpPr/>
+          <p:nvPr/>
+        </p:nvSpPr>
+        <p:spPr>
+          <a:xfrm>
+            <a:off x="1430243" y="3369886"/>
+            <a:ext cx="1430243" cy="2670005"/>
+          </a:xfrm>
+          <a:custGeom>
+            <a:avLst/>
+            <a:gdLst>
+              <a:gd name="connsiteX0" fmla="*/ 0 w 1430243"/>
+              <a:gd name="connsiteY0" fmla="*/ 197287 h 2670005"/>
+              <a:gd name="connsiteX1" fmla="*/ 332901 w 1430243"/>
+              <a:gd name="connsiteY1" fmla="*/ 234274 h 2670005"/>
+              <a:gd name="connsiteX2" fmla="*/ 678133 w 1430243"/>
+              <a:gd name="connsiteY2" fmla="*/ 2539795 h 2670005"/>
+              <a:gd name="connsiteX3" fmla="*/ 1430243 w 1430243"/>
+              <a:gd name="connsiteY3" fmla="*/ 2379518 h 2670005"/>
+            </a:gdLst>
+            <a:ahLst/>
+            <a:cxnLst>
+              <a:cxn ang="0">
+                <a:pos x="connsiteX0" y="connsiteY0"/>
+              </a:cxn>
+              <a:cxn ang="0">
+                <a:pos x="connsiteX1" y="connsiteY1"/>
+              </a:cxn>
+              <a:cxn ang="0">
+                <a:pos x="connsiteX2" y="connsiteY2"/>
+              </a:cxn>
+              <a:cxn ang="0">
+                <a:pos x="connsiteX3" y="connsiteY3"/>
+              </a:cxn>
+            </a:cxnLst>
+            <a:rect l="l" t="t" r="r" b="b"/>
+            <a:pathLst>
+              <a:path w="1430243" h="2670005">
+                <a:moveTo>
+                  <a:pt x="0" y="197287"/>
+                </a:moveTo>
+                <a:cubicBezTo>
+                  <a:pt x="109939" y="20571"/>
+                  <a:pt x="219879" y="-156144"/>
+                  <a:pt x="332901" y="234274"/>
+                </a:cubicBezTo>
+                <a:cubicBezTo>
+                  <a:pt x="445923" y="624692"/>
+                  <a:pt x="495243" y="2182254"/>
+                  <a:pt x="678133" y="2539795"/>
+                </a:cubicBezTo>
+                <a:cubicBezTo>
+                  <a:pt x="861023" y="2897336"/>
+                  <a:pt x="1309001" y="2408286"/>
+                  <a:pt x="1430243" y="2379518"/>
+                </a:cubicBezTo>
+              </a:path>
+            </a:pathLst>
+          </a:custGeom>
+          <a:ln>
+            <a:headEnd type="none"/>
+            <a:tailEnd type="arrow"/>
+          </a:ln>
+          <a:effectLst/>
+        </p:spPr>
+        <p:style>
+          <a:lnRef idx="2">
+            <a:schemeClr val="accent1"/>
+          </a:lnRef>
+          <a:fillRef idx="0">
+            <a:schemeClr val="accent1"/>
+          </a:fillRef>
+          <a:effectRef idx="1">
+            <a:schemeClr val="accent1"/>
+          </a:effectRef>
+          <a:fontRef idx="minor">
+            <a:schemeClr val="tx1"/>
+          </a:fontRef>
+        </p:style>
+        <p:txBody>
+          <a:bodyPr rtlCol="0" anchor="ctr"/>
+          <a:lstStyle/>
+          <a:p>
+            <a:pPr algn="r"/>
+            <a:endParaRPr lang="en-US"/>
+          </a:p>
+        </p:txBody>
+      </p:sp>
+      <p:sp>
+        <p:nvSpPr>
+          <p:cNvPr id="122" name="Freeform 121"/>
+          <p:cNvSpPr/>
+          <p:nvPr/>
+        </p:nvSpPr>
+        <p:spPr>
+          <a:xfrm>
+            <a:off x="2800144" y="3362940"/>
+            <a:ext cx="1430243" cy="2670005"/>
+          </a:xfrm>
+          <a:custGeom>
+            <a:avLst/>
+            <a:gdLst>
+              <a:gd name="connsiteX0" fmla="*/ 0 w 1430243"/>
+              <a:gd name="connsiteY0" fmla="*/ 197287 h 2670005"/>
+              <a:gd name="connsiteX1" fmla="*/ 332901 w 1430243"/>
+              <a:gd name="connsiteY1" fmla="*/ 234274 h 2670005"/>
+              <a:gd name="connsiteX2" fmla="*/ 678133 w 1430243"/>
+              <a:gd name="connsiteY2" fmla="*/ 2539795 h 2670005"/>
+              <a:gd name="connsiteX3" fmla="*/ 1430243 w 1430243"/>
+              <a:gd name="connsiteY3" fmla="*/ 2379518 h 2670005"/>
+            </a:gdLst>
+            <a:ahLst/>
+            <a:cxnLst>
+              <a:cxn ang="0">
+                <a:pos x="connsiteX0" y="connsiteY0"/>
+              </a:cxn>
+              <a:cxn ang="0">
+                <a:pos x="connsiteX1" y="connsiteY1"/>
+              </a:cxn>
+              <a:cxn ang="0">
+                <a:pos x="connsiteX2" y="connsiteY2"/>
+              </a:cxn>
+              <a:cxn ang="0">
+                <a:pos x="connsiteX3" y="connsiteY3"/>
+              </a:cxn>
+            </a:cxnLst>
+            <a:rect l="l" t="t" r="r" b="b"/>
+            <a:pathLst>
+              <a:path w="1430243" h="2670005">
+                <a:moveTo>
+                  <a:pt x="0" y="197287"/>
+                </a:moveTo>
+                <a:cubicBezTo>
+                  <a:pt x="109939" y="20571"/>
+                  <a:pt x="219879" y="-156144"/>
+                  <a:pt x="332901" y="234274"/>
+                </a:cubicBezTo>
+                <a:cubicBezTo>
+                  <a:pt x="445923" y="624692"/>
+                  <a:pt x="495243" y="2182254"/>
+                  <a:pt x="678133" y="2539795"/>
+                </a:cubicBezTo>
+                <a:cubicBezTo>
+                  <a:pt x="861023" y="2897336"/>
+                  <a:pt x="1309001" y="2408286"/>
+                  <a:pt x="1430243" y="2379518"/>
+                </a:cubicBezTo>
+              </a:path>
+            </a:pathLst>
+          </a:custGeom>
+          <a:ln>
+            <a:headEnd type="none"/>
+            <a:tailEnd type="arrow"/>
+          </a:ln>
+          <a:effectLst/>
+        </p:spPr>
+        <p:style>
+          <a:lnRef idx="2">
+            <a:schemeClr val="accent1"/>
+          </a:lnRef>
+          <a:fillRef idx="0">
+            <a:schemeClr val="accent1"/>
+          </a:fillRef>
+          <a:effectRef idx="1">
+            <a:schemeClr val="accent1"/>
+          </a:effectRef>
+          <a:fontRef idx="minor">
+            <a:schemeClr val="tx1"/>
+          </a:fontRef>
+        </p:style>
+        <p:txBody>
+          <a:bodyPr rtlCol="0" anchor="ctr"/>
+          <a:lstStyle/>
+          <a:p>
+            <a:pPr algn="r"/>
+            <a:endParaRPr lang="en-US"/>
+          </a:p>
+        </p:txBody>
+      </p:sp>
+      <p:sp>
+        <p:nvSpPr>
+          <p:cNvPr id="8" name="Rectangle 7"/>
+          <p:cNvSpPr/>
+          <p:nvPr/>
+        </p:nvSpPr>
+        <p:spPr>
+          <a:xfrm>
+            <a:off x="1105687" y="4416136"/>
+            <a:ext cx="373254" cy="369332"/>
+          </a:xfrm>
+          <a:prstGeom prst="rect">
+            <a:avLst/>
+          </a:prstGeom>
+        </p:spPr>
+        <p:txBody>
+          <a:bodyPr wrap="none">
+            <a:spAutoFit/>
+          </a:bodyPr>
+          <a:lstStyle/>
+          <a:p>
+            <a:pPr algn="r"/>
+            <a:r>
+              <a:rPr lang="en-US" dirty="0" smtClean="0">
+                <a:latin typeface="CMU Bright Roman"/>
+                <a:cs typeface="CMU Bright Roman"/>
+              </a:rPr>
+              <a:t>c</a:t>
+            </a:r>
+            <a:r>
+              <a:rPr lang="en-US" i="1" baseline="30000" dirty="0">
+                <a:latin typeface="CMU Bright Roman"/>
+                <a:cs typeface="CMU Bright Roman"/>
+              </a:rPr>
+              <a:t>1</a:t>
+            </a:r>
+            <a:endParaRPr lang="en-US" baseline="30000" dirty="0"/>
+          </a:p>
+        </p:txBody>
+      </p:sp>
+      <p:sp>
+        <p:nvSpPr>
+          <p:cNvPr id="61" name="Rectangle 60"/>
+          <p:cNvSpPr/>
+          <p:nvPr/>
+        </p:nvSpPr>
+        <p:spPr>
+          <a:xfrm>
+            <a:off x="2474252" y="4416136"/>
+            <a:ext cx="377026" cy="369332"/>
+          </a:xfrm>
+          <a:prstGeom prst="rect">
+            <a:avLst/>
+          </a:prstGeom>
+        </p:spPr>
+        <p:txBody>
+          <a:bodyPr wrap="none">
+            <a:spAutoFit/>
+          </a:bodyPr>
+          <a:lstStyle/>
+          <a:p>
+            <a:pPr algn="r"/>
+            <a:r>
+              <a:rPr lang="en-US" dirty="0" smtClean="0">
+                <a:latin typeface="CMU Bright Roman"/>
+                <a:cs typeface="CMU Bright Roman"/>
+              </a:rPr>
+              <a:t>c</a:t>
+            </a:r>
+            <a:r>
+              <a:rPr lang="en-US" i="1" baseline="30000" dirty="0" smtClean="0">
+                <a:latin typeface="CMU Bright Roman"/>
+                <a:cs typeface="CMU Bright Roman"/>
+              </a:rPr>
+              <a:t>2</a:t>
+            </a:r>
+            <a:endParaRPr lang="en-US" baseline="30000" dirty="0"/>
+          </a:p>
+        </p:txBody>
+      </p:sp>
+      <p:sp>
+        <p:nvSpPr>
+          <p:cNvPr id="63" name="Rectangle 62"/>
+          <p:cNvSpPr/>
+          <p:nvPr/>
+        </p:nvSpPr>
+        <p:spPr>
+          <a:xfrm>
+            <a:off x="3809149" y="4416136"/>
+            <a:ext cx="377026" cy="369332"/>
+          </a:xfrm>
+          <a:prstGeom prst="rect">
+            <a:avLst/>
+          </a:prstGeom>
+        </p:spPr>
+        <p:txBody>
+          <a:bodyPr wrap="none">
+            <a:spAutoFit/>
+          </a:bodyPr>
+          <a:lstStyle/>
+          <a:p>
+            <a:pPr algn="r"/>
+            <a:r>
+              <a:rPr lang="en-US" dirty="0" smtClean="0">
+                <a:latin typeface="CMU Bright Roman"/>
+                <a:cs typeface="CMU Bright Roman"/>
+              </a:rPr>
+              <a:t>c</a:t>
+            </a:r>
+            <a:r>
+              <a:rPr lang="en-US" i="1" baseline="30000" dirty="0">
+                <a:latin typeface="CMU Bright Roman"/>
+                <a:cs typeface="CMU Bright Roman"/>
+              </a:rPr>
+              <a:t>3</a:t>
+            </a:r>
+            <a:endParaRPr lang="en-US" baseline="30000" dirty="0"/>
+          </a:p>
+        </p:txBody>
+      </p:sp>
+      <p:cxnSp>
+        <p:nvCxnSpPr>
+          <p:cNvPr id="64" name="Straight Arrow Connector 63"/>
+          <p:cNvCxnSpPr>
+            <a:stCxn id="33" idx="4"/>
+            <a:endCxn id="91" idx="0"/>
+          </p:cNvCxnSpPr>
+          <p:nvPr/>
+        </p:nvCxnSpPr>
+        <p:spPr>
+          <a:xfrm>
+            <a:off x="1545446" y="4630284"/>
+            <a:ext cx="857827" cy="1"/>
+          </a:xfrm>
+          <a:prstGeom prst="straightConnector1">
+            <a:avLst/>
+          </a:prstGeom>
+          <a:ln w="28575" cmpd="sng">
+            <a:solidFill>
+              <a:schemeClr val="accent1"/>
+            </a:solidFill>
+            <a:tailEnd type="arrow"/>
+          </a:ln>
+          <a:effectLst/>
+        </p:spPr>
+        <p:style>
+          <a:lnRef idx="2">
+            <a:schemeClr val="accent1"/>
+          </a:lnRef>
+          <a:fillRef idx="0">
+            <a:schemeClr val="accent1"/>
+          </a:fillRef>
+          <a:effectRef idx="1">
+            <a:schemeClr val="accent1"/>
+          </a:effectRef>
+          <a:fontRef idx="minor">
+            <a:schemeClr val="tx1"/>
+          </a:fontRef>
+        </p:style>
+      </p:cxnSp>
+      <p:cxnSp>
+        <p:nvCxnSpPr>
+          <p:cNvPr id="65" name="Straight Arrow Connector 64"/>
+          <p:cNvCxnSpPr>
+            <a:stCxn id="91" idx="4"/>
+            <a:endCxn id="107" idx="0"/>
+          </p:cNvCxnSpPr>
+          <p:nvPr/>
+        </p:nvCxnSpPr>
+        <p:spPr>
+          <a:xfrm>
+            <a:off x="2918484" y="4630285"/>
+            <a:ext cx="819324" cy="5596"/>
+          </a:xfrm>
+          <a:prstGeom prst="straightConnector1">
+            <a:avLst/>
+          </a:prstGeom>
+          <a:ln w="28575" cmpd="sng">
+            <a:solidFill>
+              <a:schemeClr val="accent1"/>
+            </a:solidFill>
+            <a:tailEnd type="arrow"/>
+          </a:ln>
+          <a:effectLst/>
+        </p:spPr>
+        <p:style>
+          <a:lnRef idx="2">
+            <a:schemeClr val="accent1"/>
+          </a:lnRef>
+          <a:fillRef idx="0">
+            <a:schemeClr val="accent1"/>
+          </a:fillRef>
+          <a:effectRef idx="1">
+            <a:schemeClr val="accent1"/>
+          </a:effectRef>
+          <a:fontRef idx="minor">
+            <a:schemeClr val="tx1"/>
+          </a:fontRef>
+        </p:style>
+      </p:cxnSp>
+      <p:sp>
+        <p:nvSpPr>
+          <p:cNvPr id="13" name="Rectangle 12"/>
+          <p:cNvSpPr/>
+          <p:nvPr/>
+        </p:nvSpPr>
+        <p:spPr>
+          <a:xfrm>
+            <a:off x="415149" y="149306"/>
+            <a:ext cx="4458756" cy="6060073"/>
+          </a:xfrm>
+          <a:prstGeom prst="rect">
+            <a:avLst/>
+          </a:prstGeom>
+          <a:noFill/>
+          <a:ln>
+            <a:noFill/>
+          </a:ln>
+        </p:spPr>
+        <p:style>
+          <a:lnRef idx="1">
+            <a:schemeClr val="accent1"/>
+          </a:lnRef>
+          <a:fillRef idx="3">
+            <a:schemeClr val="accent1"/>
+          </a:fillRef>
+          <a:effectRef idx="2">
+            <a:schemeClr val="accent1"/>
+          </a:effectRef>
+          <a:fontRef idx="minor">
+            <a:schemeClr val="lt1"/>
+          </a:fontRef>
+        </p:style>
+        <p:txBody>
+          <a:bodyPr rtlCol="0" anchor="ctr"/>
+          <a:lstStyle/>
+          <a:p>
+            <a:pPr algn="ctr"/>
+            <a:endParaRPr lang="en-US"/>
+          </a:p>
+        </p:txBody>
+      </p:sp>
+    </p:spTree>
+    <p:extLst>
+      <p:ext uri="{BB962C8B-B14F-4D97-AF65-F5344CB8AC3E}">
+        <p14:creationId xmlns:p14="http://schemas.microsoft.com/office/powerpoint/2010/main" val="2893880933"/>
+      </p:ext>
+    </p:extLst>
+  </p:cSld>
+  <p:clrMapOvr>
+    <a:masterClrMapping/>
+  </p:clrMapOvr>
+  <p:timing>
+    <p:tnLst>
+      <p:par>
+        <p:cTn xmlns:p14="http://schemas.microsoft.com/office/powerpoint/2010/main" id="1" dur="indefinite" restart="never" nodeType="tmRoot">
+          <p:childTnLst>
+            <p:seq concurrent="1" nextAc="seek">
+              <p:cTn id="2" dur="indefinite" nodeType="mainSeq">
+                <p:childTnLst>
+                  <p:par>
+                    <p:cTn id="3" fill="hold">
+                      <p:stCondLst>
+                        <p:cond delay="indefinite"/>
+                      </p:stCondLst>
+                      <p:childTnLst>
+                        <p:par>
+                          <p:cTn id="4" fill="hold">
+                            <p:stCondLst>
+                              <p:cond delay="0"/>
+                            </p:stCondLst>
+                            <p:childTnLst>
+                              <p:par>
+                                <p:cTn id="5" presetID="1" presetClass="entr" presetSubtype="0" fill="hold" nodeType="clickEffect">
+                                  <p:stCondLst>
+                                    <p:cond delay="0"/>
+                                  </p:stCondLst>
+                                  <p:childTnLst>
+                                    <p:set>
+                                      <p:cBhvr>
+                                        <p:cTn id="6" dur="1" fill="hold">
+                                          <p:stCondLst>
+                                            <p:cond delay="0"/>
+                                          </p:stCondLst>
+                                        </p:cTn>
+                                        <p:tgtEl>
+                                          <p:spTgt spid="53"/>
+                                        </p:tgtEl>
+                                        <p:attrNameLst>
+                                          <p:attrName>style.visibility</p:attrName>
+                                        </p:attrNameLst>
+                                      </p:cBhvr>
+                                      <p:to>
+                                        <p:strVal val="visible"/>
+                                      </p:to>
+                                    </p:set>
+                                  </p:childTnLst>
+                                </p:cTn>
+                              </p:par>
+                            </p:childTnLst>
+                          </p:cTn>
+                        </p:par>
+                      </p:childTnLst>
+                    </p:cTn>
+                  </p:par>
+                  <p:par>
+                    <p:cTn id="7" fill="hold">
+                      <p:stCondLst>
+                        <p:cond delay="indefinite"/>
+                      </p:stCondLst>
+                      <p:childTnLst>
+                        <p:par>
+                          <p:cTn id="8" fill="hold">
+                            <p:stCondLst>
+                              <p:cond delay="0"/>
+                            </p:stCondLst>
+                            <p:childTnLst>
+                              <p:par>
+                                <p:cTn id="9" presetID="1" presetClass="entr" presetSubtype="0" fill="hold" nodeType="clickEffect">
+                                  <p:stCondLst>
+                                    <p:cond delay="0"/>
+                                  </p:stCondLst>
+                                  <p:childTnLst>
+                                    <p:set>
+                                      <p:cBhvr>
+                                        <p:cTn id="10" dur="1" fill="hold">
+                                          <p:stCondLst>
+                                            <p:cond delay="0"/>
+                                          </p:stCondLst>
+                                        </p:cTn>
+                                        <p:tgtEl>
+                                          <p:spTgt spid="82"/>
+                                        </p:tgtEl>
+                                        <p:attrNameLst>
+                                          <p:attrName>style.visibility</p:attrName>
+                                        </p:attrNameLst>
+                                      </p:cBhvr>
+                                      <p:to>
+                                        <p:strVal val="visible"/>
+                                      </p:to>
+                                    </p:set>
+                                  </p:childTnLst>
+                                </p:cTn>
+                              </p:par>
+                              <p:par>
+                                <p:cTn id="11" presetID="1" presetClass="entr" presetSubtype="0" fill="hold" grpId="0" nodeType="withEffect">
+                                  <p:stCondLst>
+                                    <p:cond delay="0"/>
+                                  </p:stCondLst>
+                                  <p:childTnLst>
+                                    <p:set>
+                                      <p:cBhvr>
+                                        <p:cTn id="12" dur="1" fill="hold">
+                                          <p:stCondLst>
+                                            <p:cond delay="0"/>
+                                          </p:stCondLst>
+                                        </p:cTn>
+                                        <p:tgtEl>
+                                          <p:spTgt spid="117"/>
+                                        </p:tgtEl>
+                                        <p:attrNameLst>
+                                          <p:attrName>style.visibility</p:attrName>
+                                        </p:attrNameLst>
+                                      </p:cBhvr>
+                                      <p:to>
+                                        <p:strVal val="visible"/>
+                                      </p:to>
+                                    </p:set>
+                                  </p:childTnLst>
+                                </p:cTn>
+                              </p:par>
+                            </p:childTnLst>
+                          </p:cTn>
+                        </p:par>
+                      </p:childTnLst>
+                    </p:cTn>
+                  </p:par>
+                  <p:par>
+                    <p:cTn id="13" fill="hold">
+                      <p:stCondLst>
+                        <p:cond delay="indefinite"/>
+                      </p:stCondLst>
+                      <p:childTnLst>
+                        <p:par>
+                          <p:cTn id="14" fill="hold">
+                            <p:stCondLst>
+                              <p:cond delay="0"/>
+                            </p:stCondLst>
+                            <p:childTnLst>
+                              <p:par>
+                                <p:cTn id="15" presetID="1" presetClass="entr" presetSubtype="0" fill="hold" nodeType="clickEffect">
+                                  <p:stCondLst>
+                                    <p:cond delay="0"/>
+                                  </p:stCondLst>
+                                  <p:childTnLst>
+                                    <p:set>
+                                      <p:cBhvr>
+                                        <p:cTn id="16" dur="1" fill="hold">
+                                          <p:stCondLst>
+                                            <p:cond delay="0"/>
+                                          </p:stCondLst>
+                                        </p:cTn>
+                                        <p:tgtEl>
+                                          <p:spTgt spid="98"/>
+                                        </p:tgtEl>
+                                        <p:attrNameLst>
+                                          <p:attrName>style.visibility</p:attrName>
+                                        </p:attrNameLst>
+                                      </p:cBhvr>
+                                      <p:to>
+                                        <p:strVal val="visible"/>
+                                      </p:to>
+                                    </p:set>
+                                  </p:childTnLst>
+                                </p:cTn>
+                              </p:par>
+                              <p:par>
+                                <p:cTn id="17" presetID="1" presetClass="entr" presetSubtype="0" fill="hold" grpId="0" nodeType="withEffect">
+                                  <p:stCondLst>
+                                    <p:cond delay="0"/>
+                                  </p:stCondLst>
+                                  <p:childTnLst>
+                                    <p:set>
+                                      <p:cBhvr>
+                                        <p:cTn id="18" dur="1" fill="hold">
+                                          <p:stCondLst>
+                                            <p:cond delay="0"/>
+                                          </p:stCondLst>
+                                        </p:cTn>
+                                        <p:tgtEl>
+                                          <p:spTgt spid="122"/>
+                                        </p:tgtEl>
+                                        <p:attrNameLst>
+                                          <p:attrName>style.visibility</p:attrName>
+                                        </p:attrNameLst>
+                                      </p:cBhvr>
+                                      <p:to>
+                                        <p:strVal val="visible"/>
+                                      </p:to>
+                                    </p:set>
+                                  </p:childTnLst>
+                                </p:cTn>
+                              </p:par>
+                            </p:childTnLst>
+                          </p:cTn>
+                        </p:par>
+                      </p:childTnLst>
+                    </p:cTn>
+                  </p:par>
+                </p:childTnLst>
+              </p:cTn>
+              <p:prevCondLst>
+                <p:cond evt="onPrev" delay="0">
+                  <p:tgtEl>
+                    <p:sldTgt/>
+                  </p:tgtEl>
+                </p:cond>
+              </p:prevCondLst>
+              <p:nextCondLst>
+                <p:cond evt="onNext" delay="0">
+                  <p:tgtEl>
+                    <p:sldTgt/>
+                  </p:tgtEl>
+                </p:cond>
+              </p:nextCondLst>
+            </p:seq>
+          </p:childTnLst>
+        </p:cTn>
+      </p:par>
+    </p:tnLst>
+    <p:bldLst>
+      <p:bldP spid="117" grpId="0" animBg="1"/>
+      <p:bldP spid="122" grpId="0" animBg="1"/>
+    </p:bldLst>
+  </p:timing>
+</p:sld>
+</file>
+
+<file path=ppt/slides/slide16.xml><?xml version="1.0" encoding="utf-8"?>
+<p:sld xmlns:a="http://schemas.openxmlformats.org/drawingml/2006/main" xmlns:r="http://schemas.openxmlformats.org/officeDocument/2006/relationships" xmlns:p="http://schemas.openxmlformats.org/presentationml/2006/main">
+  <p:cSld>
+    <p:spTree>
+      <p:nvGrpSpPr>
+        <p:cNvPr id="1" name=""/>
+        <p:cNvGrpSpPr/>
+        <p:nvPr/>
+      </p:nvGrpSpPr>
+      <p:grpSpPr>
+        <a:xfrm>
+          <a:off x="0" y="0"/>
+          <a:ext cx="0" cy="0"/>
+          <a:chOff x="0" y="0"/>
+          <a:chExt cx="0" cy="0"/>
+        </a:xfrm>
+      </p:grpSpPr>
+      <p:sp>
+        <p:nvSpPr>
+          <p:cNvPr id="32" name="Rectangle 31"/>
+          <p:cNvSpPr/>
+          <p:nvPr/>
+        </p:nvSpPr>
+        <p:spPr>
+          <a:xfrm rot="16200000">
+            <a:off x="747436" y="4121066"/>
+            <a:ext cx="1049363" cy="1023306"/>
+          </a:xfrm>
+          <a:prstGeom prst="rect">
+            <a:avLst/>
+          </a:prstGeom>
+          <a:solidFill>
+            <a:schemeClr val="accent3">
+              <a:lumMod val="40000"/>
+              <a:lumOff val="60000"/>
+              <a:alpha val="33000"/>
+            </a:schemeClr>
+          </a:solidFill>
+          <a:ln>
+            <a:solidFill>
+              <a:schemeClr val="accent3"/>
+            </a:solidFill>
+          </a:ln>
+          <a:effectLst/>
+        </p:spPr>
+        <p:style>
+          <a:lnRef idx="1">
+            <a:schemeClr val="accent1"/>
+          </a:lnRef>
+          <a:fillRef idx="3">
+            <a:schemeClr val="accent1"/>
+          </a:fillRef>
+          <a:effectRef idx="2">
+            <a:schemeClr val="accent1"/>
+          </a:effectRef>
+          <a:fontRef idx="minor">
+            <a:schemeClr val="lt1"/>
+          </a:fontRef>
+        </p:style>
+        <p:txBody>
+          <a:bodyPr rtlCol="0" anchor="ctr"/>
+          <a:lstStyle/>
+          <a:p>
+            <a:pPr algn="r"/>
+            <a:endParaRPr lang="en-US"/>
+          </a:p>
+        </p:txBody>
+      </p:sp>
+      <p:sp>
+        <p:nvSpPr>
+          <p:cNvPr id="33" name="Oval 32"/>
+          <p:cNvSpPr/>
+          <p:nvPr/>
+        </p:nvSpPr>
+        <p:spPr>
+          <a:xfrm rot="16200000">
+            <a:off x="1030235" y="4372679"/>
+            <a:ext cx="515211" cy="515211"/>
+          </a:xfrm>
+          <a:prstGeom prst="ellipse">
+            <a:avLst/>
+          </a:prstGeom>
+          <a:solidFill>
+            <a:srgbClr val="93CDDD"/>
+          </a:solidFill>
+          <a:ln w="19050" cmpd="sng">
+            <a:solidFill>
+              <a:srgbClr val="4F81BD"/>
+            </a:solidFill>
+          </a:ln>
+          <a:effectLst/>
+        </p:spPr>
+        <p:style>
+          <a:lnRef idx="1">
+            <a:schemeClr val="accent1"/>
+          </a:lnRef>
+          <a:fillRef idx="3">
+            <a:schemeClr val="accent1"/>
+          </a:fillRef>
+          <a:effectRef idx="2">
+            <a:schemeClr val="accent1"/>
+          </a:effectRef>
+          <a:fontRef idx="minor">
+            <a:schemeClr val="lt1"/>
+          </a:fontRef>
+        </p:style>
+        <p:txBody>
+          <a:bodyPr rtlCol="0" anchor="ctr" anchorCtr="1"/>
+          <a:lstStyle/>
+          <a:p>
+            <a:pPr algn="r"/>
+            <a:endParaRPr lang="en-US" sz="1600" baseline="-25000" dirty="0">
+              <a:solidFill>
+                <a:srgbClr val="000000"/>
+              </a:solidFill>
+              <a:latin typeface="CMU Bright Roman"/>
+              <a:cs typeface="CMU Bright Roman"/>
+            </a:endParaRPr>
+          </a:p>
+        </p:txBody>
+      </p:sp>
+      <p:cxnSp>
+        <p:nvCxnSpPr>
+          <p:cNvPr id="62" name="Straight Arrow Connector 61"/>
+          <p:cNvCxnSpPr>
+            <a:stCxn id="33" idx="6"/>
+          </p:cNvCxnSpPr>
+          <p:nvPr/>
+        </p:nvCxnSpPr>
+        <p:spPr>
+          <a:xfrm rot="16200000">
+            <a:off x="971319" y="4054669"/>
+            <a:ext cx="634532" cy="1488"/>
+          </a:xfrm>
+          <a:prstGeom prst="straightConnector1">
+            <a:avLst/>
+          </a:prstGeom>
+          <a:ln w="12700">
+            <a:solidFill>
+              <a:schemeClr val="tx1"/>
+            </a:solidFill>
+            <a:headEnd type="arrow"/>
+            <a:tailEnd type="none"/>
+          </a:ln>
+          <a:effectLst/>
+        </p:spPr>
+        <p:style>
+          <a:lnRef idx="2">
+            <a:schemeClr val="accent1"/>
+          </a:lnRef>
+          <a:fillRef idx="0">
+            <a:schemeClr val="accent1"/>
+          </a:fillRef>
+          <a:effectRef idx="1">
+            <a:schemeClr val="accent1"/>
+          </a:effectRef>
+          <a:fontRef idx="minor">
+            <a:schemeClr val="tx1"/>
+          </a:fontRef>
+        </p:style>
+      </p:cxnSp>
+      <p:cxnSp>
+        <p:nvCxnSpPr>
+          <p:cNvPr id="125" name="Straight Arrow Connector 124"/>
+          <p:cNvCxnSpPr>
+            <a:endCxn id="33" idx="1"/>
+          </p:cNvCxnSpPr>
+          <p:nvPr/>
+        </p:nvCxnSpPr>
+        <p:spPr>
+          <a:xfrm flipV="1">
+            <a:off x="1030236" y="4812439"/>
+            <a:ext cx="75451" cy="690018"/>
+          </a:xfrm>
+          <a:prstGeom prst="straightConnector1">
+            <a:avLst/>
+          </a:prstGeom>
+          <a:ln w="12700">
+            <a:solidFill>
+              <a:schemeClr val="tx1"/>
+            </a:solidFill>
+            <a:headEnd type="arrow"/>
+            <a:tailEnd type="none"/>
+          </a:ln>
+          <a:effectLst/>
+        </p:spPr>
+        <p:style>
+          <a:lnRef idx="2">
+            <a:schemeClr val="accent1"/>
+          </a:lnRef>
+          <a:fillRef idx="0">
+            <a:schemeClr val="accent1"/>
+          </a:fillRef>
+          <a:effectRef idx="1">
+            <a:schemeClr val="accent1"/>
+          </a:effectRef>
+          <a:fontRef idx="minor">
+            <a:schemeClr val="tx1"/>
+          </a:fontRef>
+        </p:style>
+      </p:cxnSp>
+      <p:cxnSp>
+        <p:nvCxnSpPr>
+          <p:cNvPr id="131" name="Straight Arrow Connector 130"/>
+          <p:cNvCxnSpPr>
+            <a:endCxn id="33" idx="3"/>
+          </p:cNvCxnSpPr>
+          <p:nvPr/>
+        </p:nvCxnSpPr>
+        <p:spPr>
+          <a:xfrm flipH="1" flipV="1">
+            <a:off x="1469995" y="4812439"/>
+            <a:ext cx="75452" cy="690018"/>
+          </a:xfrm>
+          <a:prstGeom prst="straightConnector1">
+            <a:avLst/>
+          </a:prstGeom>
+          <a:ln w="12700">
+            <a:solidFill>
+              <a:schemeClr val="tx1"/>
+            </a:solidFill>
+            <a:headEnd type="arrow"/>
+            <a:tailEnd type="none"/>
+          </a:ln>
+          <a:effectLst/>
+        </p:spPr>
+        <p:style>
+          <a:lnRef idx="2">
+            <a:schemeClr val="accent1"/>
+          </a:lnRef>
+          <a:fillRef idx="0">
+            <a:schemeClr val="accent1"/>
+          </a:fillRef>
+          <a:effectRef idx="1">
+            <a:schemeClr val="accent1"/>
+          </a:effectRef>
+          <a:fontRef idx="minor">
+            <a:schemeClr val="tx1"/>
+          </a:fontRef>
+        </p:style>
+      </p:cxnSp>
+      <p:sp>
+        <p:nvSpPr>
+          <p:cNvPr id="164" name="TextBox 163"/>
+          <p:cNvSpPr txBox="1"/>
+          <p:nvPr/>
+        </p:nvSpPr>
+        <p:spPr>
+          <a:xfrm>
+            <a:off x="1083030" y="3374962"/>
+            <a:ext cx="405644" cy="338554"/>
+          </a:xfrm>
+          <a:prstGeom prst="rect">
+            <a:avLst/>
+          </a:prstGeom>
+          <a:noFill/>
+        </p:spPr>
+        <p:txBody>
+          <a:bodyPr wrap="none" rtlCol="0">
+            <a:spAutoFit/>
+          </a:bodyPr>
+          <a:lstStyle/>
+          <a:p>
+            <a:pPr algn="r"/>
+            <a:r>
+              <a:rPr lang="en-US" sz="1600" i="1" dirty="0" smtClean="0">
+                <a:latin typeface="CMU Bright Roman"/>
+                <a:cs typeface="CMU Bright Roman"/>
+              </a:rPr>
+              <a:t>h</a:t>
+            </a:r>
+            <a:r>
+              <a:rPr lang="en-US" sz="1600" i="1" baseline="30000" dirty="0">
+                <a:latin typeface="CMU Bright Roman"/>
+                <a:cs typeface="CMU Bright Roman"/>
+              </a:rPr>
+              <a:t>1</a:t>
+            </a:r>
+          </a:p>
+        </p:txBody>
+      </p:sp>
+      <p:sp>
+        <p:nvSpPr>
+          <p:cNvPr id="60" name="TextBox 59"/>
+          <p:cNvSpPr txBox="1"/>
+          <p:nvPr/>
+        </p:nvSpPr>
+        <p:spPr>
+          <a:xfrm>
+            <a:off x="760465" y="5415612"/>
+            <a:ext cx="1023307" cy="502702"/>
+          </a:xfrm>
+          <a:prstGeom prst="rect">
+            <a:avLst/>
+          </a:prstGeom>
+          <a:noFill/>
+        </p:spPr>
+        <p:txBody>
+          <a:bodyPr wrap="square" rtlCol="0">
+            <a:spAutoFit/>
+          </a:bodyPr>
+          <a:lstStyle/>
+          <a:p>
+            <a:pPr algn="r"/>
+            <a:r>
+              <a:rPr lang="en-US" sz="1600" b="1" dirty="0" smtClean="0">
+                <a:latin typeface="CMU Bright Roman"/>
+                <a:cs typeface="CMU Bright Roman"/>
+              </a:rPr>
+              <a:t> </a:t>
+            </a:r>
+            <a:r>
+              <a:rPr lang="en-US" sz="1600" dirty="0" smtClean="0">
+                <a:latin typeface="CMU Bright Roman"/>
+                <a:cs typeface="CMU Bright Roman"/>
+              </a:rPr>
+              <a:t>x</a:t>
+            </a:r>
+            <a:r>
+              <a:rPr lang="en-US" sz="1600" i="1" baseline="30000" dirty="0">
+                <a:latin typeface="CMU Bright Roman"/>
+                <a:cs typeface="CMU Bright Roman"/>
+              </a:rPr>
+              <a:t>1</a:t>
+            </a:r>
+            <a:r>
+              <a:rPr lang="en-US" sz="1600" i="1" baseline="-25000" dirty="0" smtClean="0">
+                <a:latin typeface="CMU Bright Roman"/>
+                <a:cs typeface="CMU Bright Roman"/>
+              </a:rPr>
+              <a:t>  </a:t>
+            </a:r>
+            <a:r>
+              <a:rPr lang="en-US" sz="1600" i="1" dirty="0" smtClean="0">
+                <a:latin typeface="CMU Bright Roman"/>
+                <a:cs typeface="CMU Bright Roman"/>
+              </a:rPr>
+              <a:t>   h</a:t>
+            </a:r>
+            <a:r>
+              <a:rPr lang="en-US" sz="1600" i="1" baseline="30000" dirty="0">
+                <a:latin typeface="CMU Bright Roman"/>
+                <a:cs typeface="CMU Bright Roman"/>
+              </a:rPr>
+              <a:t>0</a:t>
+            </a:r>
+          </a:p>
+          <a:p>
+            <a:pPr algn="r"/>
+            <a:endParaRPr lang="en-US" sz="1600" i="1" baseline="-25000" dirty="0">
+              <a:latin typeface="CMU Bright Roman"/>
+              <a:cs typeface="CMU Bright Roman"/>
+            </a:endParaRPr>
+          </a:p>
+        </p:txBody>
+      </p:sp>
+      <p:sp>
+        <p:nvSpPr>
+          <p:cNvPr id="30" name="Rectangle 29"/>
+          <p:cNvSpPr/>
+          <p:nvPr/>
+        </p:nvSpPr>
+        <p:spPr>
+          <a:xfrm>
+            <a:off x="1089766" y="2704145"/>
+            <a:ext cx="398953" cy="366300"/>
+          </a:xfrm>
+          <a:prstGeom prst="rect">
+            <a:avLst/>
+          </a:prstGeom>
+          <a:solidFill>
+            <a:schemeClr val="accent1">
+              <a:lumMod val="60000"/>
+              <a:lumOff val="40000"/>
+              <a:alpha val="33000"/>
+            </a:schemeClr>
+          </a:solidFill>
+          <a:ln>
+            <a:solidFill>
+              <a:schemeClr val="accent1"/>
+            </a:solidFill>
+          </a:ln>
+          <a:effectLst/>
+        </p:spPr>
+        <p:style>
+          <a:lnRef idx="1">
+            <a:schemeClr val="accent1"/>
+          </a:lnRef>
+          <a:fillRef idx="3">
+            <a:schemeClr val="accent1"/>
+          </a:fillRef>
+          <a:effectRef idx="2">
+            <a:schemeClr val="accent1"/>
+          </a:effectRef>
+          <a:fontRef idx="minor">
+            <a:schemeClr val="lt1"/>
+          </a:fontRef>
+        </p:style>
+        <p:txBody>
+          <a:bodyPr rtlCol="0" anchor="ctr"/>
+          <a:lstStyle/>
+          <a:p>
+            <a:pPr algn="r"/>
+            <a:endParaRPr lang="en-US" dirty="0">
+              <a:solidFill>
+                <a:srgbClr val="000000"/>
+              </a:solidFill>
+              <a:latin typeface="CMU Bright Roman"/>
+              <a:cs typeface="CMU Bright Roman"/>
+            </a:endParaRPr>
+          </a:p>
+        </p:txBody>
+      </p:sp>
+      <p:cxnSp>
+        <p:nvCxnSpPr>
+          <p:cNvPr id="31" name="Straight Arrow Connector 30"/>
+          <p:cNvCxnSpPr>
+            <a:stCxn id="164" idx="0"/>
+            <a:endCxn id="30" idx="2"/>
+          </p:cNvCxnSpPr>
+          <p:nvPr/>
+        </p:nvCxnSpPr>
+        <p:spPr>
+          <a:xfrm flipV="1">
+            <a:off x="1285852" y="3070445"/>
+            <a:ext cx="3391" cy="304517"/>
+          </a:xfrm>
+          <a:prstGeom prst="straightConnector1">
+            <a:avLst/>
+          </a:prstGeom>
+          <a:ln w="12700">
+            <a:solidFill>
+              <a:schemeClr val="tx1"/>
+            </a:solidFill>
+            <a:headEnd type="arrow"/>
+            <a:tailEnd type="none"/>
+          </a:ln>
+          <a:effectLst/>
+        </p:spPr>
+        <p:style>
+          <a:lnRef idx="2">
+            <a:schemeClr val="accent1"/>
+          </a:lnRef>
+          <a:fillRef idx="0">
+            <a:schemeClr val="accent1"/>
+          </a:fillRef>
+          <a:effectRef idx="1">
+            <a:schemeClr val="accent1"/>
+          </a:effectRef>
+          <a:fontRef idx="minor">
+            <a:schemeClr val="tx1"/>
+          </a:fontRef>
+        </p:style>
+      </p:cxnSp>
+      <p:sp>
+        <p:nvSpPr>
+          <p:cNvPr id="49" name="Rectangle 48"/>
+          <p:cNvSpPr/>
+          <p:nvPr/>
+        </p:nvSpPr>
+        <p:spPr>
+          <a:xfrm>
+            <a:off x="1036659" y="1434258"/>
+            <a:ext cx="498388" cy="457597"/>
+          </a:xfrm>
+          <a:prstGeom prst="rect">
+            <a:avLst/>
+          </a:prstGeom>
+          <a:solidFill>
+            <a:srgbClr val="FFFF00">
+              <a:alpha val="33000"/>
+            </a:srgbClr>
+          </a:solidFill>
+          <a:ln>
+            <a:solidFill>
+              <a:schemeClr val="accent1"/>
+            </a:solidFill>
+          </a:ln>
+          <a:effectLst/>
+        </p:spPr>
+        <p:style>
+          <a:lnRef idx="1">
+            <a:schemeClr val="accent1"/>
+          </a:lnRef>
+          <a:fillRef idx="3">
+            <a:schemeClr val="accent1"/>
+          </a:fillRef>
+          <a:effectRef idx="2">
+            <a:schemeClr val="accent1"/>
+          </a:effectRef>
+          <a:fontRef idx="minor">
+            <a:schemeClr val="lt1"/>
+          </a:fontRef>
+        </p:style>
+        <p:txBody>
+          <a:bodyPr rtlCol="0" anchor="ctr"/>
+          <a:lstStyle/>
+          <a:p>
+            <a:pPr algn="r"/>
+            <a:r>
+              <a:rPr lang="en-US" dirty="0" smtClean="0">
+                <a:solidFill>
+                  <a:srgbClr val="000000"/>
+                </a:solidFill>
+                <a:latin typeface="CMU Bright Roman"/>
+                <a:cs typeface="CMU Bright Roman"/>
+              </a:rPr>
+              <a:t>C</a:t>
+            </a:r>
+            <a:r>
+              <a:rPr lang="en-US" baseline="30000" dirty="0" smtClean="0">
+                <a:solidFill>
+                  <a:srgbClr val="000000"/>
+                </a:solidFill>
+                <a:latin typeface="CMU Bright Roman"/>
+                <a:cs typeface="CMU Bright Roman"/>
+              </a:rPr>
+              <a:t>1</a:t>
+            </a:r>
+            <a:endParaRPr lang="en-US" baseline="30000" dirty="0">
+              <a:solidFill>
+                <a:srgbClr val="000000"/>
+              </a:solidFill>
+              <a:latin typeface="CMU Bright Roman"/>
+              <a:cs typeface="CMU Bright Roman"/>
+            </a:endParaRPr>
+          </a:p>
+        </p:txBody>
+      </p:sp>
+      <p:sp>
+        <p:nvSpPr>
+          <p:cNvPr id="50" name="TextBox 49"/>
+          <p:cNvSpPr txBox="1"/>
+          <p:nvPr/>
+        </p:nvSpPr>
+        <p:spPr>
+          <a:xfrm>
+            <a:off x="1093320" y="2106200"/>
+            <a:ext cx="393537" cy="338554"/>
+          </a:xfrm>
+          <a:prstGeom prst="rect">
+            <a:avLst/>
+          </a:prstGeom>
+          <a:noFill/>
+        </p:spPr>
+        <p:txBody>
+          <a:bodyPr wrap="none" rtlCol="0">
+            <a:spAutoFit/>
+          </a:bodyPr>
+          <a:lstStyle/>
+          <a:p>
+            <a:pPr algn="r"/>
+            <a:r>
+              <a:rPr lang="en-US" sz="1600" i="1" dirty="0" smtClean="0">
+                <a:latin typeface="CMU Bright Roman"/>
+                <a:cs typeface="CMU Bright Roman"/>
+              </a:rPr>
+              <a:t>y</a:t>
+            </a:r>
+            <a:r>
+              <a:rPr lang="en-US" sz="1600" i="1" baseline="30000" dirty="0">
+                <a:latin typeface="CMU Bright Roman"/>
+                <a:cs typeface="CMU Bright Roman"/>
+              </a:rPr>
+              <a:t>1</a:t>
+            </a:r>
+          </a:p>
+        </p:txBody>
+      </p:sp>
+      <p:cxnSp>
+        <p:nvCxnSpPr>
+          <p:cNvPr id="51" name="Straight Arrow Connector 50"/>
+          <p:cNvCxnSpPr>
+            <a:stCxn id="50" idx="0"/>
+            <a:endCxn id="49" idx="2"/>
+          </p:cNvCxnSpPr>
+          <p:nvPr/>
+        </p:nvCxnSpPr>
+        <p:spPr>
+          <a:xfrm flipH="1" flipV="1">
+            <a:off x="1285853" y="1891855"/>
+            <a:ext cx="4236" cy="214345"/>
+          </a:xfrm>
+          <a:prstGeom prst="straightConnector1">
+            <a:avLst/>
+          </a:prstGeom>
+          <a:ln w="12700">
+            <a:solidFill>
+              <a:schemeClr val="tx1"/>
+            </a:solidFill>
+            <a:headEnd type="arrow"/>
+            <a:tailEnd type="none"/>
+          </a:ln>
+          <a:effectLst/>
+        </p:spPr>
+        <p:style>
+          <a:lnRef idx="2">
+            <a:schemeClr val="accent1"/>
+          </a:lnRef>
+          <a:fillRef idx="0">
+            <a:schemeClr val="accent1"/>
+          </a:fillRef>
+          <a:effectRef idx="1">
+            <a:schemeClr val="accent1"/>
+          </a:effectRef>
+          <a:fontRef idx="minor">
+            <a:schemeClr val="tx1"/>
+          </a:fontRef>
+        </p:style>
+      </p:cxnSp>
+      <p:cxnSp>
+        <p:nvCxnSpPr>
+          <p:cNvPr id="54" name="Straight Arrow Connector 53"/>
+          <p:cNvCxnSpPr>
+            <a:stCxn id="30" idx="0"/>
+            <a:endCxn id="50" idx="2"/>
+          </p:cNvCxnSpPr>
+          <p:nvPr/>
+        </p:nvCxnSpPr>
+        <p:spPr>
+          <a:xfrm flipV="1">
+            <a:off x="1289243" y="2444754"/>
+            <a:ext cx="846" cy="259391"/>
+          </a:xfrm>
+          <a:prstGeom prst="straightConnector1">
+            <a:avLst/>
+          </a:prstGeom>
+          <a:ln w="12700">
+            <a:solidFill>
+              <a:schemeClr val="tx1"/>
+            </a:solidFill>
+            <a:headEnd type="arrow"/>
+            <a:tailEnd type="none"/>
+          </a:ln>
+          <a:effectLst/>
+        </p:spPr>
+        <p:style>
+          <a:lnRef idx="2">
+            <a:schemeClr val="accent1"/>
+          </a:lnRef>
+          <a:fillRef idx="0">
+            <a:schemeClr val="accent1"/>
+          </a:fillRef>
+          <a:effectRef idx="1">
+            <a:schemeClr val="accent1"/>
+          </a:effectRef>
+          <a:fontRef idx="minor">
+            <a:schemeClr val="tx1"/>
+          </a:fontRef>
+        </p:style>
+      </p:cxnSp>
+      <p:sp>
+        <p:nvSpPr>
+          <p:cNvPr id="90" name="Rectangle 89"/>
+          <p:cNvSpPr/>
+          <p:nvPr/>
+        </p:nvSpPr>
+        <p:spPr>
+          <a:xfrm rot="16200000">
+            <a:off x="2120474" y="4121067"/>
+            <a:ext cx="1049363" cy="1023306"/>
+          </a:xfrm>
+          <a:prstGeom prst="rect">
+            <a:avLst/>
+          </a:prstGeom>
+          <a:solidFill>
+            <a:schemeClr val="accent3">
+              <a:lumMod val="40000"/>
+              <a:lumOff val="60000"/>
+              <a:alpha val="33000"/>
+            </a:schemeClr>
+          </a:solidFill>
+          <a:ln>
+            <a:solidFill>
+              <a:schemeClr val="accent3"/>
+            </a:solidFill>
+          </a:ln>
+          <a:effectLst/>
+        </p:spPr>
+        <p:style>
+          <a:lnRef idx="1">
+            <a:schemeClr val="accent1"/>
+          </a:lnRef>
+          <a:fillRef idx="3">
+            <a:schemeClr val="accent1"/>
+          </a:fillRef>
+          <a:effectRef idx="2">
+            <a:schemeClr val="accent1"/>
+          </a:effectRef>
+          <a:fontRef idx="minor">
+            <a:schemeClr val="lt1"/>
+          </a:fontRef>
+        </p:style>
+        <p:txBody>
+          <a:bodyPr rtlCol="0" anchor="ctr"/>
+          <a:lstStyle/>
+          <a:p>
+            <a:pPr algn="r"/>
+            <a:endParaRPr lang="en-US"/>
+          </a:p>
+        </p:txBody>
+      </p:sp>
+      <p:sp>
+        <p:nvSpPr>
+          <p:cNvPr id="91" name="Oval 90"/>
+          <p:cNvSpPr/>
+          <p:nvPr/>
+        </p:nvSpPr>
+        <p:spPr>
+          <a:xfrm rot="16200000">
+            <a:off x="2403273" y="4372680"/>
+            <a:ext cx="515211" cy="515211"/>
+          </a:xfrm>
+          <a:prstGeom prst="ellipse">
+            <a:avLst/>
+          </a:prstGeom>
+          <a:solidFill>
+            <a:srgbClr val="93CDDD"/>
+          </a:solidFill>
+          <a:ln w="19050" cmpd="sng">
+            <a:solidFill>
+              <a:srgbClr val="4F81BD"/>
+            </a:solidFill>
+          </a:ln>
+          <a:effectLst/>
+        </p:spPr>
+        <p:style>
+          <a:lnRef idx="1">
+            <a:schemeClr val="accent1"/>
+          </a:lnRef>
+          <a:fillRef idx="3">
+            <a:schemeClr val="accent1"/>
+          </a:fillRef>
+          <a:effectRef idx="2">
+            <a:schemeClr val="accent1"/>
+          </a:effectRef>
+          <a:fontRef idx="minor">
+            <a:schemeClr val="lt1"/>
+          </a:fontRef>
+        </p:style>
+        <p:txBody>
+          <a:bodyPr rtlCol="0" anchor="ctr" anchorCtr="1"/>
+          <a:lstStyle/>
+          <a:p>
+            <a:pPr algn="r"/>
+            <a:endParaRPr lang="en-US" sz="1600" baseline="-25000" dirty="0">
+              <a:solidFill>
+                <a:srgbClr val="000000"/>
+              </a:solidFill>
+              <a:latin typeface="CMU Bright Roman"/>
+              <a:cs typeface="CMU Bright Roman"/>
+            </a:endParaRPr>
+          </a:p>
+        </p:txBody>
+      </p:sp>
+      <p:cxnSp>
+        <p:nvCxnSpPr>
+          <p:cNvPr id="93" name="Straight Arrow Connector 92"/>
+          <p:cNvCxnSpPr>
+            <a:stCxn id="91" idx="6"/>
+          </p:cNvCxnSpPr>
+          <p:nvPr/>
+        </p:nvCxnSpPr>
+        <p:spPr>
+          <a:xfrm rot="16200000">
+            <a:off x="2344357" y="4054670"/>
+            <a:ext cx="634532" cy="1488"/>
+          </a:xfrm>
+          <a:prstGeom prst="straightConnector1">
+            <a:avLst/>
+          </a:prstGeom>
+          <a:ln w="12700">
+            <a:solidFill>
+              <a:schemeClr val="tx1"/>
+            </a:solidFill>
+            <a:headEnd type="arrow"/>
+            <a:tailEnd type="none"/>
+          </a:ln>
+          <a:effectLst/>
+        </p:spPr>
+        <p:style>
+          <a:lnRef idx="2">
+            <a:schemeClr val="accent1"/>
+          </a:lnRef>
+          <a:fillRef idx="0">
+            <a:schemeClr val="accent1"/>
+          </a:fillRef>
+          <a:effectRef idx="1">
+            <a:schemeClr val="accent1"/>
+          </a:effectRef>
+          <a:fontRef idx="minor">
+            <a:schemeClr val="tx1"/>
+          </a:fontRef>
+        </p:style>
+      </p:cxnSp>
+      <p:cxnSp>
+        <p:nvCxnSpPr>
+          <p:cNvPr id="94" name="Straight Arrow Connector 93"/>
+          <p:cNvCxnSpPr>
+            <a:endCxn id="91" idx="1"/>
+          </p:cNvCxnSpPr>
+          <p:nvPr/>
+        </p:nvCxnSpPr>
+        <p:spPr>
+          <a:xfrm flipV="1">
+            <a:off x="2403274" y="4812440"/>
+            <a:ext cx="75451" cy="690018"/>
+          </a:xfrm>
+          <a:prstGeom prst="straightConnector1">
+            <a:avLst/>
+          </a:prstGeom>
+          <a:ln w="12700">
+            <a:solidFill>
+              <a:schemeClr val="tx1"/>
+            </a:solidFill>
+            <a:headEnd type="arrow"/>
+            <a:tailEnd type="none"/>
+          </a:ln>
+          <a:effectLst/>
+        </p:spPr>
+        <p:style>
+          <a:lnRef idx="2">
+            <a:schemeClr val="accent1"/>
+          </a:lnRef>
+          <a:fillRef idx="0">
+            <a:schemeClr val="accent1"/>
+          </a:fillRef>
+          <a:effectRef idx="1">
+            <a:schemeClr val="accent1"/>
+          </a:effectRef>
+          <a:fontRef idx="minor">
+            <a:schemeClr val="tx1"/>
+          </a:fontRef>
+        </p:style>
+      </p:cxnSp>
+      <p:cxnSp>
+        <p:nvCxnSpPr>
+          <p:cNvPr id="95" name="Straight Arrow Connector 94"/>
+          <p:cNvCxnSpPr>
+            <a:endCxn id="91" idx="3"/>
+          </p:cNvCxnSpPr>
+          <p:nvPr/>
+        </p:nvCxnSpPr>
+        <p:spPr>
+          <a:xfrm flipH="1" flipV="1">
+            <a:off x="2843033" y="4812440"/>
+            <a:ext cx="75452" cy="690018"/>
+          </a:xfrm>
+          <a:prstGeom prst="straightConnector1">
+            <a:avLst/>
+          </a:prstGeom>
+          <a:ln w="12700">
+            <a:solidFill>
+              <a:schemeClr val="tx1"/>
+            </a:solidFill>
+            <a:headEnd type="arrow"/>
+            <a:tailEnd type="none"/>
+          </a:ln>
+          <a:effectLst/>
+        </p:spPr>
+        <p:style>
+          <a:lnRef idx="2">
+            <a:schemeClr val="accent1"/>
+          </a:lnRef>
+          <a:fillRef idx="0">
+            <a:schemeClr val="accent1"/>
+          </a:fillRef>
+          <a:effectRef idx="1">
+            <a:schemeClr val="accent1"/>
+          </a:effectRef>
+          <a:fontRef idx="minor">
+            <a:schemeClr val="tx1"/>
+          </a:fontRef>
+        </p:style>
+      </p:cxnSp>
+      <p:sp>
+        <p:nvSpPr>
+          <p:cNvPr id="96" name="TextBox 95"/>
+          <p:cNvSpPr txBox="1"/>
+          <p:nvPr/>
+        </p:nvSpPr>
+        <p:spPr>
+          <a:xfrm>
+            <a:off x="2456068" y="3374963"/>
+            <a:ext cx="405644" cy="338554"/>
+          </a:xfrm>
+          <a:prstGeom prst="rect">
+            <a:avLst/>
+          </a:prstGeom>
+          <a:noFill/>
+        </p:spPr>
+        <p:txBody>
+          <a:bodyPr wrap="none" rtlCol="0">
+            <a:spAutoFit/>
+          </a:bodyPr>
+          <a:lstStyle/>
+          <a:p>
+            <a:pPr algn="r"/>
+            <a:r>
+              <a:rPr lang="en-US" sz="1600" i="1" dirty="0" smtClean="0">
+                <a:latin typeface="CMU Bright Roman"/>
+                <a:cs typeface="CMU Bright Roman"/>
+              </a:rPr>
+              <a:t>h</a:t>
+            </a:r>
+            <a:r>
+              <a:rPr lang="en-US" sz="1600" i="1" baseline="30000" dirty="0">
+                <a:latin typeface="CMU Bright Roman"/>
+                <a:cs typeface="CMU Bright Roman"/>
+              </a:rPr>
+              <a:t>2</a:t>
+            </a:r>
+          </a:p>
+        </p:txBody>
+      </p:sp>
+      <p:sp>
+        <p:nvSpPr>
+          <p:cNvPr id="97" name="TextBox 96"/>
+          <p:cNvSpPr txBox="1"/>
+          <p:nvPr/>
+        </p:nvSpPr>
+        <p:spPr>
+          <a:xfrm>
+            <a:off x="2133503" y="5415613"/>
+            <a:ext cx="1023307" cy="502702"/>
+          </a:xfrm>
+          <a:prstGeom prst="rect">
+            <a:avLst/>
+          </a:prstGeom>
+          <a:noFill/>
+        </p:spPr>
+        <p:txBody>
+          <a:bodyPr wrap="square" rtlCol="0">
+            <a:spAutoFit/>
+          </a:bodyPr>
+          <a:lstStyle/>
+          <a:p>
+            <a:pPr algn="r"/>
+            <a:r>
+              <a:rPr lang="en-US" sz="1600" b="1" dirty="0" smtClean="0">
+                <a:latin typeface="CMU Bright Roman"/>
+                <a:cs typeface="CMU Bright Roman"/>
+              </a:rPr>
+              <a:t> </a:t>
+            </a:r>
+            <a:r>
+              <a:rPr lang="en-US" sz="1600" dirty="0" smtClean="0">
+                <a:latin typeface="CMU Bright Roman"/>
+                <a:cs typeface="CMU Bright Roman"/>
+              </a:rPr>
+              <a:t>x</a:t>
+            </a:r>
+            <a:r>
+              <a:rPr lang="en-US" sz="1600" i="1" baseline="30000" dirty="0" smtClean="0">
+                <a:latin typeface="CMU Bright Roman"/>
+                <a:cs typeface="CMU Bright Roman"/>
+              </a:rPr>
+              <a:t>2</a:t>
+            </a:r>
+            <a:r>
+              <a:rPr lang="en-US" sz="1600" i="1" dirty="0" smtClean="0">
+                <a:latin typeface="CMU Bright Roman"/>
+                <a:cs typeface="CMU Bright Roman"/>
+              </a:rPr>
+              <a:t>     h</a:t>
+            </a:r>
+            <a:r>
+              <a:rPr lang="en-US" sz="1600" i="1" baseline="30000" dirty="0">
+                <a:latin typeface="CMU Bright Roman"/>
+                <a:cs typeface="CMU Bright Roman"/>
+              </a:rPr>
+              <a:t>1</a:t>
+            </a:r>
+          </a:p>
+          <a:p>
+            <a:pPr algn="r"/>
+            <a:endParaRPr lang="en-US" sz="1600" i="1" baseline="-25000" dirty="0">
+              <a:latin typeface="CMU Bright Roman"/>
+              <a:cs typeface="CMU Bright Roman"/>
+            </a:endParaRPr>
+          </a:p>
+        </p:txBody>
+      </p:sp>
+      <p:sp>
+        <p:nvSpPr>
+          <p:cNvPr id="84" name="Rectangle 83"/>
+          <p:cNvSpPr/>
+          <p:nvPr/>
+        </p:nvSpPr>
+        <p:spPr>
+          <a:xfrm>
+            <a:off x="2462804" y="2704146"/>
+            <a:ext cx="398953" cy="366300"/>
+          </a:xfrm>
+          <a:prstGeom prst="rect">
+            <a:avLst/>
+          </a:prstGeom>
+          <a:solidFill>
+            <a:schemeClr val="accent1">
+              <a:lumMod val="60000"/>
+              <a:lumOff val="40000"/>
+              <a:alpha val="33000"/>
+            </a:schemeClr>
+          </a:solidFill>
+          <a:ln>
+            <a:solidFill>
+              <a:schemeClr val="accent1"/>
+            </a:solidFill>
+          </a:ln>
+          <a:effectLst/>
+        </p:spPr>
+        <p:style>
+          <a:lnRef idx="1">
+            <a:schemeClr val="accent1"/>
+          </a:lnRef>
+          <a:fillRef idx="3">
+            <a:schemeClr val="accent1"/>
+          </a:fillRef>
+          <a:effectRef idx="2">
+            <a:schemeClr val="accent1"/>
+          </a:effectRef>
+          <a:fontRef idx="minor">
+            <a:schemeClr val="lt1"/>
+          </a:fontRef>
+        </p:style>
+        <p:txBody>
+          <a:bodyPr rtlCol="0" anchor="ctr"/>
+          <a:lstStyle/>
+          <a:p>
+            <a:pPr algn="r"/>
+            <a:endParaRPr lang="en-US" dirty="0">
+              <a:solidFill>
+                <a:srgbClr val="000000"/>
+              </a:solidFill>
+              <a:latin typeface="CMU Bright Roman"/>
+              <a:cs typeface="CMU Bright Roman"/>
+            </a:endParaRPr>
+          </a:p>
+        </p:txBody>
+      </p:sp>
+      <p:cxnSp>
+        <p:nvCxnSpPr>
+          <p:cNvPr id="85" name="Straight Arrow Connector 84"/>
+          <p:cNvCxnSpPr>
+            <a:stCxn id="96" idx="0"/>
+            <a:endCxn id="84" idx="2"/>
+          </p:cNvCxnSpPr>
+          <p:nvPr/>
+        </p:nvCxnSpPr>
+        <p:spPr>
+          <a:xfrm flipV="1">
+            <a:off x="2658890" y="3070446"/>
+            <a:ext cx="3391" cy="304517"/>
+          </a:xfrm>
+          <a:prstGeom prst="straightConnector1">
+            <a:avLst/>
+          </a:prstGeom>
+          <a:ln w="12700">
+            <a:solidFill>
+              <a:schemeClr val="tx1"/>
+            </a:solidFill>
+            <a:headEnd type="arrow"/>
+            <a:tailEnd type="none"/>
+          </a:ln>
+          <a:effectLst/>
+        </p:spPr>
+        <p:style>
+          <a:lnRef idx="2">
+            <a:schemeClr val="accent1"/>
+          </a:lnRef>
+          <a:fillRef idx="0">
+            <a:schemeClr val="accent1"/>
+          </a:fillRef>
+          <a:effectRef idx="1">
+            <a:schemeClr val="accent1"/>
+          </a:effectRef>
+          <a:fontRef idx="minor">
+            <a:schemeClr val="tx1"/>
+          </a:fontRef>
+        </p:style>
+      </p:cxnSp>
+      <p:sp>
+        <p:nvSpPr>
+          <p:cNvPr id="86" name="Rectangle 85"/>
+          <p:cNvSpPr/>
+          <p:nvPr/>
+        </p:nvSpPr>
+        <p:spPr>
+          <a:xfrm>
+            <a:off x="2409697" y="1434259"/>
+            <a:ext cx="498388" cy="457597"/>
+          </a:xfrm>
+          <a:prstGeom prst="rect">
+            <a:avLst/>
+          </a:prstGeom>
+          <a:solidFill>
+            <a:srgbClr val="FFFF00">
+              <a:alpha val="33000"/>
+            </a:srgbClr>
+          </a:solidFill>
+          <a:ln>
+            <a:solidFill>
+              <a:schemeClr val="accent1"/>
+            </a:solidFill>
+          </a:ln>
+          <a:effectLst/>
+        </p:spPr>
+        <p:style>
+          <a:lnRef idx="1">
+            <a:schemeClr val="accent1"/>
+          </a:lnRef>
+          <a:fillRef idx="3">
+            <a:schemeClr val="accent1"/>
+          </a:fillRef>
+          <a:effectRef idx="2">
+            <a:schemeClr val="accent1"/>
+          </a:effectRef>
+          <a:fontRef idx="minor">
+            <a:schemeClr val="lt1"/>
+          </a:fontRef>
+        </p:style>
+        <p:txBody>
+          <a:bodyPr rtlCol="0" anchor="ctr"/>
+          <a:lstStyle/>
+          <a:p>
+            <a:pPr algn="r"/>
+            <a:r>
+              <a:rPr lang="en-US" dirty="0" smtClean="0">
+                <a:solidFill>
+                  <a:srgbClr val="000000"/>
+                </a:solidFill>
+                <a:latin typeface="CMU Bright Roman"/>
+                <a:cs typeface="CMU Bright Roman"/>
+              </a:rPr>
+              <a:t>C</a:t>
+            </a:r>
+            <a:r>
+              <a:rPr lang="en-US" baseline="30000" dirty="0">
+                <a:solidFill>
+                  <a:srgbClr val="000000"/>
+                </a:solidFill>
+                <a:latin typeface="CMU Bright Roman"/>
+                <a:cs typeface="CMU Bright Roman"/>
+              </a:rPr>
+              <a:t>2</a:t>
+            </a:r>
+          </a:p>
+        </p:txBody>
+      </p:sp>
+      <p:sp>
+        <p:nvSpPr>
+          <p:cNvPr id="87" name="TextBox 86"/>
+          <p:cNvSpPr txBox="1"/>
+          <p:nvPr/>
+        </p:nvSpPr>
+        <p:spPr>
+          <a:xfrm>
+            <a:off x="2466358" y="2106201"/>
+            <a:ext cx="393537" cy="338554"/>
+          </a:xfrm>
+          <a:prstGeom prst="rect">
+            <a:avLst/>
+          </a:prstGeom>
+          <a:noFill/>
+        </p:spPr>
+        <p:txBody>
+          <a:bodyPr wrap="none" rtlCol="0">
+            <a:spAutoFit/>
+          </a:bodyPr>
+          <a:lstStyle/>
+          <a:p>
+            <a:pPr algn="r"/>
+            <a:r>
+              <a:rPr lang="en-US" sz="1600" i="1" dirty="0" smtClean="0">
+                <a:latin typeface="CMU Bright Roman"/>
+                <a:cs typeface="CMU Bright Roman"/>
+              </a:rPr>
+              <a:t>y</a:t>
+            </a:r>
+            <a:r>
+              <a:rPr lang="en-US" sz="1600" i="1" baseline="30000" dirty="0">
+                <a:latin typeface="CMU Bright Roman"/>
+                <a:cs typeface="CMU Bright Roman"/>
+              </a:rPr>
+              <a:t>2</a:t>
+            </a:r>
+          </a:p>
+        </p:txBody>
+      </p:sp>
+      <p:cxnSp>
+        <p:nvCxnSpPr>
+          <p:cNvPr id="88" name="Straight Arrow Connector 87"/>
+          <p:cNvCxnSpPr>
+            <a:stCxn id="87" idx="0"/>
+            <a:endCxn id="86" idx="2"/>
+          </p:cNvCxnSpPr>
+          <p:nvPr/>
+        </p:nvCxnSpPr>
+        <p:spPr>
+          <a:xfrm flipH="1" flipV="1">
+            <a:off x="2658891" y="1891856"/>
+            <a:ext cx="4236" cy="214345"/>
+          </a:xfrm>
+          <a:prstGeom prst="straightConnector1">
+            <a:avLst/>
+          </a:prstGeom>
+          <a:ln w="12700">
+            <a:solidFill>
+              <a:schemeClr val="tx1"/>
+            </a:solidFill>
+            <a:headEnd type="arrow"/>
+            <a:tailEnd type="none"/>
+          </a:ln>
+          <a:effectLst/>
+        </p:spPr>
+        <p:style>
+          <a:lnRef idx="2">
+            <a:schemeClr val="accent1"/>
+          </a:lnRef>
+          <a:fillRef idx="0">
+            <a:schemeClr val="accent1"/>
+          </a:fillRef>
+          <a:effectRef idx="1">
+            <a:schemeClr val="accent1"/>
+          </a:effectRef>
+          <a:fontRef idx="minor">
+            <a:schemeClr val="tx1"/>
+          </a:fontRef>
+        </p:style>
+      </p:cxnSp>
+      <p:cxnSp>
+        <p:nvCxnSpPr>
+          <p:cNvPr id="89" name="Straight Arrow Connector 88"/>
+          <p:cNvCxnSpPr>
+            <a:stCxn id="84" idx="0"/>
+            <a:endCxn id="87" idx="2"/>
+          </p:cNvCxnSpPr>
+          <p:nvPr/>
+        </p:nvCxnSpPr>
+        <p:spPr>
+          <a:xfrm flipV="1">
+            <a:off x="2662281" y="2444755"/>
+            <a:ext cx="846" cy="259391"/>
+          </a:xfrm>
+          <a:prstGeom prst="straightConnector1">
+            <a:avLst/>
+          </a:prstGeom>
+          <a:ln w="12700">
+            <a:solidFill>
+              <a:schemeClr val="tx1"/>
+            </a:solidFill>
+            <a:headEnd type="arrow"/>
+            <a:tailEnd type="none"/>
+          </a:ln>
+          <a:effectLst/>
+        </p:spPr>
+        <p:style>
+          <a:lnRef idx="2">
+            <a:schemeClr val="accent1"/>
+          </a:lnRef>
+          <a:fillRef idx="0">
+            <a:schemeClr val="accent1"/>
+          </a:fillRef>
+          <a:effectRef idx="1">
+            <a:schemeClr val="accent1"/>
+          </a:effectRef>
+          <a:fontRef idx="minor">
+            <a:schemeClr val="tx1"/>
+          </a:fontRef>
+        </p:style>
+      </p:cxnSp>
+      <p:sp>
+        <p:nvSpPr>
+          <p:cNvPr id="106" name="Rectangle 105"/>
+          <p:cNvSpPr/>
+          <p:nvPr/>
+        </p:nvSpPr>
+        <p:spPr>
+          <a:xfrm rot="16200000">
+            <a:off x="3455009" y="4126663"/>
+            <a:ext cx="1049363" cy="1023306"/>
+          </a:xfrm>
+          <a:prstGeom prst="rect">
+            <a:avLst/>
+          </a:prstGeom>
+          <a:solidFill>
+            <a:schemeClr val="accent3">
+              <a:lumMod val="40000"/>
+              <a:lumOff val="60000"/>
+              <a:alpha val="33000"/>
+            </a:schemeClr>
+          </a:solidFill>
+          <a:ln>
+            <a:solidFill>
+              <a:schemeClr val="accent3"/>
+            </a:solidFill>
+          </a:ln>
+          <a:effectLst/>
+        </p:spPr>
+        <p:style>
+          <a:lnRef idx="1">
+            <a:schemeClr val="accent1"/>
+          </a:lnRef>
+          <a:fillRef idx="3">
+            <a:schemeClr val="accent1"/>
+          </a:fillRef>
+          <a:effectRef idx="2">
+            <a:schemeClr val="accent1"/>
+          </a:effectRef>
+          <a:fontRef idx="minor">
+            <a:schemeClr val="lt1"/>
+          </a:fontRef>
+        </p:style>
+        <p:txBody>
+          <a:bodyPr rtlCol="0" anchor="ctr"/>
+          <a:lstStyle/>
+          <a:p>
+            <a:pPr algn="r"/>
+            <a:endParaRPr lang="en-US"/>
+          </a:p>
+        </p:txBody>
+      </p:sp>
+      <p:sp>
+        <p:nvSpPr>
+          <p:cNvPr id="107" name="Oval 106"/>
+          <p:cNvSpPr/>
+          <p:nvPr/>
+        </p:nvSpPr>
+        <p:spPr>
+          <a:xfrm rot="16200000">
+            <a:off x="3737808" y="4378276"/>
+            <a:ext cx="515211" cy="515211"/>
+          </a:xfrm>
+          <a:prstGeom prst="ellipse">
+            <a:avLst/>
+          </a:prstGeom>
+          <a:solidFill>
+            <a:schemeClr val="accent5">
+              <a:lumMod val="60000"/>
+              <a:lumOff val="40000"/>
+            </a:schemeClr>
+          </a:solidFill>
+          <a:ln w="19050" cmpd="sng">
+            <a:solidFill>
+              <a:srgbClr val="4F81BD"/>
+            </a:solidFill>
+          </a:ln>
+          <a:effectLst/>
+        </p:spPr>
+        <p:style>
+          <a:lnRef idx="1">
+            <a:schemeClr val="accent1"/>
+          </a:lnRef>
+          <a:fillRef idx="3">
+            <a:schemeClr val="accent1"/>
+          </a:fillRef>
+          <a:effectRef idx="2">
+            <a:schemeClr val="accent1"/>
+          </a:effectRef>
+          <a:fontRef idx="minor">
+            <a:schemeClr val="lt1"/>
+          </a:fontRef>
+        </p:style>
+        <p:txBody>
+          <a:bodyPr rtlCol="0" anchor="ctr" anchorCtr="1"/>
+          <a:lstStyle/>
+          <a:p>
+            <a:pPr algn="r"/>
+            <a:endParaRPr lang="en-US" sz="1600" baseline="-25000" dirty="0">
+              <a:solidFill>
+                <a:srgbClr val="000000"/>
+              </a:solidFill>
+              <a:latin typeface="CMU Bright Roman"/>
+              <a:cs typeface="CMU Bright Roman"/>
+            </a:endParaRPr>
+          </a:p>
+        </p:txBody>
+      </p:sp>
+      <p:cxnSp>
+        <p:nvCxnSpPr>
+          <p:cNvPr id="109" name="Straight Arrow Connector 108"/>
+          <p:cNvCxnSpPr>
+            <a:stCxn id="107" idx="6"/>
+          </p:cNvCxnSpPr>
+          <p:nvPr/>
+        </p:nvCxnSpPr>
+        <p:spPr>
+          <a:xfrm rot="16200000">
+            <a:off x="3678892" y="4060266"/>
+            <a:ext cx="634532" cy="1488"/>
+          </a:xfrm>
+          <a:prstGeom prst="straightConnector1">
+            <a:avLst/>
+          </a:prstGeom>
+          <a:ln w="12700">
+            <a:solidFill>
+              <a:schemeClr val="tx1"/>
+            </a:solidFill>
+            <a:headEnd type="arrow"/>
+            <a:tailEnd type="none"/>
+          </a:ln>
+          <a:effectLst/>
+        </p:spPr>
+        <p:style>
+          <a:lnRef idx="2">
+            <a:schemeClr val="accent1"/>
+          </a:lnRef>
+          <a:fillRef idx="0">
+            <a:schemeClr val="accent1"/>
+          </a:fillRef>
+          <a:effectRef idx="1">
+            <a:schemeClr val="accent1"/>
+          </a:effectRef>
+          <a:fontRef idx="minor">
+            <a:schemeClr val="tx1"/>
+          </a:fontRef>
+        </p:style>
+      </p:cxnSp>
+      <p:cxnSp>
+        <p:nvCxnSpPr>
+          <p:cNvPr id="110" name="Straight Arrow Connector 109"/>
+          <p:cNvCxnSpPr>
+            <a:endCxn id="107" idx="1"/>
+          </p:cNvCxnSpPr>
+          <p:nvPr/>
+        </p:nvCxnSpPr>
+        <p:spPr>
+          <a:xfrm flipV="1">
+            <a:off x="3737809" y="4818036"/>
+            <a:ext cx="75451" cy="690018"/>
+          </a:xfrm>
+          <a:prstGeom prst="straightConnector1">
+            <a:avLst/>
+          </a:prstGeom>
+          <a:ln w="12700">
+            <a:solidFill>
+              <a:schemeClr val="tx1"/>
+            </a:solidFill>
+            <a:headEnd type="arrow"/>
+            <a:tailEnd type="none"/>
+          </a:ln>
+          <a:effectLst/>
+        </p:spPr>
+        <p:style>
+          <a:lnRef idx="2">
+            <a:schemeClr val="accent1"/>
+          </a:lnRef>
+          <a:fillRef idx="0">
+            <a:schemeClr val="accent1"/>
+          </a:fillRef>
+          <a:effectRef idx="1">
+            <a:schemeClr val="accent1"/>
+          </a:effectRef>
+          <a:fontRef idx="minor">
+            <a:schemeClr val="tx1"/>
+          </a:fontRef>
+        </p:style>
+      </p:cxnSp>
+      <p:cxnSp>
+        <p:nvCxnSpPr>
+          <p:cNvPr id="111" name="Straight Arrow Connector 110"/>
+          <p:cNvCxnSpPr>
+            <a:endCxn id="107" idx="3"/>
+          </p:cNvCxnSpPr>
+          <p:nvPr/>
+        </p:nvCxnSpPr>
+        <p:spPr>
+          <a:xfrm flipH="1" flipV="1">
+            <a:off x="4177568" y="4818036"/>
+            <a:ext cx="75452" cy="690018"/>
+          </a:xfrm>
+          <a:prstGeom prst="straightConnector1">
+            <a:avLst/>
+          </a:prstGeom>
+          <a:ln w="12700">
+            <a:solidFill>
+              <a:schemeClr val="tx1"/>
+            </a:solidFill>
+            <a:headEnd type="arrow"/>
+            <a:tailEnd type="none"/>
+          </a:ln>
+          <a:effectLst/>
+        </p:spPr>
+        <p:style>
+          <a:lnRef idx="2">
+            <a:schemeClr val="accent1"/>
+          </a:lnRef>
+          <a:fillRef idx="0">
+            <a:schemeClr val="accent1"/>
+          </a:fillRef>
+          <a:effectRef idx="1">
+            <a:schemeClr val="accent1"/>
+          </a:effectRef>
+          <a:fontRef idx="minor">
+            <a:schemeClr val="tx1"/>
+          </a:fontRef>
+        </p:style>
+      </p:cxnSp>
+      <p:sp>
+        <p:nvSpPr>
+          <p:cNvPr id="112" name="TextBox 111"/>
+          <p:cNvSpPr txBox="1"/>
+          <p:nvPr/>
+        </p:nvSpPr>
+        <p:spPr>
+          <a:xfrm>
+            <a:off x="3790603" y="3380559"/>
+            <a:ext cx="405644" cy="338554"/>
+          </a:xfrm>
+          <a:prstGeom prst="rect">
+            <a:avLst/>
+          </a:prstGeom>
+          <a:noFill/>
+        </p:spPr>
+        <p:txBody>
+          <a:bodyPr wrap="none" rtlCol="0">
+            <a:spAutoFit/>
+          </a:bodyPr>
+          <a:lstStyle/>
+          <a:p>
+            <a:pPr algn="r"/>
+            <a:r>
+              <a:rPr lang="en-US" sz="1600" i="1" dirty="0" smtClean="0">
+                <a:latin typeface="CMU Bright Roman"/>
+                <a:cs typeface="CMU Bright Roman"/>
+              </a:rPr>
+              <a:t>h</a:t>
+            </a:r>
+            <a:r>
+              <a:rPr lang="en-US" sz="1600" i="1" baseline="30000" dirty="0" smtClean="0">
+                <a:latin typeface="CMU Bright Roman"/>
+                <a:cs typeface="CMU Bright Roman"/>
+              </a:rPr>
+              <a:t>3</a:t>
+            </a:r>
+            <a:endParaRPr lang="en-US" sz="1600" i="1" baseline="30000" dirty="0">
+              <a:latin typeface="CMU Bright Roman"/>
+              <a:cs typeface="CMU Bright Roman"/>
+            </a:endParaRPr>
+          </a:p>
+        </p:txBody>
+      </p:sp>
+      <p:sp>
+        <p:nvSpPr>
+          <p:cNvPr id="113" name="TextBox 112"/>
+          <p:cNvSpPr txBox="1"/>
+          <p:nvPr/>
+        </p:nvSpPr>
+        <p:spPr>
+          <a:xfrm>
+            <a:off x="3468038" y="5421209"/>
+            <a:ext cx="1023307" cy="502702"/>
+          </a:xfrm>
+          <a:prstGeom prst="rect">
+            <a:avLst/>
+          </a:prstGeom>
+          <a:noFill/>
+        </p:spPr>
+        <p:txBody>
+          <a:bodyPr wrap="square" rtlCol="0">
+            <a:spAutoFit/>
+          </a:bodyPr>
+          <a:lstStyle/>
+          <a:p>
+            <a:pPr algn="r"/>
+            <a:r>
+              <a:rPr lang="en-US" sz="1600" b="1" dirty="0" smtClean="0">
+                <a:latin typeface="CMU Bright Roman"/>
+                <a:cs typeface="CMU Bright Roman"/>
+              </a:rPr>
+              <a:t> </a:t>
+            </a:r>
+            <a:r>
+              <a:rPr lang="en-US" sz="1600" dirty="0" smtClean="0">
+                <a:latin typeface="CMU Bright Roman"/>
+                <a:cs typeface="CMU Bright Roman"/>
+              </a:rPr>
+              <a:t>x</a:t>
+            </a:r>
+            <a:r>
+              <a:rPr lang="en-US" sz="1600" i="1" baseline="30000" dirty="0">
+                <a:latin typeface="CMU Bright Roman"/>
+                <a:cs typeface="CMU Bright Roman"/>
+              </a:rPr>
+              <a:t>3</a:t>
+            </a:r>
+            <a:r>
+              <a:rPr lang="en-US" sz="1600" i="1" dirty="0" smtClean="0">
+                <a:latin typeface="CMU Bright Roman"/>
+                <a:cs typeface="CMU Bright Roman"/>
+              </a:rPr>
+              <a:t>     h</a:t>
+            </a:r>
+            <a:r>
+              <a:rPr lang="en-US" sz="1600" i="1" baseline="30000" dirty="0" smtClean="0">
+                <a:latin typeface="CMU Bright Roman"/>
+                <a:cs typeface="CMU Bright Roman"/>
+              </a:rPr>
+              <a:t>2</a:t>
+            </a:r>
+            <a:endParaRPr lang="en-US" sz="1600" i="1" baseline="30000" dirty="0">
+              <a:latin typeface="CMU Bright Roman"/>
+              <a:cs typeface="CMU Bright Roman"/>
+            </a:endParaRPr>
+          </a:p>
+          <a:p>
+            <a:pPr algn="r"/>
+            <a:endParaRPr lang="en-US" sz="1600" i="1" baseline="-25000" dirty="0">
+              <a:latin typeface="CMU Bright Roman"/>
+              <a:cs typeface="CMU Bright Roman"/>
+            </a:endParaRPr>
+          </a:p>
+        </p:txBody>
+      </p:sp>
+      <p:sp>
+        <p:nvSpPr>
+          <p:cNvPr id="100" name="Rectangle 99"/>
+          <p:cNvSpPr/>
+          <p:nvPr/>
+        </p:nvSpPr>
+        <p:spPr>
+          <a:xfrm>
+            <a:off x="3797339" y="2709742"/>
+            <a:ext cx="398953" cy="366300"/>
+          </a:xfrm>
+          <a:prstGeom prst="rect">
+            <a:avLst/>
+          </a:prstGeom>
+          <a:solidFill>
+            <a:schemeClr val="accent1">
+              <a:lumMod val="60000"/>
+              <a:lumOff val="40000"/>
+              <a:alpha val="33000"/>
+            </a:schemeClr>
+          </a:solidFill>
+          <a:ln>
+            <a:solidFill>
+              <a:schemeClr val="accent1"/>
+            </a:solidFill>
+          </a:ln>
+          <a:effectLst/>
+        </p:spPr>
+        <p:style>
+          <a:lnRef idx="1">
+            <a:schemeClr val="accent1"/>
+          </a:lnRef>
+          <a:fillRef idx="3">
+            <a:schemeClr val="accent1"/>
+          </a:fillRef>
+          <a:effectRef idx="2">
+            <a:schemeClr val="accent1"/>
+          </a:effectRef>
+          <a:fontRef idx="minor">
+            <a:schemeClr val="lt1"/>
+          </a:fontRef>
+        </p:style>
+        <p:txBody>
+          <a:bodyPr rtlCol="0" anchor="ctr"/>
+          <a:lstStyle/>
+          <a:p>
+            <a:pPr algn="r"/>
+            <a:endParaRPr lang="en-US" dirty="0">
+              <a:solidFill>
+                <a:srgbClr val="000000"/>
+              </a:solidFill>
+              <a:latin typeface="CMU Bright Roman"/>
+              <a:cs typeface="CMU Bright Roman"/>
+            </a:endParaRPr>
+          </a:p>
+        </p:txBody>
+      </p:sp>
+      <p:cxnSp>
+        <p:nvCxnSpPr>
+          <p:cNvPr id="101" name="Straight Arrow Connector 100"/>
+          <p:cNvCxnSpPr>
+            <a:stCxn id="112" idx="0"/>
+            <a:endCxn id="100" idx="2"/>
+          </p:cNvCxnSpPr>
+          <p:nvPr/>
+        </p:nvCxnSpPr>
+        <p:spPr>
+          <a:xfrm flipV="1">
+            <a:off x="3993425" y="3076042"/>
+            <a:ext cx="3391" cy="304517"/>
+          </a:xfrm>
+          <a:prstGeom prst="straightConnector1">
+            <a:avLst/>
+          </a:prstGeom>
+          <a:ln w="12700">
+            <a:solidFill>
+              <a:schemeClr val="tx1"/>
+            </a:solidFill>
+            <a:headEnd type="arrow"/>
+            <a:tailEnd type="none"/>
+          </a:ln>
+          <a:effectLst/>
+        </p:spPr>
+        <p:style>
+          <a:lnRef idx="2">
+            <a:schemeClr val="accent1"/>
+          </a:lnRef>
+          <a:fillRef idx="0">
+            <a:schemeClr val="accent1"/>
+          </a:fillRef>
+          <a:effectRef idx="1">
+            <a:schemeClr val="accent1"/>
+          </a:effectRef>
+          <a:fontRef idx="minor">
+            <a:schemeClr val="tx1"/>
+          </a:fontRef>
+        </p:style>
+      </p:cxnSp>
+      <p:sp>
+        <p:nvSpPr>
+          <p:cNvPr id="102" name="Rectangle 101"/>
+          <p:cNvSpPr/>
+          <p:nvPr/>
+        </p:nvSpPr>
+        <p:spPr>
+          <a:xfrm>
+            <a:off x="3744232" y="1439855"/>
+            <a:ext cx="498388" cy="457597"/>
+          </a:xfrm>
+          <a:prstGeom prst="rect">
+            <a:avLst/>
+          </a:prstGeom>
+          <a:solidFill>
+            <a:srgbClr val="FFFF00">
+              <a:alpha val="33000"/>
+            </a:srgbClr>
+          </a:solidFill>
+          <a:ln>
+            <a:solidFill>
+              <a:schemeClr val="accent1"/>
+            </a:solidFill>
+          </a:ln>
+          <a:effectLst/>
+        </p:spPr>
+        <p:style>
+          <a:lnRef idx="1">
+            <a:schemeClr val="accent1"/>
+          </a:lnRef>
+          <a:fillRef idx="3">
+            <a:schemeClr val="accent1"/>
+          </a:fillRef>
+          <a:effectRef idx="2">
+            <a:schemeClr val="accent1"/>
+          </a:effectRef>
+          <a:fontRef idx="minor">
+            <a:schemeClr val="lt1"/>
+          </a:fontRef>
+        </p:style>
+        <p:txBody>
+          <a:bodyPr rtlCol="0" anchor="ctr"/>
+          <a:lstStyle/>
+          <a:p>
+            <a:pPr algn="r"/>
+            <a:r>
+              <a:rPr lang="en-US" dirty="0" smtClean="0">
+                <a:solidFill>
+                  <a:srgbClr val="000000"/>
+                </a:solidFill>
+                <a:latin typeface="CMU Bright Roman"/>
+                <a:cs typeface="CMU Bright Roman"/>
+              </a:rPr>
+              <a:t>C</a:t>
+            </a:r>
+            <a:r>
+              <a:rPr lang="en-US" baseline="30000" dirty="0" smtClean="0">
+                <a:solidFill>
+                  <a:srgbClr val="000000"/>
+                </a:solidFill>
+                <a:latin typeface="CMU Bright Roman"/>
+                <a:cs typeface="CMU Bright Roman"/>
+              </a:rPr>
+              <a:t>3</a:t>
+            </a:r>
+            <a:endParaRPr lang="en-US" baseline="30000" dirty="0">
+              <a:solidFill>
+                <a:srgbClr val="000000"/>
+              </a:solidFill>
+              <a:latin typeface="CMU Bright Roman"/>
+              <a:cs typeface="CMU Bright Roman"/>
+            </a:endParaRPr>
+          </a:p>
+        </p:txBody>
+      </p:sp>
+      <p:sp>
+        <p:nvSpPr>
+          <p:cNvPr id="103" name="TextBox 102"/>
+          <p:cNvSpPr txBox="1"/>
+          <p:nvPr/>
+        </p:nvSpPr>
+        <p:spPr>
+          <a:xfrm>
+            <a:off x="3800893" y="2111797"/>
+            <a:ext cx="393537" cy="338554"/>
+          </a:xfrm>
+          <a:prstGeom prst="rect">
+            <a:avLst/>
+          </a:prstGeom>
+          <a:noFill/>
+        </p:spPr>
+        <p:txBody>
+          <a:bodyPr wrap="none" rtlCol="0">
+            <a:spAutoFit/>
+          </a:bodyPr>
+          <a:lstStyle/>
+          <a:p>
+            <a:pPr algn="r"/>
+            <a:r>
+              <a:rPr lang="en-US" sz="1600" i="1" dirty="0" smtClean="0">
+                <a:latin typeface="CMU Bright Roman"/>
+                <a:cs typeface="CMU Bright Roman"/>
+              </a:rPr>
+              <a:t>y</a:t>
+            </a:r>
+            <a:r>
+              <a:rPr lang="en-US" sz="1600" i="1" baseline="30000" dirty="0" smtClean="0">
+                <a:latin typeface="CMU Bright Roman"/>
+                <a:cs typeface="CMU Bright Roman"/>
+              </a:rPr>
+              <a:t>3</a:t>
+            </a:r>
+            <a:endParaRPr lang="en-US" sz="1600" i="1" baseline="30000" dirty="0">
+              <a:latin typeface="CMU Bright Roman"/>
+              <a:cs typeface="CMU Bright Roman"/>
+            </a:endParaRPr>
+          </a:p>
+        </p:txBody>
+      </p:sp>
+      <p:cxnSp>
+        <p:nvCxnSpPr>
+          <p:cNvPr id="104" name="Straight Arrow Connector 103"/>
+          <p:cNvCxnSpPr>
+            <a:stCxn id="103" idx="0"/>
+            <a:endCxn id="102" idx="2"/>
+          </p:cNvCxnSpPr>
+          <p:nvPr/>
+        </p:nvCxnSpPr>
+        <p:spPr>
+          <a:xfrm flipH="1" flipV="1">
+            <a:off x="3993426" y="1897452"/>
+            <a:ext cx="4236" cy="214345"/>
+          </a:xfrm>
+          <a:prstGeom prst="straightConnector1">
+            <a:avLst/>
+          </a:prstGeom>
+          <a:ln w="12700">
+            <a:solidFill>
+              <a:schemeClr val="tx1"/>
+            </a:solidFill>
+            <a:headEnd type="arrow"/>
+            <a:tailEnd type="none"/>
+          </a:ln>
+          <a:effectLst/>
+        </p:spPr>
+        <p:style>
+          <a:lnRef idx="2">
+            <a:schemeClr val="accent1"/>
+          </a:lnRef>
+          <a:fillRef idx="0">
+            <a:schemeClr val="accent1"/>
+          </a:fillRef>
+          <a:effectRef idx="1">
+            <a:schemeClr val="accent1"/>
+          </a:effectRef>
+          <a:fontRef idx="minor">
+            <a:schemeClr val="tx1"/>
+          </a:fontRef>
+        </p:style>
+      </p:cxnSp>
+      <p:cxnSp>
+        <p:nvCxnSpPr>
+          <p:cNvPr id="105" name="Straight Arrow Connector 104"/>
+          <p:cNvCxnSpPr>
+            <a:stCxn id="100" idx="0"/>
+            <a:endCxn id="103" idx="2"/>
+          </p:cNvCxnSpPr>
+          <p:nvPr/>
+        </p:nvCxnSpPr>
+        <p:spPr>
+          <a:xfrm flipV="1">
+            <a:off x="3996816" y="2450351"/>
+            <a:ext cx="846" cy="259391"/>
+          </a:xfrm>
+          <a:prstGeom prst="straightConnector1">
+            <a:avLst/>
+          </a:prstGeom>
+          <a:ln w="12700">
+            <a:solidFill>
+              <a:schemeClr val="tx1"/>
+            </a:solidFill>
+            <a:headEnd type="arrow"/>
+            <a:tailEnd type="none"/>
+          </a:ln>
+          <a:effectLst/>
+        </p:spPr>
+        <p:style>
+          <a:lnRef idx="2">
+            <a:schemeClr val="accent1"/>
+          </a:lnRef>
+          <a:fillRef idx="0">
+            <a:schemeClr val="accent1"/>
+          </a:fillRef>
+          <a:effectRef idx="1">
+            <a:schemeClr val="accent1"/>
+          </a:effectRef>
+          <a:fontRef idx="minor">
+            <a:schemeClr val="tx1"/>
+          </a:fontRef>
+        </p:style>
+      </p:cxnSp>
+      <p:sp>
+        <p:nvSpPr>
+          <p:cNvPr id="117" name="Freeform 116"/>
+          <p:cNvSpPr/>
+          <p:nvPr/>
+        </p:nvSpPr>
+        <p:spPr>
+          <a:xfrm>
+            <a:off x="1430243" y="3369886"/>
+            <a:ext cx="1430243" cy="2670005"/>
+          </a:xfrm>
+          <a:custGeom>
+            <a:avLst/>
+            <a:gdLst>
+              <a:gd name="connsiteX0" fmla="*/ 0 w 1430243"/>
+              <a:gd name="connsiteY0" fmla="*/ 197287 h 2670005"/>
+              <a:gd name="connsiteX1" fmla="*/ 332901 w 1430243"/>
+              <a:gd name="connsiteY1" fmla="*/ 234274 h 2670005"/>
+              <a:gd name="connsiteX2" fmla="*/ 678133 w 1430243"/>
+              <a:gd name="connsiteY2" fmla="*/ 2539795 h 2670005"/>
+              <a:gd name="connsiteX3" fmla="*/ 1430243 w 1430243"/>
+              <a:gd name="connsiteY3" fmla="*/ 2379518 h 2670005"/>
+            </a:gdLst>
+            <a:ahLst/>
+            <a:cxnLst>
+              <a:cxn ang="0">
+                <a:pos x="connsiteX0" y="connsiteY0"/>
+              </a:cxn>
+              <a:cxn ang="0">
+                <a:pos x="connsiteX1" y="connsiteY1"/>
+              </a:cxn>
+              <a:cxn ang="0">
+                <a:pos x="connsiteX2" y="connsiteY2"/>
+              </a:cxn>
+              <a:cxn ang="0">
+                <a:pos x="connsiteX3" y="connsiteY3"/>
+              </a:cxn>
+            </a:cxnLst>
+            <a:rect l="l" t="t" r="r" b="b"/>
+            <a:pathLst>
+              <a:path w="1430243" h="2670005">
+                <a:moveTo>
+                  <a:pt x="0" y="197287"/>
+                </a:moveTo>
+                <a:cubicBezTo>
+                  <a:pt x="109939" y="20571"/>
+                  <a:pt x="219879" y="-156144"/>
+                  <a:pt x="332901" y="234274"/>
+                </a:cubicBezTo>
+                <a:cubicBezTo>
+                  <a:pt x="445923" y="624692"/>
+                  <a:pt x="495243" y="2182254"/>
+                  <a:pt x="678133" y="2539795"/>
+                </a:cubicBezTo>
+                <a:cubicBezTo>
+                  <a:pt x="861023" y="2897336"/>
+                  <a:pt x="1309001" y="2408286"/>
+                  <a:pt x="1430243" y="2379518"/>
+                </a:cubicBezTo>
+              </a:path>
+            </a:pathLst>
+          </a:custGeom>
+          <a:ln>
+            <a:headEnd type="arrow"/>
+            <a:tailEnd type="none"/>
+          </a:ln>
+          <a:effectLst/>
+        </p:spPr>
+        <p:style>
+          <a:lnRef idx="2">
+            <a:schemeClr val="accent1"/>
+          </a:lnRef>
+          <a:fillRef idx="0">
+            <a:schemeClr val="accent1"/>
+          </a:fillRef>
+          <a:effectRef idx="1">
+            <a:schemeClr val="accent1"/>
+          </a:effectRef>
+          <a:fontRef idx="minor">
+            <a:schemeClr val="tx1"/>
+          </a:fontRef>
+        </p:style>
+        <p:txBody>
+          <a:bodyPr rtlCol="0" anchor="ctr"/>
+          <a:lstStyle/>
+          <a:p>
+            <a:pPr algn="r"/>
+            <a:endParaRPr lang="en-US"/>
+          </a:p>
+        </p:txBody>
+      </p:sp>
+      <p:sp>
+        <p:nvSpPr>
+          <p:cNvPr id="122" name="Freeform 121"/>
+          <p:cNvSpPr/>
+          <p:nvPr/>
+        </p:nvSpPr>
+        <p:spPr>
+          <a:xfrm>
+            <a:off x="2800144" y="3362940"/>
+            <a:ext cx="1430243" cy="2670005"/>
+          </a:xfrm>
+          <a:custGeom>
+            <a:avLst/>
+            <a:gdLst>
+              <a:gd name="connsiteX0" fmla="*/ 0 w 1430243"/>
+              <a:gd name="connsiteY0" fmla="*/ 197287 h 2670005"/>
+              <a:gd name="connsiteX1" fmla="*/ 332901 w 1430243"/>
+              <a:gd name="connsiteY1" fmla="*/ 234274 h 2670005"/>
+              <a:gd name="connsiteX2" fmla="*/ 678133 w 1430243"/>
+              <a:gd name="connsiteY2" fmla="*/ 2539795 h 2670005"/>
+              <a:gd name="connsiteX3" fmla="*/ 1430243 w 1430243"/>
+              <a:gd name="connsiteY3" fmla="*/ 2379518 h 2670005"/>
+            </a:gdLst>
+            <a:ahLst/>
+            <a:cxnLst>
+              <a:cxn ang="0">
+                <a:pos x="connsiteX0" y="connsiteY0"/>
+              </a:cxn>
+              <a:cxn ang="0">
+                <a:pos x="connsiteX1" y="connsiteY1"/>
+              </a:cxn>
+              <a:cxn ang="0">
+                <a:pos x="connsiteX2" y="connsiteY2"/>
+              </a:cxn>
+              <a:cxn ang="0">
+                <a:pos x="connsiteX3" y="connsiteY3"/>
+              </a:cxn>
+            </a:cxnLst>
+            <a:rect l="l" t="t" r="r" b="b"/>
+            <a:pathLst>
+              <a:path w="1430243" h="2670005">
+                <a:moveTo>
+                  <a:pt x="0" y="197287"/>
+                </a:moveTo>
+                <a:cubicBezTo>
+                  <a:pt x="109939" y="20571"/>
+                  <a:pt x="219879" y="-156144"/>
+                  <a:pt x="332901" y="234274"/>
+                </a:cubicBezTo>
+                <a:cubicBezTo>
+                  <a:pt x="445923" y="624692"/>
+                  <a:pt x="495243" y="2182254"/>
+                  <a:pt x="678133" y="2539795"/>
+                </a:cubicBezTo>
+                <a:cubicBezTo>
+                  <a:pt x="861023" y="2897336"/>
+                  <a:pt x="1309001" y="2408286"/>
+                  <a:pt x="1430243" y="2379518"/>
+                </a:cubicBezTo>
+              </a:path>
+            </a:pathLst>
+          </a:custGeom>
+          <a:ln>
+            <a:headEnd type="arrow"/>
+            <a:tailEnd type="none"/>
+          </a:ln>
+          <a:effectLst/>
+        </p:spPr>
+        <p:style>
+          <a:lnRef idx="2">
+            <a:schemeClr val="accent1"/>
+          </a:lnRef>
+          <a:fillRef idx="0">
+            <a:schemeClr val="accent1"/>
+          </a:fillRef>
+          <a:effectRef idx="1">
+            <a:schemeClr val="accent1"/>
+          </a:effectRef>
+          <a:fontRef idx="minor">
+            <a:schemeClr val="tx1"/>
+          </a:fontRef>
+        </p:style>
+        <p:txBody>
+          <a:bodyPr rtlCol="0" anchor="ctr"/>
+          <a:lstStyle/>
+          <a:p>
+            <a:pPr algn="r"/>
+            <a:endParaRPr lang="en-US"/>
+          </a:p>
+        </p:txBody>
+      </p:sp>
+      <p:sp>
+        <p:nvSpPr>
+          <p:cNvPr id="8" name="Rectangle 7"/>
+          <p:cNvSpPr/>
+          <p:nvPr/>
+        </p:nvSpPr>
+        <p:spPr>
+          <a:xfrm>
+            <a:off x="1105687" y="4416136"/>
+            <a:ext cx="373254" cy="369332"/>
+          </a:xfrm>
+          <a:prstGeom prst="rect">
+            <a:avLst/>
+          </a:prstGeom>
+        </p:spPr>
+        <p:txBody>
+          <a:bodyPr wrap="none">
+            <a:spAutoFit/>
+          </a:bodyPr>
+          <a:lstStyle/>
+          <a:p>
+            <a:pPr algn="r"/>
+            <a:r>
+              <a:rPr lang="en-US" dirty="0" smtClean="0">
+                <a:latin typeface="CMU Bright Roman"/>
+                <a:cs typeface="CMU Bright Roman"/>
+              </a:rPr>
+              <a:t>c</a:t>
+            </a:r>
+            <a:r>
+              <a:rPr lang="en-US" i="1" baseline="30000" dirty="0">
+                <a:latin typeface="CMU Bright Roman"/>
+                <a:cs typeface="CMU Bright Roman"/>
+              </a:rPr>
+              <a:t>1</a:t>
+            </a:r>
+            <a:endParaRPr lang="en-US" baseline="30000" dirty="0"/>
+          </a:p>
+        </p:txBody>
+      </p:sp>
+      <p:sp>
+        <p:nvSpPr>
+          <p:cNvPr id="61" name="Rectangle 60"/>
+          <p:cNvSpPr/>
+          <p:nvPr/>
+        </p:nvSpPr>
+        <p:spPr>
+          <a:xfrm>
+            <a:off x="2474252" y="4416136"/>
+            <a:ext cx="377026" cy="369332"/>
+          </a:xfrm>
+          <a:prstGeom prst="rect">
+            <a:avLst/>
+          </a:prstGeom>
+        </p:spPr>
+        <p:txBody>
+          <a:bodyPr wrap="none">
+            <a:spAutoFit/>
+          </a:bodyPr>
+          <a:lstStyle/>
+          <a:p>
+            <a:pPr algn="r"/>
+            <a:r>
+              <a:rPr lang="en-US" dirty="0" smtClean="0">
+                <a:latin typeface="CMU Bright Roman"/>
+                <a:cs typeface="CMU Bright Roman"/>
+              </a:rPr>
+              <a:t>c</a:t>
+            </a:r>
+            <a:r>
+              <a:rPr lang="en-US" i="1" baseline="30000" dirty="0" smtClean="0">
+                <a:latin typeface="CMU Bright Roman"/>
+                <a:cs typeface="CMU Bright Roman"/>
+              </a:rPr>
+              <a:t>2</a:t>
+            </a:r>
+            <a:endParaRPr lang="en-US" baseline="30000" dirty="0"/>
+          </a:p>
+        </p:txBody>
+      </p:sp>
+      <p:sp>
+        <p:nvSpPr>
+          <p:cNvPr id="63" name="Rectangle 62"/>
+          <p:cNvSpPr/>
+          <p:nvPr/>
+        </p:nvSpPr>
+        <p:spPr>
+          <a:xfrm>
+            <a:off x="3809149" y="4416136"/>
+            <a:ext cx="377026" cy="369332"/>
+          </a:xfrm>
+          <a:prstGeom prst="rect">
+            <a:avLst/>
+          </a:prstGeom>
+        </p:spPr>
+        <p:txBody>
+          <a:bodyPr wrap="none">
+            <a:spAutoFit/>
+          </a:bodyPr>
+          <a:lstStyle/>
+          <a:p>
+            <a:pPr algn="r"/>
+            <a:r>
+              <a:rPr lang="en-US" dirty="0" smtClean="0">
+                <a:latin typeface="CMU Bright Roman"/>
+                <a:cs typeface="CMU Bright Roman"/>
+              </a:rPr>
+              <a:t>c</a:t>
+            </a:r>
+            <a:r>
+              <a:rPr lang="en-US" i="1" baseline="30000" dirty="0">
+                <a:latin typeface="CMU Bright Roman"/>
+                <a:cs typeface="CMU Bright Roman"/>
+              </a:rPr>
+              <a:t>3</a:t>
+            </a:r>
+            <a:endParaRPr lang="en-US" baseline="30000" dirty="0"/>
+          </a:p>
+        </p:txBody>
+      </p:sp>
+      <p:cxnSp>
+        <p:nvCxnSpPr>
+          <p:cNvPr id="64" name="Straight Arrow Connector 63"/>
+          <p:cNvCxnSpPr>
+            <a:stCxn id="33" idx="4"/>
+            <a:endCxn id="91" idx="0"/>
+          </p:cNvCxnSpPr>
+          <p:nvPr/>
+        </p:nvCxnSpPr>
+        <p:spPr>
+          <a:xfrm>
+            <a:off x="1545446" y="4630284"/>
+            <a:ext cx="857827" cy="1"/>
+          </a:xfrm>
+          <a:prstGeom prst="straightConnector1">
+            <a:avLst/>
+          </a:prstGeom>
+          <a:ln w="28575" cmpd="sng">
+            <a:solidFill>
+              <a:schemeClr val="accent1"/>
+            </a:solidFill>
+            <a:headEnd type="arrow"/>
+            <a:tailEnd type="none"/>
+          </a:ln>
+          <a:effectLst/>
+        </p:spPr>
+        <p:style>
+          <a:lnRef idx="2">
+            <a:schemeClr val="accent1"/>
+          </a:lnRef>
+          <a:fillRef idx="0">
+            <a:schemeClr val="accent1"/>
+          </a:fillRef>
+          <a:effectRef idx="1">
+            <a:schemeClr val="accent1"/>
+          </a:effectRef>
+          <a:fontRef idx="minor">
+            <a:schemeClr val="tx1"/>
+          </a:fontRef>
+        </p:style>
+      </p:cxnSp>
+      <p:cxnSp>
+        <p:nvCxnSpPr>
+          <p:cNvPr id="65" name="Straight Arrow Connector 64"/>
+          <p:cNvCxnSpPr>
+            <a:stCxn id="91" idx="4"/>
+            <a:endCxn id="107" idx="0"/>
+          </p:cNvCxnSpPr>
+          <p:nvPr/>
+        </p:nvCxnSpPr>
+        <p:spPr>
+          <a:xfrm>
+            <a:off x="2918484" y="4630285"/>
+            <a:ext cx="819324" cy="5596"/>
+          </a:xfrm>
+          <a:prstGeom prst="straightConnector1">
+            <a:avLst/>
+          </a:prstGeom>
+          <a:ln w="28575" cmpd="sng">
+            <a:solidFill>
+              <a:schemeClr val="accent1"/>
+            </a:solidFill>
+            <a:headEnd type="arrow"/>
+            <a:tailEnd type="none"/>
+          </a:ln>
+          <a:effectLst/>
+        </p:spPr>
+        <p:style>
+          <a:lnRef idx="2">
+            <a:schemeClr val="accent1"/>
+          </a:lnRef>
+          <a:fillRef idx="0">
+            <a:schemeClr val="accent1"/>
+          </a:fillRef>
+          <a:effectRef idx="1">
+            <a:schemeClr val="accent1"/>
+          </a:effectRef>
+          <a:fontRef idx="minor">
+            <a:schemeClr val="tx1"/>
+          </a:fontRef>
+        </p:style>
+      </p:cxnSp>
+      <p:sp>
+        <p:nvSpPr>
+          <p:cNvPr id="13" name="Rectangle 12"/>
+          <p:cNvSpPr/>
+          <p:nvPr/>
+        </p:nvSpPr>
+        <p:spPr>
+          <a:xfrm>
+            <a:off x="415149" y="149306"/>
+            <a:ext cx="4458756" cy="6060073"/>
+          </a:xfrm>
+          <a:prstGeom prst="rect">
+            <a:avLst/>
+          </a:prstGeom>
+          <a:noFill/>
+          <a:ln>
+            <a:noFill/>
+          </a:ln>
+        </p:spPr>
+        <p:style>
+          <a:lnRef idx="1">
+            <a:schemeClr val="accent1"/>
+          </a:lnRef>
+          <a:fillRef idx="3">
+            <a:schemeClr val="accent1"/>
+          </a:fillRef>
+          <a:effectRef idx="2">
+            <a:schemeClr val="accent1"/>
+          </a:effectRef>
+          <a:fontRef idx="minor">
+            <a:schemeClr val="lt1"/>
+          </a:fontRef>
+        </p:style>
+        <p:txBody>
+          <a:bodyPr rtlCol="0" anchor="ctr"/>
+          <a:lstStyle/>
+          <a:p>
+            <a:pPr algn="ctr"/>
+            <a:endParaRPr lang="en-US"/>
+          </a:p>
+        </p:txBody>
+      </p:sp>
+    </p:spTree>
+    <p:extLst>
+      <p:ext uri="{BB962C8B-B14F-4D97-AF65-F5344CB8AC3E}">
+        <p14:creationId xmlns:p14="http://schemas.microsoft.com/office/powerpoint/2010/main" val="1747357303"/>
+      </p:ext>
+    </p:extLst>
+  </p:cSld>
+  <p:clrMapOvr>
+    <a:masterClrMapping/>
+  </p:clrMapOvr>
+  <p:timing>
+    <p:tnLst>
+      <p:par>
+        <p:cTn xmlns:p14="http://schemas.microsoft.com/office/powerpoint/2010/main" id="1" dur="indefinite" restart="never" nodeType="tmRoot">
+          <p:childTnLst>
+            <p:seq concurrent="1" nextAc="seek">
+              <p:cTn id="2" dur="indefinite" nodeType="mainSeq">
+                <p:childTnLst>
+                  <p:par>
+                    <p:cTn id="3" fill="hold">
+                      <p:stCondLst>
+                        <p:cond delay="indefinite"/>
+                        <p:cond evt="onBegin" delay="0">
+                          <p:tn val="2"/>
+                        </p:cond>
+                      </p:stCondLst>
+                      <p:childTnLst>
+                        <p:par>
+                          <p:cTn id="4" fill="hold">
+                            <p:stCondLst>
+                              <p:cond delay="0"/>
+                            </p:stCondLst>
+                            <p:childTnLst>
+                              <p:par>
+                                <p:cTn id="5" presetID="1" presetClass="entr" presetSubtype="0" fill="hold" grpId="0" nodeType="withEffect">
+                                  <p:stCondLst>
+                                    <p:cond delay="0"/>
+                                  </p:stCondLst>
+                                  <p:childTnLst>
+                                    <p:set>
+                                      <p:cBhvr>
+                                        <p:cTn id="6" dur="1" fill="hold">
+                                          <p:stCondLst>
+                                            <p:cond delay="0"/>
+                                          </p:stCondLst>
+                                        </p:cTn>
+                                        <p:tgtEl>
+                                          <p:spTgt spid="117"/>
+                                        </p:tgtEl>
+                                        <p:attrNameLst>
+                                          <p:attrName>style.visibility</p:attrName>
+                                        </p:attrNameLst>
+                                      </p:cBhvr>
+                                      <p:to>
+                                        <p:strVal val="visible"/>
+                                      </p:to>
+                                    </p:set>
+                                  </p:childTnLst>
+                                </p:cTn>
+                              </p:par>
+                              <p:par>
+                                <p:cTn id="7" presetID="1" presetClass="entr" presetSubtype="0" fill="hold" grpId="0" nodeType="withEffect">
+                                  <p:stCondLst>
+                                    <p:cond delay="0"/>
+                                  </p:stCondLst>
+                                  <p:childTnLst>
+                                    <p:set>
+                                      <p:cBhvr>
+                                        <p:cTn id="8" dur="1" fill="hold">
+                                          <p:stCondLst>
+                                            <p:cond delay="0"/>
+                                          </p:stCondLst>
+                                        </p:cTn>
+                                        <p:tgtEl>
+                                          <p:spTgt spid="122"/>
+                                        </p:tgtEl>
+                                        <p:attrNameLst>
+                                          <p:attrName>style.visibility</p:attrName>
+                                        </p:attrNameLst>
+                                      </p:cBhvr>
+                                      <p:to>
+                                        <p:strVal val="visible"/>
+                                      </p:to>
+                                    </p:set>
+                                  </p:childTnLst>
+                                </p:cTn>
+                              </p:par>
+                            </p:childTnLst>
+                          </p:cTn>
+                        </p:par>
+                      </p:childTnLst>
+                    </p:cTn>
+                  </p:par>
+                </p:childTnLst>
+              </p:cTn>
+              <p:prevCondLst>
+                <p:cond evt="onPrev" delay="0">
+                  <p:tgtEl>
+                    <p:sldTgt/>
+                  </p:tgtEl>
+                </p:cond>
+              </p:prevCondLst>
+              <p:nextCondLst>
+                <p:cond evt="onNext" delay="0">
+                  <p:tgtEl>
+                    <p:sldTgt/>
+                  </p:tgtEl>
+                </p:cond>
+              </p:nextCondLst>
+            </p:seq>
+          </p:childTnLst>
+        </p:cTn>
+      </p:par>
+    </p:tnLst>
+    <p:bldLst>
+      <p:bldP spid="117" grpId="0" animBg="1"/>
+      <p:bldP spid="122" grpId="0" animBg="1"/>
+    </p:bldLst>
+  </p:timing>
+</p:sld>
+</file>
+
+<file path=ppt/slides/slide17.xml><?xml version="1.0" encoding="utf-8"?>
+<p:sld xmlns:a="http://schemas.openxmlformats.org/drawingml/2006/main" xmlns:r="http://schemas.openxmlformats.org/officeDocument/2006/relationships" xmlns:p="http://schemas.openxmlformats.org/presentationml/2006/main">
+  <p:cSld>
+    <p:spTree>
+      <p:nvGrpSpPr>
+        <p:cNvPr id="1" name=""/>
+        <p:cNvGrpSpPr/>
+        <p:nvPr/>
+      </p:nvGrpSpPr>
+      <p:grpSpPr>
+        <a:xfrm>
+          <a:off x="0" y="0"/>
+          <a:ext cx="0" cy="0"/>
+          <a:chOff x="0" y="0"/>
+          <a:chExt cx="0" cy="0"/>
+        </a:xfrm>
+      </p:grpSpPr>
       <p:sp>
         <p:nvSpPr>
           <p:cNvPr id="2" name="TextBox 1"/>
@@ -18486,7 +23594,7 @@
 </p:sld>
 </file>
 
-<file path=ppt/slides/slide16.xml><?xml version="1.0" encoding="utf-8"?>
+<file path=ppt/slides/slide18.xml><?xml version="1.0" encoding="utf-8"?>
 <p:sld xmlns:a="http://schemas.openxmlformats.org/drawingml/2006/main" xmlns:r="http://schemas.openxmlformats.org/officeDocument/2006/relationships" xmlns:p="http://schemas.openxmlformats.org/presentationml/2006/main">
   <p:cSld>
     <p:spTree>
@@ -19762,7 +24870,11 @@
           <a:solidFill>
             <a:srgbClr val="93CDDD"/>
           </a:solidFill>
-          <a:ln w="25400"/>
+          <a:ln w="25400">
+            <a:solidFill>
+              <a:srgbClr val="4F81BD"/>
+            </a:solidFill>
+          </a:ln>
           <a:effectLst/>
         </p:spPr>
         <p:style>
@@ -21593,7 +26705,7 @@
 </p:sld>
 </file>
 
-<file path=ppt/slides/slide17.xml><?xml version="1.0" encoding="utf-8"?>
+<file path=ppt/slides/slide19.xml><?xml version="1.0" encoding="utf-8"?>
 <p:sld xmlns:a="http://schemas.openxmlformats.org/drawingml/2006/main" xmlns:r="http://schemas.openxmlformats.org/officeDocument/2006/relationships" xmlns:p="http://schemas.openxmlformats.org/presentationml/2006/main">
   <p:cSld>
     <p:spTree>
@@ -23555,7 +28667,2072 @@
 </p:sld>
 </file>
 
-<file path=ppt/slides/slide18.xml><?xml version="1.0" encoding="utf-8"?>
+<file path=ppt/slides/slide2.xml><?xml version="1.0" encoding="utf-8"?>
+<p:sld xmlns:a="http://schemas.openxmlformats.org/drawingml/2006/main" xmlns:r="http://schemas.openxmlformats.org/officeDocument/2006/relationships" xmlns:p="http://schemas.openxmlformats.org/presentationml/2006/main">
+  <p:cSld>
+    <p:spTree>
+      <p:nvGrpSpPr>
+        <p:cNvPr id="1" name=""/>
+        <p:cNvGrpSpPr/>
+        <p:nvPr/>
+      </p:nvGrpSpPr>
+      <p:grpSpPr>
+        <a:xfrm>
+          <a:off x="0" y="0"/>
+          <a:ext cx="0" cy="0"/>
+          <a:chOff x="0" y="0"/>
+          <a:chExt cx="0" cy="0"/>
+        </a:xfrm>
+      </p:grpSpPr>
+      <p:sp>
+        <p:nvSpPr>
+          <p:cNvPr id="2" name="Title 1"/>
+          <p:cNvSpPr>
+            <a:spLocks noGrp="1"/>
+          </p:cNvSpPr>
+          <p:nvPr>
+            <p:ph type="title"/>
+          </p:nvPr>
+        </p:nvSpPr>
+        <p:spPr/>
+        <p:txBody>
+          <a:bodyPr>
+            <a:normAutofit/>
+          </a:bodyPr>
+          <a:lstStyle/>
+          <a:p>
+            <a:r>
+              <a:rPr lang="en-US" sz="4000" dirty="0" smtClean="0">
+                <a:latin typeface="CMU Bright SemiBold"/>
+                <a:cs typeface="CMU Bright SemiBold"/>
+              </a:rPr>
+              <a:t>Recurrent Neural Networks</a:t>
+            </a:r>
+            <a:endParaRPr lang="en-US" sz="4000" dirty="0">
+              <a:latin typeface="CMU Bright SemiBold"/>
+              <a:cs typeface="CMU Bright SemiBold"/>
+            </a:endParaRPr>
+          </a:p>
+        </p:txBody>
+      </p:sp>
+      <p:sp>
+        <p:nvSpPr>
+          <p:cNvPr id="79" name="Rectangle 78"/>
+          <p:cNvSpPr/>
+          <p:nvPr/>
+        </p:nvSpPr>
+        <p:spPr>
+          <a:xfrm>
+            <a:off x="2292855" y="3428456"/>
+            <a:ext cx="3570144" cy="862679"/>
+          </a:xfrm>
+          <a:prstGeom prst="rect">
+            <a:avLst/>
+          </a:prstGeom>
+          <a:solidFill>
+            <a:schemeClr val="accent3">
+              <a:lumMod val="40000"/>
+              <a:lumOff val="60000"/>
+              <a:alpha val="33000"/>
+            </a:schemeClr>
+          </a:solidFill>
+          <a:ln>
+            <a:solidFill>
+              <a:schemeClr val="accent3"/>
+            </a:solidFill>
+          </a:ln>
+          <a:effectLst/>
+        </p:spPr>
+        <p:style>
+          <a:lnRef idx="1">
+            <a:schemeClr val="accent1"/>
+          </a:lnRef>
+          <a:fillRef idx="3">
+            <a:schemeClr val="accent1"/>
+          </a:fillRef>
+          <a:effectRef idx="2">
+            <a:schemeClr val="accent1"/>
+          </a:effectRef>
+          <a:fontRef idx="minor">
+            <a:schemeClr val="lt1"/>
+          </a:fontRef>
+        </p:style>
+        <p:txBody>
+          <a:bodyPr rtlCol="0" anchor="ctr"/>
+          <a:lstStyle/>
+          <a:p>
+            <a:pPr algn="ctr"/>
+            <a:endParaRPr lang="en-US" i="1"/>
+          </a:p>
+        </p:txBody>
+      </p:sp>
+      <p:sp>
+        <p:nvSpPr>
+          <p:cNvPr id="80" name="Rectangle 79"/>
+          <p:cNvSpPr/>
+          <p:nvPr/>
+        </p:nvSpPr>
+        <p:spPr>
+          <a:xfrm>
+            <a:off x="1624628" y="2214949"/>
+            <a:ext cx="4748176" cy="862679"/>
+          </a:xfrm>
+          <a:prstGeom prst="rect">
+            <a:avLst/>
+          </a:prstGeom>
+          <a:solidFill>
+            <a:schemeClr val="accent5">
+              <a:lumMod val="60000"/>
+              <a:lumOff val="40000"/>
+              <a:alpha val="33000"/>
+            </a:schemeClr>
+          </a:solidFill>
+          <a:ln>
+            <a:solidFill>
+              <a:schemeClr val="accent5"/>
+            </a:solidFill>
+          </a:ln>
+          <a:effectLst/>
+        </p:spPr>
+        <p:style>
+          <a:lnRef idx="1">
+            <a:schemeClr val="accent1"/>
+          </a:lnRef>
+          <a:fillRef idx="3">
+            <a:schemeClr val="accent1"/>
+          </a:fillRef>
+          <a:effectRef idx="2">
+            <a:schemeClr val="accent1"/>
+          </a:effectRef>
+          <a:fontRef idx="minor">
+            <a:schemeClr val="lt1"/>
+          </a:fontRef>
+        </p:style>
+        <p:txBody>
+          <a:bodyPr rtlCol="0" anchor="ctr"/>
+          <a:lstStyle/>
+          <a:p>
+            <a:pPr algn="ctr"/>
+            <a:endParaRPr lang="en-US" i="1"/>
+          </a:p>
+        </p:txBody>
+      </p:sp>
+      <p:sp>
+        <p:nvSpPr>
+          <p:cNvPr id="81" name="Rectangle 80"/>
+          <p:cNvSpPr/>
+          <p:nvPr/>
+        </p:nvSpPr>
+        <p:spPr>
+          <a:xfrm>
+            <a:off x="1624628" y="4665929"/>
+            <a:ext cx="4748176" cy="862679"/>
+          </a:xfrm>
+          <a:prstGeom prst="rect">
+            <a:avLst/>
+          </a:prstGeom>
+          <a:solidFill>
+            <a:schemeClr val="accent6">
+              <a:lumMod val="40000"/>
+              <a:lumOff val="60000"/>
+              <a:alpha val="33000"/>
+            </a:schemeClr>
+          </a:solidFill>
+          <a:ln>
+            <a:solidFill>
+              <a:schemeClr val="accent6"/>
+            </a:solidFill>
+          </a:ln>
+          <a:effectLst/>
+        </p:spPr>
+        <p:style>
+          <a:lnRef idx="1">
+            <a:schemeClr val="accent1"/>
+          </a:lnRef>
+          <a:fillRef idx="3">
+            <a:schemeClr val="accent1"/>
+          </a:fillRef>
+          <a:effectRef idx="2">
+            <a:schemeClr val="accent1"/>
+          </a:effectRef>
+          <a:fontRef idx="minor">
+            <a:schemeClr val="lt1"/>
+          </a:fontRef>
+        </p:style>
+        <p:txBody>
+          <a:bodyPr rtlCol="0" anchor="ctr"/>
+          <a:lstStyle/>
+          <a:p>
+            <a:pPr algn="ctr"/>
+            <a:endParaRPr lang="en-US" i="1"/>
+          </a:p>
+        </p:txBody>
+      </p:sp>
+      <p:sp>
+        <p:nvSpPr>
+          <p:cNvPr id="82" name="Oval 81"/>
+          <p:cNvSpPr/>
+          <p:nvPr/>
+        </p:nvSpPr>
+        <p:spPr>
+          <a:xfrm>
+            <a:off x="1990672" y="4845654"/>
+            <a:ext cx="515211" cy="515211"/>
+          </a:xfrm>
+          <a:prstGeom prst="ellipse">
+            <a:avLst/>
+          </a:prstGeom>
+          <a:solidFill>
+            <a:schemeClr val="accent6"/>
+          </a:solidFill>
+          <a:effectLst/>
+        </p:spPr>
+        <p:style>
+          <a:lnRef idx="1">
+            <a:schemeClr val="accent1"/>
+          </a:lnRef>
+          <a:fillRef idx="3">
+            <a:schemeClr val="accent1"/>
+          </a:fillRef>
+          <a:effectRef idx="2">
+            <a:schemeClr val="accent1"/>
+          </a:effectRef>
+          <a:fontRef idx="minor">
+            <a:schemeClr val="lt1"/>
+          </a:fontRef>
+        </p:style>
+        <p:txBody>
+          <a:bodyPr rtlCol="0" anchor="ctr" anchorCtr="1"/>
+          <a:lstStyle/>
+          <a:p>
+            <a:pPr algn="ctr"/>
+            <a:r>
+              <a:rPr lang="en-US" sz="1600" i="1" dirty="0" smtClean="0">
+                <a:solidFill>
+                  <a:srgbClr val="000000"/>
+                </a:solidFill>
+                <a:latin typeface="CMU Bright Roman"/>
+                <a:cs typeface="CMU Bright Roman"/>
+              </a:rPr>
+              <a:t>x</a:t>
+            </a:r>
+            <a:r>
+              <a:rPr lang="en-US" sz="1600" i="1" baseline="-25000" dirty="0" smtClean="0">
+                <a:solidFill>
+                  <a:srgbClr val="000000"/>
+                </a:solidFill>
+                <a:latin typeface="CMU Bright Roman"/>
+                <a:cs typeface="CMU Bright Roman"/>
+              </a:rPr>
+              <a:t>1</a:t>
+            </a:r>
+            <a:endParaRPr lang="en-US" sz="1600" i="1" baseline="-25000" dirty="0">
+              <a:solidFill>
+                <a:srgbClr val="000000"/>
+              </a:solidFill>
+              <a:latin typeface="CMU Bright Roman"/>
+              <a:cs typeface="CMU Bright Roman"/>
+            </a:endParaRPr>
+          </a:p>
+        </p:txBody>
+      </p:sp>
+      <p:sp>
+        <p:nvSpPr>
+          <p:cNvPr id="83" name="Oval 82"/>
+          <p:cNvSpPr/>
+          <p:nvPr/>
+        </p:nvSpPr>
+        <p:spPr>
+          <a:xfrm>
+            <a:off x="2754069" y="4845654"/>
+            <a:ext cx="515211" cy="515211"/>
+          </a:xfrm>
+          <a:prstGeom prst="ellipse">
+            <a:avLst/>
+          </a:prstGeom>
+          <a:solidFill>
+            <a:schemeClr val="accent6"/>
+          </a:solidFill>
+          <a:effectLst/>
+        </p:spPr>
+        <p:style>
+          <a:lnRef idx="1">
+            <a:schemeClr val="accent1"/>
+          </a:lnRef>
+          <a:fillRef idx="3">
+            <a:schemeClr val="accent1"/>
+          </a:fillRef>
+          <a:effectRef idx="2">
+            <a:schemeClr val="accent1"/>
+          </a:effectRef>
+          <a:fontRef idx="minor">
+            <a:schemeClr val="lt1"/>
+          </a:fontRef>
+        </p:style>
+        <p:txBody>
+          <a:bodyPr rtlCol="0" anchor="ctr" anchorCtr="1"/>
+          <a:lstStyle/>
+          <a:p>
+            <a:pPr algn="ctr"/>
+            <a:r>
+              <a:rPr lang="en-US" sz="1600" i="1" dirty="0" smtClean="0">
+                <a:solidFill>
+                  <a:srgbClr val="000000"/>
+                </a:solidFill>
+                <a:latin typeface="CMU Bright Roman"/>
+                <a:cs typeface="CMU Bright Roman"/>
+              </a:rPr>
+              <a:t>x</a:t>
+            </a:r>
+            <a:r>
+              <a:rPr lang="en-US" sz="1600" i="1" baseline="-25000" dirty="0">
+                <a:solidFill>
+                  <a:srgbClr val="000000"/>
+                </a:solidFill>
+                <a:latin typeface="CMU Bright Roman"/>
+                <a:cs typeface="CMU Bright Roman"/>
+              </a:rPr>
+              <a:t>2</a:t>
+            </a:r>
+          </a:p>
+        </p:txBody>
+      </p:sp>
+      <p:sp>
+        <p:nvSpPr>
+          <p:cNvPr id="84" name="Oval 83"/>
+          <p:cNvSpPr/>
+          <p:nvPr/>
+        </p:nvSpPr>
+        <p:spPr>
+          <a:xfrm>
+            <a:off x="5605393" y="4845654"/>
+            <a:ext cx="515211" cy="515211"/>
+          </a:xfrm>
+          <a:prstGeom prst="ellipse">
+            <a:avLst/>
+          </a:prstGeom>
+          <a:solidFill>
+            <a:schemeClr val="accent6"/>
+          </a:solidFill>
+          <a:effectLst/>
+        </p:spPr>
+        <p:style>
+          <a:lnRef idx="1">
+            <a:schemeClr val="accent1"/>
+          </a:lnRef>
+          <a:fillRef idx="3">
+            <a:schemeClr val="accent1"/>
+          </a:fillRef>
+          <a:effectRef idx="2">
+            <a:schemeClr val="accent1"/>
+          </a:effectRef>
+          <a:fontRef idx="minor">
+            <a:schemeClr val="lt1"/>
+          </a:fontRef>
+        </p:style>
+        <p:txBody>
+          <a:bodyPr rtlCol="0" anchor="ctr" anchorCtr="1"/>
+          <a:lstStyle/>
+          <a:p>
+            <a:pPr algn="ctr"/>
+            <a:r>
+              <a:rPr lang="en-US" sz="1600" i="1" dirty="0" err="1" smtClean="0">
+                <a:solidFill>
+                  <a:srgbClr val="000000"/>
+                </a:solidFill>
+                <a:latin typeface="CMU Bright Roman"/>
+                <a:cs typeface="CMU Bright Roman"/>
+              </a:rPr>
+              <a:t>x</a:t>
+            </a:r>
+            <a:r>
+              <a:rPr lang="en-US" sz="1600" i="1" baseline="-25000" dirty="0" err="1">
+                <a:solidFill>
+                  <a:srgbClr val="000000"/>
+                </a:solidFill>
+                <a:latin typeface="CMU Bright Roman"/>
+                <a:cs typeface="CMU Bright Roman"/>
+              </a:rPr>
+              <a:t>n</a:t>
+            </a:r>
+            <a:endParaRPr lang="en-US" sz="1600" i="1" baseline="-25000" dirty="0">
+              <a:solidFill>
+                <a:srgbClr val="000000"/>
+              </a:solidFill>
+              <a:latin typeface="CMU Bright Roman"/>
+              <a:cs typeface="CMU Bright Roman"/>
+            </a:endParaRPr>
+          </a:p>
+        </p:txBody>
+      </p:sp>
+      <p:sp>
+        <p:nvSpPr>
+          <p:cNvPr id="85" name="Oval 84"/>
+          <p:cNvSpPr/>
+          <p:nvPr/>
+        </p:nvSpPr>
+        <p:spPr>
+          <a:xfrm>
+            <a:off x="2565679" y="3572237"/>
+            <a:ext cx="515211" cy="515211"/>
+          </a:xfrm>
+          <a:prstGeom prst="ellipse">
+            <a:avLst/>
+          </a:prstGeom>
+          <a:solidFill>
+            <a:schemeClr val="accent3">
+              <a:lumMod val="60000"/>
+              <a:lumOff val="40000"/>
+            </a:schemeClr>
+          </a:solidFill>
+          <a:effectLst/>
+        </p:spPr>
+        <p:style>
+          <a:lnRef idx="1">
+            <a:schemeClr val="accent1"/>
+          </a:lnRef>
+          <a:fillRef idx="3">
+            <a:schemeClr val="accent1"/>
+          </a:fillRef>
+          <a:effectRef idx="2">
+            <a:schemeClr val="accent1"/>
+          </a:effectRef>
+          <a:fontRef idx="minor">
+            <a:schemeClr val="lt1"/>
+          </a:fontRef>
+        </p:style>
+        <p:txBody>
+          <a:bodyPr rtlCol="0" anchor="ctr" anchorCtr="1"/>
+          <a:lstStyle/>
+          <a:p>
+            <a:pPr algn="ctr"/>
+            <a:r>
+              <a:rPr lang="en-US" sz="1600" i="1" dirty="0" smtClean="0">
+                <a:solidFill>
+                  <a:srgbClr val="000000"/>
+                </a:solidFill>
+                <a:latin typeface="CMU Bright Roman"/>
+                <a:cs typeface="CMU Bright Roman"/>
+              </a:rPr>
+              <a:t>h</a:t>
+            </a:r>
+            <a:r>
+              <a:rPr lang="en-US" sz="1600" i="1" baseline="-25000" dirty="0" smtClean="0">
+                <a:solidFill>
+                  <a:srgbClr val="000000"/>
+                </a:solidFill>
+                <a:latin typeface="CMU Bright Roman"/>
+                <a:cs typeface="CMU Bright Roman"/>
+              </a:rPr>
+              <a:t>1</a:t>
+            </a:r>
+            <a:endParaRPr lang="en-US" sz="1600" i="1" baseline="-25000" dirty="0">
+              <a:solidFill>
+                <a:srgbClr val="000000"/>
+              </a:solidFill>
+              <a:latin typeface="CMU Bright Roman"/>
+              <a:cs typeface="CMU Bright Roman"/>
+            </a:endParaRPr>
+          </a:p>
+        </p:txBody>
+      </p:sp>
+      <p:sp>
+        <p:nvSpPr>
+          <p:cNvPr id="86" name="Oval 85"/>
+          <p:cNvSpPr/>
+          <p:nvPr/>
+        </p:nvSpPr>
+        <p:spPr>
+          <a:xfrm>
+            <a:off x="3502816" y="3572237"/>
+            <a:ext cx="515211" cy="515211"/>
+          </a:xfrm>
+          <a:prstGeom prst="ellipse">
+            <a:avLst/>
+          </a:prstGeom>
+          <a:solidFill>
+            <a:schemeClr val="accent3">
+              <a:lumMod val="60000"/>
+              <a:lumOff val="40000"/>
+            </a:schemeClr>
+          </a:solidFill>
+          <a:effectLst/>
+        </p:spPr>
+        <p:style>
+          <a:lnRef idx="1">
+            <a:schemeClr val="accent1"/>
+          </a:lnRef>
+          <a:fillRef idx="3">
+            <a:schemeClr val="accent1"/>
+          </a:fillRef>
+          <a:effectRef idx="2">
+            <a:schemeClr val="accent1"/>
+          </a:effectRef>
+          <a:fontRef idx="minor">
+            <a:schemeClr val="lt1"/>
+          </a:fontRef>
+        </p:style>
+        <p:txBody>
+          <a:bodyPr rtlCol="0" anchor="ctr" anchorCtr="1"/>
+          <a:lstStyle/>
+          <a:p>
+            <a:pPr algn="ctr"/>
+            <a:r>
+              <a:rPr lang="en-US" sz="1600" i="1" dirty="0" smtClean="0">
+                <a:solidFill>
+                  <a:srgbClr val="000000"/>
+                </a:solidFill>
+                <a:latin typeface="CMU Bright Roman"/>
+                <a:cs typeface="CMU Bright Roman"/>
+              </a:rPr>
+              <a:t>h</a:t>
+            </a:r>
+            <a:r>
+              <a:rPr lang="en-US" sz="1600" i="1" baseline="-25000" dirty="0" smtClean="0">
+                <a:solidFill>
+                  <a:srgbClr val="000000"/>
+                </a:solidFill>
+                <a:latin typeface="CMU Bright Roman"/>
+                <a:cs typeface="CMU Bright Roman"/>
+              </a:rPr>
+              <a:t>2</a:t>
+            </a:r>
+            <a:endParaRPr lang="en-US" sz="1600" i="1" baseline="-25000" dirty="0">
+              <a:solidFill>
+                <a:srgbClr val="000000"/>
+              </a:solidFill>
+              <a:latin typeface="CMU Bright Roman"/>
+              <a:cs typeface="CMU Bright Roman"/>
+            </a:endParaRPr>
+          </a:p>
+        </p:txBody>
+      </p:sp>
+      <p:sp>
+        <p:nvSpPr>
+          <p:cNvPr id="87" name="Oval 86"/>
+          <p:cNvSpPr/>
+          <p:nvPr/>
+        </p:nvSpPr>
+        <p:spPr>
+          <a:xfrm>
+            <a:off x="5102168" y="3572237"/>
+            <a:ext cx="515211" cy="515211"/>
+          </a:xfrm>
+          <a:prstGeom prst="ellipse">
+            <a:avLst/>
+          </a:prstGeom>
+          <a:solidFill>
+            <a:schemeClr val="accent3">
+              <a:lumMod val="60000"/>
+              <a:lumOff val="40000"/>
+            </a:schemeClr>
+          </a:solidFill>
+          <a:effectLst/>
+        </p:spPr>
+        <p:style>
+          <a:lnRef idx="1">
+            <a:schemeClr val="accent1"/>
+          </a:lnRef>
+          <a:fillRef idx="3">
+            <a:schemeClr val="accent1"/>
+          </a:fillRef>
+          <a:effectRef idx="2">
+            <a:schemeClr val="accent1"/>
+          </a:effectRef>
+          <a:fontRef idx="minor">
+            <a:schemeClr val="lt1"/>
+          </a:fontRef>
+        </p:style>
+        <p:txBody>
+          <a:bodyPr rtlCol="0" anchor="ctr" anchorCtr="1"/>
+          <a:lstStyle/>
+          <a:p>
+            <a:pPr algn="ctr"/>
+            <a:r>
+              <a:rPr lang="en-US" sz="1600" i="1" dirty="0" err="1" smtClean="0">
+                <a:solidFill>
+                  <a:srgbClr val="000000"/>
+                </a:solidFill>
+                <a:latin typeface="CMU Bright Roman"/>
+                <a:cs typeface="CMU Bright Roman"/>
+              </a:rPr>
+              <a:t>h</a:t>
+            </a:r>
+            <a:r>
+              <a:rPr lang="en-US" sz="1600" i="1" baseline="-25000" dirty="0" err="1">
+                <a:solidFill>
+                  <a:srgbClr val="000000"/>
+                </a:solidFill>
+                <a:latin typeface="CMU Bright Roman"/>
+                <a:cs typeface="CMU Bright Roman"/>
+              </a:rPr>
+              <a:t>k</a:t>
+            </a:r>
+            <a:endParaRPr lang="en-US" sz="1600" i="1" baseline="-25000" dirty="0">
+              <a:solidFill>
+                <a:srgbClr val="000000"/>
+              </a:solidFill>
+              <a:latin typeface="CMU Bright Roman"/>
+              <a:cs typeface="CMU Bright Roman"/>
+            </a:endParaRPr>
+          </a:p>
+        </p:txBody>
+      </p:sp>
+      <p:cxnSp>
+        <p:nvCxnSpPr>
+          <p:cNvPr id="88" name="Straight Arrow Connector 87"/>
+          <p:cNvCxnSpPr>
+            <a:stCxn id="82" idx="0"/>
+            <a:endCxn id="85" idx="3"/>
+          </p:cNvCxnSpPr>
+          <p:nvPr/>
+        </p:nvCxnSpPr>
+        <p:spPr>
+          <a:xfrm flipV="1">
+            <a:off x="2248278" y="4011997"/>
+            <a:ext cx="392852" cy="833657"/>
+          </a:xfrm>
+          <a:prstGeom prst="straightConnector1">
+            <a:avLst/>
+          </a:prstGeom>
+          <a:ln w="12700">
+            <a:solidFill>
+              <a:srgbClr val="A6A6A6"/>
+            </a:solidFill>
+            <a:tailEnd type="arrow"/>
+          </a:ln>
+          <a:effectLst/>
+        </p:spPr>
+        <p:style>
+          <a:lnRef idx="2">
+            <a:schemeClr val="accent1"/>
+          </a:lnRef>
+          <a:fillRef idx="0">
+            <a:schemeClr val="accent1"/>
+          </a:fillRef>
+          <a:effectRef idx="1">
+            <a:schemeClr val="accent1"/>
+          </a:effectRef>
+          <a:fontRef idx="minor">
+            <a:schemeClr val="tx1"/>
+          </a:fontRef>
+        </p:style>
+      </p:cxnSp>
+      <p:cxnSp>
+        <p:nvCxnSpPr>
+          <p:cNvPr id="89" name="Straight Arrow Connector 88"/>
+          <p:cNvCxnSpPr>
+            <a:stCxn id="82" idx="0"/>
+            <a:endCxn id="86" idx="4"/>
+          </p:cNvCxnSpPr>
+          <p:nvPr/>
+        </p:nvCxnSpPr>
+        <p:spPr>
+          <a:xfrm flipV="1">
+            <a:off x="2248278" y="4087448"/>
+            <a:ext cx="1512144" cy="758206"/>
+          </a:xfrm>
+          <a:prstGeom prst="straightConnector1">
+            <a:avLst/>
+          </a:prstGeom>
+          <a:ln w="12700">
+            <a:solidFill>
+              <a:srgbClr val="A6A6A6"/>
+            </a:solidFill>
+            <a:tailEnd type="arrow"/>
+          </a:ln>
+          <a:effectLst/>
+        </p:spPr>
+        <p:style>
+          <a:lnRef idx="2">
+            <a:schemeClr val="accent1"/>
+          </a:lnRef>
+          <a:fillRef idx="0">
+            <a:schemeClr val="accent1"/>
+          </a:fillRef>
+          <a:effectRef idx="1">
+            <a:schemeClr val="accent1"/>
+          </a:effectRef>
+          <a:fontRef idx="minor">
+            <a:schemeClr val="tx1"/>
+          </a:fontRef>
+        </p:style>
+      </p:cxnSp>
+      <p:cxnSp>
+        <p:nvCxnSpPr>
+          <p:cNvPr id="90" name="Straight Arrow Connector 89"/>
+          <p:cNvCxnSpPr>
+            <a:stCxn id="82" idx="0"/>
+            <a:endCxn id="87" idx="3"/>
+          </p:cNvCxnSpPr>
+          <p:nvPr/>
+        </p:nvCxnSpPr>
+        <p:spPr>
+          <a:xfrm flipV="1">
+            <a:off x="2248278" y="4011997"/>
+            <a:ext cx="2929341" cy="833657"/>
+          </a:xfrm>
+          <a:prstGeom prst="straightConnector1">
+            <a:avLst/>
+          </a:prstGeom>
+          <a:ln w="12700">
+            <a:solidFill>
+              <a:srgbClr val="A6A6A6"/>
+            </a:solidFill>
+            <a:tailEnd type="arrow"/>
+          </a:ln>
+          <a:effectLst/>
+        </p:spPr>
+        <p:style>
+          <a:lnRef idx="2">
+            <a:schemeClr val="accent1"/>
+          </a:lnRef>
+          <a:fillRef idx="0">
+            <a:schemeClr val="accent1"/>
+          </a:fillRef>
+          <a:effectRef idx="1">
+            <a:schemeClr val="accent1"/>
+          </a:effectRef>
+          <a:fontRef idx="minor">
+            <a:schemeClr val="tx1"/>
+          </a:fontRef>
+        </p:style>
+      </p:cxnSp>
+      <p:cxnSp>
+        <p:nvCxnSpPr>
+          <p:cNvPr id="92" name="Straight Arrow Connector 91"/>
+          <p:cNvCxnSpPr>
+            <a:stCxn id="83" idx="0"/>
+            <a:endCxn id="85" idx="4"/>
+          </p:cNvCxnSpPr>
+          <p:nvPr/>
+        </p:nvCxnSpPr>
+        <p:spPr>
+          <a:xfrm flipH="1" flipV="1">
+            <a:off x="2823285" y="4087448"/>
+            <a:ext cx="188390" cy="758206"/>
+          </a:xfrm>
+          <a:prstGeom prst="straightConnector1">
+            <a:avLst/>
+          </a:prstGeom>
+          <a:ln w="12700">
+            <a:solidFill>
+              <a:srgbClr val="A6A6A6"/>
+            </a:solidFill>
+            <a:tailEnd type="arrow"/>
+          </a:ln>
+          <a:effectLst/>
+        </p:spPr>
+        <p:style>
+          <a:lnRef idx="2">
+            <a:schemeClr val="accent1"/>
+          </a:lnRef>
+          <a:fillRef idx="0">
+            <a:schemeClr val="accent1"/>
+          </a:fillRef>
+          <a:effectRef idx="1">
+            <a:schemeClr val="accent1"/>
+          </a:effectRef>
+          <a:fontRef idx="minor">
+            <a:schemeClr val="tx1"/>
+          </a:fontRef>
+        </p:style>
+      </p:cxnSp>
+      <p:cxnSp>
+        <p:nvCxnSpPr>
+          <p:cNvPr id="93" name="Straight Arrow Connector 92"/>
+          <p:cNvCxnSpPr>
+            <a:stCxn id="84" idx="0"/>
+            <a:endCxn id="85" idx="5"/>
+          </p:cNvCxnSpPr>
+          <p:nvPr/>
+        </p:nvCxnSpPr>
+        <p:spPr>
+          <a:xfrm flipH="1" flipV="1">
+            <a:off x="3005439" y="4011997"/>
+            <a:ext cx="2857560" cy="833657"/>
+          </a:xfrm>
+          <a:prstGeom prst="straightConnector1">
+            <a:avLst/>
+          </a:prstGeom>
+          <a:ln w="12700">
+            <a:solidFill>
+              <a:srgbClr val="A6A6A6"/>
+            </a:solidFill>
+            <a:tailEnd type="arrow"/>
+          </a:ln>
+          <a:effectLst/>
+        </p:spPr>
+        <p:style>
+          <a:lnRef idx="2">
+            <a:schemeClr val="accent1"/>
+          </a:lnRef>
+          <a:fillRef idx="0">
+            <a:schemeClr val="accent1"/>
+          </a:fillRef>
+          <a:effectRef idx="1">
+            <a:schemeClr val="accent1"/>
+          </a:effectRef>
+          <a:fontRef idx="minor">
+            <a:schemeClr val="tx1"/>
+          </a:fontRef>
+        </p:style>
+      </p:cxnSp>
+      <p:cxnSp>
+        <p:nvCxnSpPr>
+          <p:cNvPr id="95" name="Straight Arrow Connector 94"/>
+          <p:cNvCxnSpPr>
+            <a:stCxn id="84" idx="0"/>
+            <a:endCxn id="87" idx="5"/>
+          </p:cNvCxnSpPr>
+          <p:nvPr/>
+        </p:nvCxnSpPr>
+        <p:spPr>
+          <a:xfrm flipH="1" flipV="1">
+            <a:off x="5541928" y="4011997"/>
+            <a:ext cx="321071" cy="833657"/>
+          </a:xfrm>
+          <a:prstGeom prst="straightConnector1">
+            <a:avLst/>
+          </a:prstGeom>
+          <a:ln w="12700">
+            <a:solidFill>
+              <a:srgbClr val="A6A6A6"/>
+            </a:solidFill>
+            <a:tailEnd type="arrow"/>
+          </a:ln>
+          <a:effectLst/>
+        </p:spPr>
+        <p:style>
+          <a:lnRef idx="2">
+            <a:schemeClr val="accent1"/>
+          </a:lnRef>
+          <a:fillRef idx="0">
+            <a:schemeClr val="accent1"/>
+          </a:fillRef>
+          <a:effectRef idx="1">
+            <a:schemeClr val="accent1"/>
+          </a:effectRef>
+          <a:fontRef idx="minor">
+            <a:schemeClr val="tx1"/>
+          </a:fontRef>
+        </p:style>
+      </p:cxnSp>
+      <p:cxnSp>
+        <p:nvCxnSpPr>
+          <p:cNvPr id="96" name="Straight Arrow Connector 95"/>
+          <p:cNvCxnSpPr>
+            <a:stCxn id="83" idx="0"/>
+            <a:endCxn id="87" idx="4"/>
+          </p:cNvCxnSpPr>
+          <p:nvPr/>
+        </p:nvCxnSpPr>
+        <p:spPr>
+          <a:xfrm flipV="1">
+            <a:off x="3011675" y="4087448"/>
+            <a:ext cx="2348099" cy="758206"/>
+          </a:xfrm>
+          <a:prstGeom prst="straightConnector1">
+            <a:avLst/>
+          </a:prstGeom>
+          <a:ln w="12700">
+            <a:solidFill>
+              <a:srgbClr val="A6A6A6"/>
+            </a:solidFill>
+            <a:tailEnd type="arrow"/>
+          </a:ln>
+          <a:effectLst/>
+        </p:spPr>
+        <p:style>
+          <a:lnRef idx="2">
+            <a:schemeClr val="accent1"/>
+          </a:lnRef>
+          <a:fillRef idx="0">
+            <a:schemeClr val="accent1"/>
+          </a:fillRef>
+          <a:effectRef idx="1">
+            <a:schemeClr val="accent1"/>
+          </a:effectRef>
+          <a:fontRef idx="minor">
+            <a:schemeClr val="tx1"/>
+          </a:fontRef>
+        </p:style>
+      </p:cxnSp>
+      <p:sp>
+        <p:nvSpPr>
+          <p:cNvPr id="97" name="Oval 96"/>
+          <p:cNvSpPr/>
+          <p:nvPr/>
+        </p:nvSpPr>
+        <p:spPr>
+          <a:xfrm>
+            <a:off x="2038488" y="2394673"/>
+            <a:ext cx="515211" cy="515211"/>
+          </a:xfrm>
+          <a:prstGeom prst="ellipse">
+            <a:avLst/>
+          </a:prstGeom>
+          <a:solidFill>
+            <a:srgbClr val="93CDDD"/>
+          </a:solidFill>
+          <a:effectLst/>
+        </p:spPr>
+        <p:style>
+          <a:lnRef idx="1">
+            <a:schemeClr val="accent1"/>
+          </a:lnRef>
+          <a:fillRef idx="3">
+            <a:schemeClr val="accent1"/>
+          </a:fillRef>
+          <a:effectRef idx="2">
+            <a:schemeClr val="accent1"/>
+          </a:effectRef>
+          <a:fontRef idx="minor">
+            <a:schemeClr val="lt1"/>
+          </a:fontRef>
+        </p:style>
+        <p:txBody>
+          <a:bodyPr rtlCol="0" anchor="ctr" anchorCtr="1"/>
+          <a:lstStyle/>
+          <a:p>
+            <a:pPr algn="ctr"/>
+            <a:r>
+              <a:rPr lang="en-US" sz="1600" i="1" dirty="0" smtClean="0">
+                <a:solidFill>
+                  <a:srgbClr val="000000"/>
+                </a:solidFill>
+                <a:latin typeface="CMU Bright Roman"/>
+                <a:cs typeface="CMU Bright Roman"/>
+              </a:rPr>
+              <a:t>y</a:t>
+            </a:r>
+            <a:r>
+              <a:rPr lang="en-US" sz="1600" i="1" baseline="-25000" dirty="0" smtClean="0">
+                <a:solidFill>
+                  <a:srgbClr val="000000"/>
+                </a:solidFill>
+                <a:latin typeface="CMU Bright Roman"/>
+                <a:cs typeface="CMU Bright Roman"/>
+              </a:rPr>
+              <a:t>1</a:t>
+            </a:r>
+            <a:endParaRPr lang="en-US" sz="1600" i="1" baseline="-25000" dirty="0">
+              <a:solidFill>
+                <a:srgbClr val="000000"/>
+              </a:solidFill>
+              <a:latin typeface="CMU Bright Roman"/>
+              <a:cs typeface="CMU Bright Roman"/>
+            </a:endParaRPr>
+          </a:p>
+        </p:txBody>
+      </p:sp>
+      <p:sp>
+        <p:nvSpPr>
+          <p:cNvPr id="100" name="Oval 99"/>
+          <p:cNvSpPr/>
+          <p:nvPr/>
+        </p:nvSpPr>
+        <p:spPr>
+          <a:xfrm>
+            <a:off x="3051076" y="2394673"/>
+            <a:ext cx="515211" cy="515211"/>
+          </a:xfrm>
+          <a:prstGeom prst="ellipse">
+            <a:avLst/>
+          </a:prstGeom>
+          <a:solidFill>
+            <a:srgbClr val="93CDDD"/>
+          </a:solidFill>
+          <a:effectLst/>
+        </p:spPr>
+        <p:style>
+          <a:lnRef idx="1">
+            <a:schemeClr val="accent1"/>
+          </a:lnRef>
+          <a:fillRef idx="3">
+            <a:schemeClr val="accent1"/>
+          </a:fillRef>
+          <a:effectRef idx="2">
+            <a:schemeClr val="accent1"/>
+          </a:effectRef>
+          <a:fontRef idx="minor">
+            <a:schemeClr val="lt1"/>
+          </a:fontRef>
+        </p:style>
+        <p:txBody>
+          <a:bodyPr rtlCol="0" anchor="ctr" anchorCtr="1"/>
+          <a:lstStyle/>
+          <a:p>
+            <a:pPr algn="ctr"/>
+            <a:r>
+              <a:rPr lang="en-US" sz="1600" i="1" dirty="0" err="1" smtClean="0">
+                <a:solidFill>
+                  <a:srgbClr val="000000"/>
+                </a:solidFill>
+                <a:latin typeface="CMU Bright Roman"/>
+                <a:cs typeface="CMU Bright Roman"/>
+              </a:rPr>
+              <a:t>y</a:t>
+            </a:r>
+            <a:r>
+              <a:rPr lang="en-US" sz="1600" i="1" baseline="-25000" dirty="0" err="1">
+                <a:solidFill>
+                  <a:srgbClr val="000000"/>
+                </a:solidFill>
+                <a:latin typeface="CMU Bright Roman"/>
+                <a:cs typeface="CMU Bright Roman"/>
+              </a:rPr>
+              <a:t>i</a:t>
+            </a:r>
+            <a:endParaRPr lang="en-US" sz="1600" i="1" baseline="-25000" dirty="0">
+              <a:solidFill>
+                <a:srgbClr val="000000"/>
+              </a:solidFill>
+              <a:latin typeface="CMU Bright Roman"/>
+              <a:cs typeface="CMU Bright Roman"/>
+            </a:endParaRPr>
+          </a:p>
+        </p:txBody>
+      </p:sp>
+      <p:sp>
+        <p:nvSpPr>
+          <p:cNvPr id="101" name="Oval 100"/>
+          <p:cNvSpPr/>
+          <p:nvPr/>
+        </p:nvSpPr>
+        <p:spPr>
+          <a:xfrm>
+            <a:off x="5605393" y="2394673"/>
+            <a:ext cx="515211" cy="515211"/>
+          </a:xfrm>
+          <a:prstGeom prst="ellipse">
+            <a:avLst/>
+          </a:prstGeom>
+          <a:solidFill>
+            <a:srgbClr val="93CDDD"/>
+          </a:solidFill>
+          <a:effectLst/>
+        </p:spPr>
+        <p:style>
+          <a:lnRef idx="1">
+            <a:schemeClr val="accent1"/>
+          </a:lnRef>
+          <a:fillRef idx="3">
+            <a:schemeClr val="accent1"/>
+          </a:fillRef>
+          <a:effectRef idx="2">
+            <a:schemeClr val="accent1"/>
+          </a:effectRef>
+          <a:fontRef idx="minor">
+            <a:schemeClr val="lt1"/>
+          </a:fontRef>
+        </p:style>
+        <p:txBody>
+          <a:bodyPr rtlCol="0" anchor="ctr" anchorCtr="1"/>
+          <a:lstStyle/>
+          <a:p>
+            <a:pPr algn="ctr"/>
+            <a:r>
+              <a:rPr lang="en-US" sz="1600" i="1" dirty="0" err="1" smtClean="0">
+                <a:solidFill>
+                  <a:srgbClr val="000000"/>
+                </a:solidFill>
+                <a:latin typeface="CMU Bright Roman"/>
+                <a:cs typeface="CMU Bright Roman"/>
+              </a:rPr>
+              <a:t>y</a:t>
+            </a:r>
+            <a:r>
+              <a:rPr lang="en-US" sz="1600" i="1" baseline="-25000" dirty="0" err="1">
+                <a:solidFill>
+                  <a:srgbClr val="000000"/>
+                </a:solidFill>
+                <a:latin typeface="CMU Bright Roman"/>
+                <a:cs typeface="CMU Bright Roman"/>
+              </a:rPr>
+              <a:t>j</a:t>
+            </a:r>
+            <a:endParaRPr lang="en-US" sz="1600" i="1" baseline="-25000" dirty="0">
+              <a:solidFill>
+                <a:srgbClr val="000000"/>
+              </a:solidFill>
+              <a:latin typeface="CMU Bright Roman"/>
+              <a:cs typeface="CMU Bright Roman"/>
+            </a:endParaRPr>
+          </a:p>
+        </p:txBody>
+      </p:sp>
+      <p:cxnSp>
+        <p:nvCxnSpPr>
+          <p:cNvPr id="103" name="Straight Arrow Connector 102"/>
+          <p:cNvCxnSpPr>
+            <a:stCxn id="85" idx="0"/>
+            <a:endCxn id="100" idx="3"/>
+          </p:cNvCxnSpPr>
+          <p:nvPr/>
+        </p:nvCxnSpPr>
+        <p:spPr>
+          <a:xfrm flipV="1">
+            <a:off x="2823285" y="2834433"/>
+            <a:ext cx="303242" cy="737804"/>
+          </a:xfrm>
+          <a:prstGeom prst="straightConnector1">
+            <a:avLst/>
+          </a:prstGeom>
+          <a:ln w="12700">
+            <a:solidFill>
+              <a:srgbClr val="A6A6A6"/>
+            </a:solidFill>
+            <a:tailEnd type="arrow"/>
+          </a:ln>
+          <a:effectLst/>
+        </p:spPr>
+        <p:style>
+          <a:lnRef idx="2">
+            <a:schemeClr val="accent1"/>
+          </a:lnRef>
+          <a:fillRef idx="0">
+            <a:schemeClr val="accent1"/>
+          </a:fillRef>
+          <a:effectRef idx="1">
+            <a:schemeClr val="accent1"/>
+          </a:effectRef>
+          <a:fontRef idx="minor">
+            <a:schemeClr val="tx1"/>
+          </a:fontRef>
+        </p:style>
+      </p:cxnSp>
+      <p:cxnSp>
+        <p:nvCxnSpPr>
+          <p:cNvPr id="104" name="Straight Arrow Connector 103"/>
+          <p:cNvCxnSpPr>
+            <a:stCxn id="87" idx="0"/>
+            <a:endCxn id="100" idx="5"/>
+          </p:cNvCxnSpPr>
+          <p:nvPr/>
+        </p:nvCxnSpPr>
+        <p:spPr>
+          <a:xfrm flipH="1" flipV="1">
+            <a:off x="3490836" y="2834433"/>
+            <a:ext cx="1868938" cy="737804"/>
+          </a:xfrm>
+          <a:prstGeom prst="straightConnector1">
+            <a:avLst/>
+          </a:prstGeom>
+          <a:ln w="12700">
+            <a:solidFill>
+              <a:srgbClr val="A6A6A6"/>
+            </a:solidFill>
+            <a:tailEnd type="arrow"/>
+          </a:ln>
+          <a:effectLst/>
+        </p:spPr>
+        <p:style>
+          <a:lnRef idx="2">
+            <a:schemeClr val="accent1"/>
+          </a:lnRef>
+          <a:fillRef idx="0">
+            <a:schemeClr val="accent1"/>
+          </a:fillRef>
+          <a:effectRef idx="1">
+            <a:schemeClr val="accent1"/>
+          </a:effectRef>
+          <a:fontRef idx="minor">
+            <a:schemeClr val="tx1"/>
+          </a:fontRef>
+        </p:style>
+      </p:cxnSp>
+      <p:cxnSp>
+        <p:nvCxnSpPr>
+          <p:cNvPr id="105" name="Straight Arrow Connector 104"/>
+          <p:cNvCxnSpPr>
+            <a:stCxn id="86" idx="0"/>
+            <a:endCxn id="100" idx="4"/>
+          </p:cNvCxnSpPr>
+          <p:nvPr/>
+        </p:nvCxnSpPr>
+        <p:spPr>
+          <a:xfrm flipH="1" flipV="1">
+            <a:off x="3308682" y="2909884"/>
+            <a:ext cx="451740" cy="662353"/>
+          </a:xfrm>
+          <a:prstGeom prst="straightConnector1">
+            <a:avLst/>
+          </a:prstGeom>
+          <a:ln w="12700">
+            <a:solidFill>
+              <a:srgbClr val="A6A6A6"/>
+            </a:solidFill>
+            <a:tailEnd type="arrow"/>
+          </a:ln>
+          <a:effectLst/>
+        </p:spPr>
+        <p:style>
+          <a:lnRef idx="2">
+            <a:schemeClr val="accent1"/>
+          </a:lnRef>
+          <a:fillRef idx="0">
+            <a:schemeClr val="accent1"/>
+          </a:fillRef>
+          <a:effectRef idx="1">
+            <a:schemeClr val="accent1"/>
+          </a:effectRef>
+          <a:fontRef idx="minor">
+            <a:schemeClr val="tx1"/>
+          </a:fontRef>
+        </p:style>
+      </p:cxnSp>
+      <p:graphicFrame>
+        <p:nvGraphicFramePr>
+          <p:cNvPr id="106" name="Object 105"/>
+          <p:cNvGraphicFramePr>
+            <a:graphicFrameLocks noChangeAspect="1"/>
+          </p:cNvGraphicFramePr>
+          <p:nvPr>
+            <p:extLst>
+              <p:ext uri="{D42A27DB-BD31-4B8C-83A1-F6EECF244321}">
+                <p14:modId xmlns:p14="http://schemas.microsoft.com/office/powerpoint/2010/main" val="855422550"/>
+              </p:ext>
+            </p:extLst>
+          </p:nvPr>
+        </p:nvGraphicFramePr>
+        <p:xfrm>
+          <a:off x="6265863" y="3670300"/>
+          <a:ext cx="2917825" cy="417513"/>
+        </p:xfrm>
+        <a:graphic>
+          <a:graphicData uri="http://schemas.openxmlformats.org/presentationml/2006/ole">
+            <mc:AlternateContent xmlns:mc="http://schemas.openxmlformats.org/markup-compatibility/2006">
+              <mc:Choice xmlns:v="urn:schemas-microsoft-com:vml" Requires="v">
+                <p:oleObj spid="_x0000_s106862" name="Equation" r:id="rId3" imgW="1422400" imgH="203200" progId="Equation.DSMT4">
+                  <p:embed/>
+                </p:oleObj>
+              </mc:Choice>
+              <mc:Fallback>
+                <p:oleObj name="Equation" r:id="rId3" imgW="1422400" imgH="203200" progId="Equation.DSMT4">
+                  <p:embed/>
+                  <p:pic>
+                    <p:nvPicPr>
+                      <p:cNvPr id="0" name=""/>
+                      <p:cNvPicPr/>
+                      <p:nvPr/>
+                    </p:nvPicPr>
+                    <p:blipFill>
+                      <a:blip r:embed="rId4"/>
+                      <a:stretch>
+                        <a:fillRect/>
+                      </a:stretch>
+                    </p:blipFill>
+                    <p:spPr>
+                      <a:xfrm>
+                        <a:off x="6265863" y="3670300"/>
+                        <a:ext cx="2917825" cy="417513"/>
+                      </a:xfrm>
+                      <a:prstGeom prst="rect">
+                        <a:avLst/>
+                      </a:prstGeom>
+                    </p:spPr>
+                  </p:pic>
+                </p:oleObj>
+              </mc:Fallback>
+            </mc:AlternateContent>
+          </a:graphicData>
+        </a:graphic>
+      </p:graphicFrame>
+      <p:graphicFrame>
+        <p:nvGraphicFramePr>
+          <p:cNvPr id="107" name="Object 106"/>
+          <p:cNvGraphicFramePr>
+            <a:graphicFrameLocks noChangeAspect="1"/>
+          </p:cNvGraphicFramePr>
+          <p:nvPr>
+            <p:extLst>
+              <p:ext uri="{D42A27DB-BD31-4B8C-83A1-F6EECF244321}">
+                <p14:modId xmlns:p14="http://schemas.microsoft.com/office/powerpoint/2010/main" val="1385654484"/>
+              </p:ext>
+            </p:extLst>
+          </p:nvPr>
+        </p:nvGraphicFramePr>
+        <p:xfrm>
+          <a:off x="7169150" y="2478088"/>
+          <a:ext cx="1196975" cy="417512"/>
+        </p:xfrm>
+        <a:graphic>
+          <a:graphicData uri="http://schemas.openxmlformats.org/presentationml/2006/ole">
+            <mc:AlternateContent xmlns:mc="http://schemas.openxmlformats.org/markup-compatibility/2006">
+              <mc:Choice xmlns:v="urn:schemas-microsoft-com:vml" Requires="v">
+                <p:oleObj spid="_x0000_s106863" name="Equation" r:id="rId5" imgW="584200" imgH="203200" progId="Equation.DSMT4">
+                  <p:embed/>
+                </p:oleObj>
+              </mc:Choice>
+              <mc:Fallback>
+                <p:oleObj name="Equation" r:id="rId5" imgW="584200" imgH="203200" progId="Equation.DSMT4">
+                  <p:embed/>
+                  <p:pic>
+                    <p:nvPicPr>
+                      <p:cNvPr id="0" name=""/>
+                      <p:cNvPicPr/>
+                      <p:nvPr/>
+                    </p:nvPicPr>
+                    <p:blipFill>
+                      <a:blip r:embed="rId6"/>
+                      <a:stretch>
+                        <a:fillRect/>
+                      </a:stretch>
+                    </p:blipFill>
+                    <p:spPr>
+                      <a:xfrm>
+                        <a:off x="7169150" y="2478088"/>
+                        <a:ext cx="1196975" cy="417512"/>
+                      </a:xfrm>
+                      <a:prstGeom prst="rect">
+                        <a:avLst/>
+                      </a:prstGeom>
+                    </p:spPr>
+                  </p:pic>
+                </p:oleObj>
+              </mc:Fallback>
+            </mc:AlternateContent>
+          </a:graphicData>
+        </a:graphic>
+      </p:graphicFrame>
+      <p:sp>
+        <p:nvSpPr>
+          <p:cNvPr id="108" name="TextBox 107"/>
+          <p:cNvSpPr txBox="1"/>
+          <p:nvPr/>
+        </p:nvSpPr>
+        <p:spPr>
+          <a:xfrm>
+            <a:off x="235222" y="4919521"/>
+            <a:ext cx="787395" cy="369332"/>
+          </a:xfrm>
+          <a:prstGeom prst="rect">
+            <a:avLst/>
+          </a:prstGeom>
+          <a:noFill/>
+        </p:spPr>
+        <p:txBody>
+          <a:bodyPr wrap="none" rtlCol="0">
+            <a:spAutoFit/>
+          </a:bodyPr>
+          <a:lstStyle/>
+          <a:p>
+            <a:pPr algn="ctr"/>
+            <a:r>
+              <a:rPr lang="en-US" dirty="0" smtClean="0">
+                <a:latin typeface="CMU Bright Roman"/>
+                <a:cs typeface="CMU Bright Roman"/>
+              </a:rPr>
+              <a:t>Inputs</a:t>
+            </a:r>
+            <a:endParaRPr lang="en-US" dirty="0">
+              <a:latin typeface="CMU Bright Roman"/>
+              <a:cs typeface="CMU Bright Roman"/>
+            </a:endParaRPr>
+          </a:p>
+        </p:txBody>
+      </p:sp>
+      <p:sp>
+        <p:nvSpPr>
+          <p:cNvPr id="109" name="TextBox 108"/>
+          <p:cNvSpPr txBox="1"/>
+          <p:nvPr/>
+        </p:nvSpPr>
+        <p:spPr>
+          <a:xfrm>
+            <a:off x="250976" y="3670188"/>
+            <a:ext cx="1454244" cy="369332"/>
+          </a:xfrm>
+          <a:prstGeom prst="rect">
+            <a:avLst/>
+          </a:prstGeom>
+          <a:noFill/>
+        </p:spPr>
+        <p:txBody>
+          <a:bodyPr wrap="none" rtlCol="0">
+            <a:spAutoFit/>
+          </a:bodyPr>
+          <a:lstStyle/>
+          <a:p>
+            <a:pPr algn="ctr"/>
+            <a:r>
+              <a:rPr lang="en-US" dirty="0" smtClean="0">
+                <a:latin typeface="CMU Bright Roman"/>
+                <a:cs typeface="CMU Bright Roman"/>
+              </a:rPr>
+              <a:t>Hidden Units</a:t>
+            </a:r>
+            <a:endParaRPr lang="en-US" dirty="0">
+              <a:latin typeface="CMU Bright Roman"/>
+              <a:cs typeface="CMU Bright Roman"/>
+            </a:endParaRPr>
+          </a:p>
+        </p:txBody>
+      </p:sp>
+      <p:sp>
+        <p:nvSpPr>
+          <p:cNvPr id="110" name="TextBox 109"/>
+          <p:cNvSpPr txBox="1"/>
+          <p:nvPr/>
+        </p:nvSpPr>
+        <p:spPr>
+          <a:xfrm>
+            <a:off x="215550" y="2473963"/>
+            <a:ext cx="1018418" cy="369332"/>
+          </a:xfrm>
+          <a:prstGeom prst="rect">
+            <a:avLst/>
+          </a:prstGeom>
+          <a:noFill/>
+        </p:spPr>
+        <p:txBody>
+          <a:bodyPr wrap="none" rtlCol="0">
+            <a:spAutoFit/>
+          </a:bodyPr>
+          <a:lstStyle/>
+          <a:p>
+            <a:pPr algn="ctr"/>
+            <a:r>
+              <a:rPr lang="en-US" dirty="0" smtClean="0">
+                <a:latin typeface="CMU Bright Roman"/>
+                <a:cs typeface="CMU Bright Roman"/>
+              </a:rPr>
+              <a:t>Outputs</a:t>
+            </a:r>
+            <a:endParaRPr lang="en-US" dirty="0">
+              <a:latin typeface="CMU Bright Roman"/>
+              <a:cs typeface="CMU Bright Roman"/>
+            </a:endParaRPr>
+          </a:p>
+        </p:txBody>
+      </p:sp>
+      <p:cxnSp>
+        <p:nvCxnSpPr>
+          <p:cNvPr id="32" name="Curved Connector 31"/>
+          <p:cNvCxnSpPr>
+            <a:stCxn id="85" idx="2"/>
+            <a:endCxn id="85" idx="1"/>
+          </p:cNvCxnSpPr>
+          <p:nvPr/>
+        </p:nvCxnSpPr>
+        <p:spPr>
+          <a:xfrm rot="10800000" flipH="1">
+            <a:off x="2565678" y="3647689"/>
+            <a:ext cx="75451" cy="182155"/>
+          </a:xfrm>
+          <a:prstGeom prst="curvedConnector4">
+            <a:avLst>
+              <a:gd name="adj1" fmla="val -302978"/>
+              <a:gd name="adj2" fmla="val 266919"/>
+            </a:avLst>
+          </a:prstGeom>
+          <a:ln>
+            <a:solidFill>
+              <a:schemeClr val="tx1"/>
+            </a:solidFill>
+            <a:tailEnd type="arrow"/>
+          </a:ln>
+          <a:effectLst/>
+        </p:spPr>
+        <p:style>
+          <a:lnRef idx="2">
+            <a:schemeClr val="accent1"/>
+          </a:lnRef>
+          <a:fillRef idx="0">
+            <a:schemeClr val="accent1"/>
+          </a:fillRef>
+          <a:effectRef idx="1">
+            <a:schemeClr val="accent1"/>
+          </a:effectRef>
+          <a:fontRef idx="minor">
+            <a:schemeClr val="tx1"/>
+          </a:fontRef>
+        </p:style>
+      </p:cxnSp>
+      <p:cxnSp>
+        <p:nvCxnSpPr>
+          <p:cNvPr id="111" name="Curved Connector 110"/>
+          <p:cNvCxnSpPr>
+            <a:stCxn id="86" idx="1"/>
+            <a:endCxn id="85" idx="7"/>
+          </p:cNvCxnSpPr>
+          <p:nvPr/>
+        </p:nvCxnSpPr>
+        <p:spPr>
+          <a:xfrm rot="16200000" flipV="1">
+            <a:off x="3291853" y="3361274"/>
+            <a:ext cx="12700" cy="572828"/>
+          </a:xfrm>
+          <a:prstGeom prst="curvedConnector3">
+            <a:avLst>
+              <a:gd name="adj1" fmla="val 2394102"/>
+            </a:avLst>
+          </a:prstGeom>
+          <a:ln>
+            <a:solidFill>
+              <a:schemeClr val="tx1"/>
+            </a:solidFill>
+            <a:tailEnd type="arrow"/>
+          </a:ln>
+          <a:effectLst/>
+        </p:spPr>
+        <p:style>
+          <a:lnRef idx="2">
+            <a:schemeClr val="accent1"/>
+          </a:lnRef>
+          <a:fillRef idx="0">
+            <a:schemeClr val="accent1"/>
+          </a:fillRef>
+          <a:effectRef idx="1">
+            <a:schemeClr val="accent1"/>
+          </a:effectRef>
+          <a:fontRef idx="minor">
+            <a:schemeClr val="tx1"/>
+          </a:fontRef>
+        </p:style>
+      </p:cxnSp>
+      <p:cxnSp>
+        <p:nvCxnSpPr>
+          <p:cNvPr id="123" name="Curved Connector 122"/>
+          <p:cNvCxnSpPr>
+            <a:stCxn id="85" idx="5"/>
+            <a:endCxn id="86" idx="3"/>
+          </p:cNvCxnSpPr>
+          <p:nvPr/>
+        </p:nvCxnSpPr>
+        <p:spPr>
+          <a:xfrm rot="16200000" flipH="1">
+            <a:off x="3291853" y="3725583"/>
+            <a:ext cx="12700" cy="572828"/>
+          </a:xfrm>
+          <a:prstGeom prst="curvedConnector3">
+            <a:avLst>
+              <a:gd name="adj1" fmla="val 2394102"/>
+            </a:avLst>
+          </a:prstGeom>
+          <a:ln>
+            <a:solidFill>
+              <a:schemeClr val="tx1"/>
+            </a:solidFill>
+            <a:tailEnd type="arrow"/>
+          </a:ln>
+          <a:effectLst/>
+        </p:spPr>
+        <p:style>
+          <a:lnRef idx="2">
+            <a:schemeClr val="accent1"/>
+          </a:lnRef>
+          <a:fillRef idx="0">
+            <a:schemeClr val="accent1"/>
+          </a:fillRef>
+          <a:effectRef idx="1">
+            <a:schemeClr val="accent1"/>
+          </a:effectRef>
+          <a:fontRef idx="minor">
+            <a:schemeClr val="tx1"/>
+          </a:fontRef>
+        </p:style>
+      </p:cxnSp>
+      <p:cxnSp>
+        <p:nvCxnSpPr>
+          <p:cNvPr id="130" name="Curved Connector 129"/>
+          <p:cNvCxnSpPr>
+            <a:stCxn id="87" idx="1"/>
+            <a:endCxn id="86" idx="7"/>
+          </p:cNvCxnSpPr>
+          <p:nvPr/>
+        </p:nvCxnSpPr>
+        <p:spPr>
+          <a:xfrm rot="16200000" flipV="1">
+            <a:off x="4560098" y="3030166"/>
+            <a:ext cx="12700" cy="1235043"/>
+          </a:xfrm>
+          <a:prstGeom prst="curvedConnector3">
+            <a:avLst>
+              <a:gd name="adj1" fmla="val 2394102"/>
+            </a:avLst>
+          </a:prstGeom>
+          <a:ln>
+            <a:solidFill>
+              <a:schemeClr val="tx1"/>
+            </a:solidFill>
+            <a:tailEnd type="arrow"/>
+          </a:ln>
+          <a:effectLst/>
+        </p:spPr>
+        <p:style>
+          <a:lnRef idx="2">
+            <a:schemeClr val="accent1"/>
+          </a:lnRef>
+          <a:fillRef idx="0">
+            <a:schemeClr val="accent1"/>
+          </a:fillRef>
+          <a:effectRef idx="1">
+            <a:schemeClr val="accent1"/>
+          </a:effectRef>
+          <a:fontRef idx="minor">
+            <a:schemeClr val="tx1"/>
+          </a:fontRef>
+        </p:style>
+      </p:cxnSp>
+      <p:cxnSp>
+        <p:nvCxnSpPr>
+          <p:cNvPr id="38" name="Curved Connector 37"/>
+          <p:cNvCxnSpPr>
+            <a:stCxn id="87" idx="0"/>
+            <a:endCxn id="85" idx="0"/>
+          </p:cNvCxnSpPr>
+          <p:nvPr/>
+        </p:nvCxnSpPr>
+        <p:spPr>
+          <a:xfrm rot="16200000" flipV="1">
+            <a:off x="4091530" y="2303992"/>
+            <a:ext cx="12700" cy="2536489"/>
+          </a:xfrm>
+          <a:prstGeom prst="curvedConnector3">
+            <a:avLst>
+              <a:gd name="adj1" fmla="val 3309472"/>
+            </a:avLst>
+          </a:prstGeom>
+          <a:ln>
+            <a:solidFill>
+              <a:schemeClr val="tx1"/>
+            </a:solidFill>
+            <a:tailEnd type="arrow"/>
+          </a:ln>
+          <a:effectLst/>
+        </p:spPr>
+        <p:style>
+          <a:lnRef idx="2">
+            <a:schemeClr val="accent1"/>
+          </a:lnRef>
+          <a:fillRef idx="0">
+            <a:schemeClr val="accent1"/>
+          </a:fillRef>
+          <a:effectRef idx="1">
+            <a:schemeClr val="accent1"/>
+          </a:effectRef>
+          <a:fontRef idx="minor">
+            <a:schemeClr val="tx1"/>
+          </a:fontRef>
+        </p:style>
+      </p:cxnSp>
+      <p:cxnSp>
+        <p:nvCxnSpPr>
+          <p:cNvPr id="43" name="Curved Connector 42"/>
+          <p:cNvCxnSpPr>
+            <a:stCxn id="87" idx="3"/>
+            <a:endCxn id="86" idx="5"/>
+          </p:cNvCxnSpPr>
+          <p:nvPr/>
+        </p:nvCxnSpPr>
+        <p:spPr>
+          <a:xfrm rot="5400000">
+            <a:off x="4560098" y="3394476"/>
+            <a:ext cx="12700" cy="1235043"/>
+          </a:xfrm>
+          <a:prstGeom prst="curvedConnector3">
+            <a:avLst>
+              <a:gd name="adj1" fmla="val 2394102"/>
+            </a:avLst>
+          </a:prstGeom>
+          <a:ln>
+            <a:solidFill>
+              <a:schemeClr val="tx1"/>
+            </a:solidFill>
+            <a:tailEnd type="arrow"/>
+          </a:ln>
+          <a:effectLst/>
+        </p:spPr>
+        <p:style>
+          <a:lnRef idx="2">
+            <a:schemeClr val="accent1"/>
+          </a:lnRef>
+          <a:fillRef idx="0">
+            <a:schemeClr val="accent1"/>
+          </a:fillRef>
+          <a:effectRef idx="1">
+            <a:schemeClr val="accent1"/>
+          </a:effectRef>
+          <a:fontRef idx="minor">
+            <a:schemeClr val="tx1"/>
+          </a:fontRef>
+        </p:style>
+      </p:cxnSp>
+      <p:sp>
+        <p:nvSpPr>
+          <p:cNvPr id="3" name="Slide Number Placeholder 2"/>
+          <p:cNvSpPr>
+            <a:spLocks noGrp="1"/>
+          </p:cNvSpPr>
+          <p:nvPr>
+            <p:ph type="sldNum" sz="quarter" idx="12"/>
+          </p:nvPr>
+        </p:nvSpPr>
+        <p:spPr/>
+        <p:txBody>
+          <a:bodyPr/>
+          <a:lstStyle/>
+          <a:p>
+            <a:fld id="{BD493B91-FAC0-3043-A682-452F01D0BD90}" type="slidenum">
+              <a:rPr lang="en-US" smtClean="0"/>
+              <a:t>2</a:t>
+            </a:fld>
+            <a:endParaRPr lang="en-US"/>
+          </a:p>
+        </p:txBody>
+      </p:sp>
+    </p:spTree>
+    <p:extLst>
+      <p:ext uri="{BB962C8B-B14F-4D97-AF65-F5344CB8AC3E}">
+        <p14:creationId xmlns:p14="http://schemas.microsoft.com/office/powerpoint/2010/main" val="1549815339"/>
+      </p:ext>
+    </p:extLst>
+  </p:cSld>
+  <p:clrMapOvr>
+    <a:masterClrMapping/>
+  </p:clrMapOvr>
+  <p:timing>
+    <p:tnLst>
+      <p:par>
+        <p:cTn xmlns:p14="http://schemas.microsoft.com/office/powerpoint/2010/main" id="1" dur="indefinite" restart="never" nodeType="tmRoot">
+          <p:childTnLst>
+            <p:seq concurrent="1" nextAc="seek">
+              <p:cTn id="2" dur="indefinite" nodeType="mainSeq">
+                <p:childTnLst>
+                  <p:par>
+                    <p:cTn id="3" fill="hold">
+                      <p:stCondLst>
+                        <p:cond delay="indefinite"/>
+                      </p:stCondLst>
+                      <p:childTnLst>
+                        <p:par>
+                          <p:cTn id="4" fill="hold">
+                            <p:stCondLst>
+                              <p:cond delay="0"/>
+                            </p:stCondLst>
+                            <p:childTnLst>
+                              <p:par>
+                                <p:cTn id="5" presetID="1" presetClass="entr" presetSubtype="0" fill="hold" nodeType="clickEffect">
+                                  <p:stCondLst>
+                                    <p:cond delay="0"/>
+                                  </p:stCondLst>
+                                  <p:childTnLst>
+                                    <p:set>
+                                      <p:cBhvr>
+                                        <p:cTn id="6" dur="1" fill="hold">
+                                          <p:stCondLst>
+                                            <p:cond delay="0"/>
+                                          </p:stCondLst>
+                                        </p:cTn>
+                                        <p:tgtEl>
+                                          <p:spTgt spid="32"/>
+                                        </p:tgtEl>
+                                        <p:attrNameLst>
+                                          <p:attrName>style.visibility</p:attrName>
+                                        </p:attrNameLst>
+                                      </p:cBhvr>
+                                      <p:to>
+                                        <p:strVal val="visible"/>
+                                      </p:to>
+                                    </p:set>
+                                  </p:childTnLst>
+                                </p:cTn>
+                              </p:par>
+                            </p:childTnLst>
+                          </p:cTn>
+                        </p:par>
+                      </p:childTnLst>
+                    </p:cTn>
+                  </p:par>
+                  <p:par>
+                    <p:cTn id="7" fill="hold">
+                      <p:stCondLst>
+                        <p:cond delay="indefinite"/>
+                      </p:stCondLst>
+                      <p:childTnLst>
+                        <p:par>
+                          <p:cTn id="8" fill="hold">
+                            <p:stCondLst>
+                              <p:cond delay="0"/>
+                            </p:stCondLst>
+                            <p:childTnLst>
+                              <p:par>
+                                <p:cTn id="9" presetID="1" presetClass="entr" presetSubtype="0" fill="hold" nodeType="clickEffect">
+                                  <p:stCondLst>
+                                    <p:cond delay="0"/>
+                                  </p:stCondLst>
+                                  <p:childTnLst>
+                                    <p:set>
+                                      <p:cBhvr>
+                                        <p:cTn id="10" dur="1" fill="hold">
+                                          <p:stCondLst>
+                                            <p:cond delay="0"/>
+                                          </p:stCondLst>
+                                        </p:cTn>
+                                        <p:tgtEl>
+                                          <p:spTgt spid="111"/>
+                                        </p:tgtEl>
+                                        <p:attrNameLst>
+                                          <p:attrName>style.visibility</p:attrName>
+                                        </p:attrNameLst>
+                                      </p:cBhvr>
+                                      <p:to>
+                                        <p:strVal val="visible"/>
+                                      </p:to>
+                                    </p:set>
+                                  </p:childTnLst>
+                                </p:cTn>
+                              </p:par>
+                            </p:childTnLst>
+                          </p:cTn>
+                        </p:par>
+                      </p:childTnLst>
+                    </p:cTn>
+                  </p:par>
+                  <p:par>
+                    <p:cTn id="11" fill="hold">
+                      <p:stCondLst>
+                        <p:cond delay="indefinite"/>
+                      </p:stCondLst>
+                      <p:childTnLst>
+                        <p:par>
+                          <p:cTn id="12" fill="hold">
+                            <p:stCondLst>
+                              <p:cond delay="0"/>
+                            </p:stCondLst>
+                            <p:childTnLst>
+                              <p:par>
+                                <p:cTn id="13" presetID="1" presetClass="entr" presetSubtype="0" fill="hold" nodeType="clickEffect">
+                                  <p:stCondLst>
+                                    <p:cond delay="0"/>
+                                  </p:stCondLst>
+                                  <p:childTnLst>
+                                    <p:set>
+                                      <p:cBhvr>
+                                        <p:cTn id="14" dur="1" fill="hold">
+                                          <p:stCondLst>
+                                            <p:cond delay="0"/>
+                                          </p:stCondLst>
+                                        </p:cTn>
+                                        <p:tgtEl>
+                                          <p:spTgt spid="123"/>
+                                        </p:tgtEl>
+                                        <p:attrNameLst>
+                                          <p:attrName>style.visibility</p:attrName>
+                                        </p:attrNameLst>
+                                      </p:cBhvr>
+                                      <p:to>
+                                        <p:strVal val="visible"/>
+                                      </p:to>
+                                    </p:set>
+                                  </p:childTnLst>
+                                </p:cTn>
+                              </p:par>
+                              <p:par>
+                                <p:cTn id="15" presetID="1" presetClass="entr" presetSubtype="0" fill="hold" nodeType="withEffect">
+                                  <p:stCondLst>
+                                    <p:cond delay="0"/>
+                                  </p:stCondLst>
+                                  <p:childTnLst>
+                                    <p:set>
+                                      <p:cBhvr>
+                                        <p:cTn id="16" dur="1" fill="hold">
+                                          <p:stCondLst>
+                                            <p:cond delay="0"/>
+                                          </p:stCondLst>
+                                        </p:cTn>
+                                        <p:tgtEl>
+                                          <p:spTgt spid="130"/>
+                                        </p:tgtEl>
+                                        <p:attrNameLst>
+                                          <p:attrName>style.visibility</p:attrName>
+                                        </p:attrNameLst>
+                                      </p:cBhvr>
+                                      <p:to>
+                                        <p:strVal val="visible"/>
+                                      </p:to>
+                                    </p:set>
+                                  </p:childTnLst>
+                                </p:cTn>
+                              </p:par>
+                              <p:par>
+                                <p:cTn id="17" presetID="1" presetClass="entr" presetSubtype="0" fill="hold" nodeType="withEffect">
+                                  <p:stCondLst>
+                                    <p:cond delay="0"/>
+                                  </p:stCondLst>
+                                  <p:childTnLst>
+                                    <p:set>
+                                      <p:cBhvr>
+                                        <p:cTn id="18" dur="1" fill="hold">
+                                          <p:stCondLst>
+                                            <p:cond delay="0"/>
+                                          </p:stCondLst>
+                                        </p:cTn>
+                                        <p:tgtEl>
+                                          <p:spTgt spid="43"/>
+                                        </p:tgtEl>
+                                        <p:attrNameLst>
+                                          <p:attrName>style.visibility</p:attrName>
+                                        </p:attrNameLst>
+                                      </p:cBhvr>
+                                      <p:to>
+                                        <p:strVal val="visible"/>
+                                      </p:to>
+                                    </p:set>
+                                  </p:childTnLst>
+                                </p:cTn>
+                              </p:par>
+                              <p:par>
+                                <p:cTn id="19" presetID="1" presetClass="entr" presetSubtype="0" fill="hold" nodeType="withEffect">
+                                  <p:stCondLst>
+                                    <p:cond delay="0"/>
+                                  </p:stCondLst>
+                                  <p:childTnLst>
+                                    <p:set>
+                                      <p:cBhvr>
+                                        <p:cTn id="20" dur="1" fill="hold">
+                                          <p:stCondLst>
+                                            <p:cond delay="0"/>
+                                          </p:stCondLst>
+                                        </p:cTn>
+                                        <p:tgtEl>
+                                          <p:spTgt spid="38"/>
+                                        </p:tgtEl>
+                                        <p:attrNameLst>
+                                          <p:attrName>style.visibility</p:attrName>
+                                        </p:attrNameLst>
+                                      </p:cBhvr>
+                                      <p:to>
+                                        <p:strVal val="visible"/>
+                                      </p:to>
+                                    </p:set>
+                                  </p:childTnLst>
+                                </p:cTn>
+                              </p:par>
+                            </p:childTnLst>
+                          </p:cTn>
+                        </p:par>
+                      </p:childTnLst>
+                    </p:cTn>
+                  </p:par>
+                  <p:par>
+                    <p:cTn id="21" fill="hold">
+                      <p:stCondLst>
+                        <p:cond delay="indefinite"/>
+                      </p:stCondLst>
+                      <p:childTnLst>
+                        <p:par>
+                          <p:cTn id="22" fill="hold">
+                            <p:stCondLst>
+                              <p:cond delay="0"/>
+                            </p:stCondLst>
+                            <p:childTnLst>
+                              <p:par>
+                                <p:cTn id="23" presetID="1" presetClass="entr" presetSubtype="0" fill="hold" nodeType="clickEffect">
+                                  <p:stCondLst>
+                                    <p:cond delay="0"/>
+                                  </p:stCondLst>
+                                  <p:childTnLst>
+                                    <p:set>
+                                      <p:cBhvr>
+                                        <p:cTn id="24" dur="1" fill="hold">
+                                          <p:stCondLst>
+                                            <p:cond delay="0"/>
+                                          </p:stCondLst>
+                                        </p:cTn>
+                                        <p:tgtEl>
+                                          <p:spTgt spid="106"/>
+                                        </p:tgtEl>
+                                        <p:attrNameLst>
+                                          <p:attrName>style.visibility</p:attrName>
+                                        </p:attrNameLst>
+                                      </p:cBhvr>
+                                      <p:to>
+                                        <p:strVal val="visible"/>
+                                      </p:to>
+                                    </p:set>
+                                  </p:childTnLst>
+                                </p:cTn>
+                              </p:par>
+                            </p:childTnLst>
+                          </p:cTn>
+                        </p:par>
+                      </p:childTnLst>
+                    </p:cTn>
+                  </p:par>
+                  <p:par>
+                    <p:cTn id="25" fill="hold">
+                      <p:stCondLst>
+                        <p:cond delay="indefinite"/>
+                      </p:stCondLst>
+                      <p:childTnLst>
+                        <p:par>
+                          <p:cTn id="26" fill="hold">
+                            <p:stCondLst>
+                              <p:cond delay="0"/>
+                            </p:stCondLst>
+                            <p:childTnLst>
+                              <p:par>
+                                <p:cTn id="27" presetID="1" presetClass="entr" presetSubtype="0" fill="hold" nodeType="clickEffect">
+                                  <p:stCondLst>
+                                    <p:cond delay="0"/>
+                                  </p:stCondLst>
+                                  <p:childTnLst>
+                                    <p:set>
+                                      <p:cBhvr>
+                                        <p:cTn id="28" dur="1" fill="hold">
+                                          <p:stCondLst>
+                                            <p:cond delay="0"/>
+                                          </p:stCondLst>
+                                        </p:cTn>
+                                        <p:tgtEl>
+                                          <p:spTgt spid="107"/>
+                                        </p:tgtEl>
+                                        <p:attrNameLst>
+                                          <p:attrName>style.visibility</p:attrName>
+                                        </p:attrNameLst>
+                                      </p:cBhvr>
+                                      <p:to>
+                                        <p:strVal val="visible"/>
+                                      </p:to>
+                                    </p:set>
+                                  </p:childTnLst>
+                                </p:cTn>
+                              </p:par>
+                            </p:childTnLst>
+                          </p:cTn>
+                        </p:par>
+                      </p:childTnLst>
+                    </p:cTn>
+                  </p:par>
+                </p:childTnLst>
+              </p:cTn>
+              <p:prevCondLst>
+                <p:cond evt="onPrev" delay="0">
+                  <p:tgtEl>
+                    <p:sldTgt/>
+                  </p:tgtEl>
+                </p:cond>
+              </p:prevCondLst>
+              <p:nextCondLst>
+                <p:cond evt="onNext" delay="0">
+                  <p:tgtEl>
+                    <p:sldTgt/>
+                  </p:tgtEl>
+                </p:cond>
+              </p:nextCondLst>
+            </p:seq>
+          </p:childTnLst>
+        </p:cTn>
+      </p:par>
+    </p:tnLst>
+  </p:timing>
+</p:sld>
+</file>
+
+<file path=ppt/slides/slide20.xml><?xml version="1.0" encoding="utf-8"?>
 <p:sld xmlns:a="http://schemas.openxmlformats.org/drawingml/2006/main" xmlns:r="http://schemas.openxmlformats.org/officeDocument/2006/relationships" xmlns:p="http://schemas.openxmlformats.org/presentationml/2006/main">
   <p:cSld>
     <p:spTree>
@@ -26145,2071 +33322,6 @@
 </p:sld>
 </file>
 
-<file path=ppt/slides/slide2.xml><?xml version="1.0" encoding="utf-8"?>
-<p:sld xmlns:a="http://schemas.openxmlformats.org/drawingml/2006/main" xmlns:r="http://schemas.openxmlformats.org/officeDocument/2006/relationships" xmlns:p="http://schemas.openxmlformats.org/presentationml/2006/main">
-  <p:cSld>
-    <p:spTree>
-      <p:nvGrpSpPr>
-        <p:cNvPr id="1" name=""/>
-        <p:cNvGrpSpPr/>
-        <p:nvPr/>
-      </p:nvGrpSpPr>
-      <p:grpSpPr>
-        <a:xfrm>
-          <a:off x="0" y="0"/>
-          <a:ext cx="0" cy="0"/>
-          <a:chOff x="0" y="0"/>
-          <a:chExt cx="0" cy="0"/>
-        </a:xfrm>
-      </p:grpSpPr>
-      <p:sp>
-        <p:nvSpPr>
-          <p:cNvPr id="2" name="Title 1"/>
-          <p:cNvSpPr>
-            <a:spLocks noGrp="1"/>
-          </p:cNvSpPr>
-          <p:nvPr>
-            <p:ph type="title"/>
-          </p:nvPr>
-        </p:nvSpPr>
-        <p:spPr/>
-        <p:txBody>
-          <a:bodyPr>
-            <a:normAutofit/>
-          </a:bodyPr>
-          <a:lstStyle/>
-          <a:p>
-            <a:r>
-              <a:rPr lang="en-US" sz="4000" dirty="0" smtClean="0">
-                <a:latin typeface="CMU Bright SemiBold"/>
-                <a:cs typeface="CMU Bright SemiBold"/>
-              </a:rPr>
-              <a:t>Recurrent Neural Networks</a:t>
-            </a:r>
-            <a:endParaRPr lang="en-US" sz="4000" dirty="0">
-              <a:latin typeface="CMU Bright SemiBold"/>
-              <a:cs typeface="CMU Bright SemiBold"/>
-            </a:endParaRPr>
-          </a:p>
-        </p:txBody>
-      </p:sp>
-      <p:sp>
-        <p:nvSpPr>
-          <p:cNvPr id="79" name="Rectangle 78"/>
-          <p:cNvSpPr/>
-          <p:nvPr/>
-        </p:nvSpPr>
-        <p:spPr>
-          <a:xfrm>
-            <a:off x="2292855" y="3428456"/>
-            <a:ext cx="3570144" cy="862679"/>
-          </a:xfrm>
-          <a:prstGeom prst="rect">
-            <a:avLst/>
-          </a:prstGeom>
-          <a:solidFill>
-            <a:schemeClr val="accent3">
-              <a:lumMod val="40000"/>
-              <a:lumOff val="60000"/>
-              <a:alpha val="33000"/>
-            </a:schemeClr>
-          </a:solidFill>
-          <a:ln>
-            <a:solidFill>
-              <a:schemeClr val="accent3"/>
-            </a:solidFill>
-          </a:ln>
-          <a:effectLst/>
-        </p:spPr>
-        <p:style>
-          <a:lnRef idx="1">
-            <a:schemeClr val="accent1"/>
-          </a:lnRef>
-          <a:fillRef idx="3">
-            <a:schemeClr val="accent1"/>
-          </a:fillRef>
-          <a:effectRef idx="2">
-            <a:schemeClr val="accent1"/>
-          </a:effectRef>
-          <a:fontRef idx="minor">
-            <a:schemeClr val="lt1"/>
-          </a:fontRef>
-        </p:style>
-        <p:txBody>
-          <a:bodyPr rtlCol="0" anchor="ctr"/>
-          <a:lstStyle/>
-          <a:p>
-            <a:pPr algn="ctr"/>
-            <a:endParaRPr lang="en-US" i="1"/>
-          </a:p>
-        </p:txBody>
-      </p:sp>
-      <p:sp>
-        <p:nvSpPr>
-          <p:cNvPr id="80" name="Rectangle 79"/>
-          <p:cNvSpPr/>
-          <p:nvPr/>
-        </p:nvSpPr>
-        <p:spPr>
-          <a:xfrm>
-            <a:off x="1624628" y="2214949"/>
-            <a:ext cx="4748176" cy="862679"/>
-          </a:xfrm>
-          <a:prstGeom prst="rect">
-            <a:avLst/>
-          </a:prstGeom>
-          <a:solidFill>
-            <a:schemeClr val="accent5">
-              <a:lumMod val="60000"/>
-              <a:lumOff val="40000"/>
-              <a:alpha val="33000"/>
-            </a:schemeClr>
-          </a:solidFill>
-          <a:ln>
-            <a:solidFill>
-              <a:schemeClr val="accent5"/>
-            </a:solidFill>
-          </a:ln>
-          <a:effectLst/>
-        </p:spPr>
-        <p:style>
-          <a:lnRef idx="1">
-            <a:schemeClr val="accent1"/>
-          </a:lnRef>
-          <a:fillRef idx="3">
-            <a:schemeClr val="accent1"/>
-          </a:fillRef>
-          <a:effectRef idx="2">
-            <a:schemeClr val="accent1"/>
-          </a:effectRef>
-          <a:fontRef idx="minor">
-            <a:schemeClr val="lt1"/>
-          </a:fontRef>
-        </p:style>
-        <p:txBody>
-          <a:bodyPr rtlCol="0" anchor="ctr"/>
-          <a:lstStyle/>
-          <a:p>
-            <a:pPr algn="ctr"/>
-            <a:endParaRPr lang="en-US" i="1"/>
-          </a:p>
-        </p:txBody>
-      </p:sp>
-      <p:sp>
-        <p:nvSpPr>
-          <p:cNvPr id="81" name="Rectangle 80"/>
-          <p:cNvSpPr/>
-          <p:nvPr/>
-        </p:nvSpPr>
-        <p:spPr>
-          <a:xfrm>
-            <a:off x="1624628" y="4665929"/>
-            <a:ext cx="4748176" cy="862679"/>
-          </a:xfrm>
-          <a:prstGeom prst="rect">
-            <a:avLst/>
-          </a:prstGeom>
-          <a:solidFill>
-            <a:schemeClr val="accent6">
-              <a:lumMod val="40000"/>
-              <a:lumOff val="60000"/>
-              <a:alpha val="33000"/>
-            </a:schemeClr>
-          </a:solidFill>
-          <a:ln>
-            <a:solidFill>
-              <a:schemeClr val="accent6"/>
-            </a:solidFill>
-          </a:ln>
-          <a:effectLst/>
-        </p:spPr>
-        <p:style>
-          <a:lnRef idx="1">
-            <a:schemeClr val="accent1"/>
-          </a:lnRef>
-          <a:fillRef idx="3">
-            <a:schemeClr val="accent1"/>
-          </a:fillRef>
-          <a:effectRef idx="2">
-            <a:schemeClr val="accent1"/>
-          </a:effectRef>
-          <a:fontRef idx="minor">
-            <a:schemeClr val="lt1"/>
-          </a:fontRef>
-        </p:style>
-        <p:txBody>
-          <a:bodyPr rtlCol="0" anchor="ctr"/>
-          <a:lstStyle/>
-          <a:p>
-            <a:pPr algn="ctr"/>
-            <a:endParaRPr lang="en-US" i="1"/>
-          </a:p>
-        </p:txBody>
-      </p:sp>
-      <p:sp>
-        <p:nvSpPr>
-          <p:cNvPr id="82" name="Oval 81"/>
-          <p:cNvSpPr/>
-          <p:nvPr/>
-        </p:nvSpPr>
-        <p:spPr>
-          <a:xfrm>
-            <a:off x="1990672" y="4845654"/>
-            <a:ext cx="515211" cy="515211"/>
-          </a:xfrm>
-          <a:prstGeom prst="ellipse">
-            <a:avLst/>
-          </a:prstGeom>
-          <a:solidFill>
-            <a:schemeClr val="accent6"/>
-          </a:solidFill>
-          <a:effectLst/>
-        </p:spPr>
-        <p:style>
-          <a:lnRef idx="1">
-            <a:schemeClr val="accent1"/>
-          </a:lnRef>
-          <a:fillRef idx="3">
-            <a:schemeClr val="accent1"/>
-          </a:fillRef>
-          <a:effectRef idx="2">
-            <a:schemeClr val="accent1"/>
-          </a:effectRef>
-          <a:fontRef idx="minor">
-            <a:schemeClr val="lt1"/>
-          </a:fontRef>
-        </p:style>
-        <p:txBody>
-          <a:bodyPr rtlCol="0" anchor="ctr" anchorCtr="1"/>
-          <a:lstStyle/>
-          <a:p>
-            <a:pPr algn="ctr"/>
-            <a:r>
-              <a:rPr lang="en-US" sz="1600" i="1" dirty="0" smtClean="0">
-                <a:solidFill>
-                  <a:srgbClr val="000000"/>
-                </a:solidFill>
-                <a:latin typeface="CMU Bright Roman"/>
-                <a:cs typeface="CMU Bright Roman"/>
-              </a:rPr>
-              <a:t>x</a:t>
-            </a:r>
-            <a:r>
-              <a:rPr lang="en-US" sz="1600" i="1" baseline="-25000" dirty="0" smtClean="0">
-                <a:solidFill>
-                  <a:srgbClr val="000000"/>
-                </a:solidFill>
-                <a:latin typeface="CMU Bright Roman"/>
-                <a:cs typeface="CMU Bright Roman"/>
-              </a:rPr>
-              <a:t>1</a:t>
-            </a:r>
-            <a:endParaRPr lang="en-US" sz="1600" i="1" baseline="-25000" dirty="0">
-              <a:solidFill>
-                <a:srgbClr val="000000"/>
-              </a:solidFill>
-              <a:latin typeface="CMU Bright Roman"/>
-              <a:cs typeface="CMU Bright Roman"/>
-            </a:endParaRPr>
-          </a:p>
-        </p:txBody>
-      </p:sp>
-      <p:sp>
-        <p:nvSpPr>
-          <p:cNvPr id="83" name="Oval 82"/>
-          <p:cNvSpPr/>
-          <p:nvPr/>
-        </p:nvSpPr>
-        <p:spPr>
-          <a:xfrm>
-            <a:off x="2754069" y="4845654"/>
-            <a:ext cx="515211" cy="515211"/>
-          </a:xfrm>
-          <a:prstGeom prst="ellipse">
-            <a:avLst/>
-          </a:prstGeom>
-          <a:solidFill>
-            <a:schemeClr val="accent6"/>
-          </a:solidFill>
-          <a:effectLst/>
-        </p:spPr>
-        <p:style>
-          <a:lnRef idx="1">
-            <a:schemeClr val="accent1"/>
-          </a:lnRef>
-          <a:fillRef idx="3">
-            <a:schemeClr val="accent1"/>
-          </a:fillRef>
-          <a:effectRef idx="2">
-            <a:schemeClr val="accent1"/>
-          </a:effectRef>
-          <a:fontRef idx="minor">
-            <a:schemeClr val="lt1"/>
-          </a:fontRef>
-        </p:style>
-        <p:txBody>
-          <a:bodyPr rtlCol="0" anchor="ctr" anchorCtr="1"/>
-          <a:lstStyle/>
-          <a:p>
-            <a:pPr algn="ctr"/>
-            <a:r>
-              <a:rPr lang="en-US" sz="1600" i="1" dirty="0" smtClean="0">
-                <a:solidFill>
-                  <a:srgbClr val="000000"/>
-                </a:solidFill>
-                <a:latin typeface="CMU Bright Roman"/>
-                <a:cs typeface="CMU Bright Roman"/>
-              </a:rPr>
-              <a:t>x</a:t>
-            </a:r>
-            <a:r>
-              <a:rPr lang="en-US" sz="1600" i="1" baseline="-25000" dirty="0">
-                <a:solidFill>
-                  <a:srgbClr val="000000"/>
-                </a:solidFill>
-                <a:latin typeface="CMU Bright Roman"/>
-                <a:cs typeface="CMU Bright Roman"/>
-              </a:rPr>
-              <a:t>2</a:t>
-            </a:r>
-          </a:p>
-        </p:txBody>
-      </p:sp>
-      <p:sp>
-        <p:nvSpPr>
-          <p:cNvPr id="84" name="Oval 83"/>
-          <p:cNvSpPr/>
-          <p:nvPr/>
-        </p:nvSpPr>
-        <p:spPr>
-          <a:xfrm>
-            <a:off x="5605393" y="4845654"/>
-            <a:ext cx="515211" cy="515211"/>
-          </a:xfrm>
-          <a:prstGeom prst="ellipse">
-            <a:avLst/>
-          </a:prstGeom>
-          <a:solidFill>
-            <a:schemeClr val="accent6"/>
-          </a:solidFill>
-          <a:effectLst/>
-        </p:spPr>
-        <p:style>
-          <a:lnRef idx="1">
-            <a:schemeClr val="accent1"/>
-          </a:lnRef>
-          <a:fillRef idx="3">
-            <a:schemeClr val="accent1"/>
-          </a:fillRef>
-          <a:effectRef idx="2">
-            <a:schemeClr val="accent1"/>
-          </a:effectRef>
-          <a:fontRef idx="minor">
-            <a:schemeClr val="lt1"/>
-          </a:fontRef>
-        </p:style>
-        <p:txBody>
-          <a:bodyPr rtlCol="0" anchor="ctr" anchorCtr="1"/>
-          <a:lstStyle/>
-          <a:p>
-            <a:pPr algn="ctr"/>
-            <a:r>
-              <a:rPr lang="en-US" sz="1600" i="1" dirty="0" err="1" smtClean="0">
-                <a:solidFill>
-                  <a:srgbClr val="000000"/>
-                </a:solidFill>
-                <a:latin typeface="CMU Bright Roman"/>
-                <a:cs typeface="CMU Bright Roman"/>
-              </a:rPr>
-              <a:t>x</a:t>
-            </a:r>
-            <a:r>
-              <a:rPr lang="en-US" sz="1600" i="1" baseline="-25000" dirty="0" err="1">
-                <a:solidFill>
-                  <a:srgbClr val="000000"/>
-                </a:solidFill>
-                <a:latin typeface="CMU Bright Roman"/>
-                <a:cs typeface="CMU Bright Roman"/>
-              </a:rPr>
-              <a:t>n</a:t>
-            </a:r>
-            <a:endParaRPr lang="en-US" sz="1600" i="1" baseline="-25000" dirty="0">
-              <a:solidFill>
-                <a:srgbClr val="000000"/>
-              </a:solidFill>
-              <a:latin typeface="CMU Bright Roman"/>
-              <a:cs typeface="CMU Bright Roman"/>
-            </a:endParaRPr>
-          </a:p>
-        </p:txBody>
-      </p:sp>
-      <p:sp>
-        <p:nvSpPr>
-          <p:cNvPr id="85" name="Oval 84"/>
-          <p:cNvSpPr/>
-          <p:nvPr/>
-        </p:nvSpPr>
-        <p:spPr>
-          <a:xfrm>
-            <a:off x="2565679" y="3572237"/>
-            <a:ext cx="515211" cy="515211"/>
-          </a:xfrm>
-          <a:prstGeom prst="ellipse">
-            <a:avLst/>
-          </a:prstGeom>
-          <a:solidFill>
-            <a:schemeClr val="accent3">
-              <a:lumMod val="60000"/>
-              <a:lumOff val="40000"/>
-            </a:schemeClr>
-          </a:solidFill>
-          <a:effectLst/>
-        </p:spPr>
-        <p:style>
-          <a:lnRef idx="1">
-            <a:schemeClr val="accent1"/>
-          </a:lnRef>
-          <a:fillRef idx="3">
-            <a:schemeClr val="accent1"/>
-          </a:fillRef>
-          <a:effectRef idx="2">
-            <a:schemeClr val="accent1"/>
-          </a:effectRef>
-          <a:fontRef idx="minor">
-            <a:schemeClr val="lt1"/>
-          </a:fontRef>
-        </p:style>
-        <p:txBody>
-          <a:bodyPr rtlCol="0" anchor="ctr" anchorCtr="1"/>
-          <a:lstStyle/>
-          <a:p>
-            <a:pPr algn="ctr"/>
-            <a:r>
-              <a:rPr lang="en-US" sz="1600" i="1" dirty="0" smtClean="0">
-                <a:solidFill>
-                  <a:srgbClr val="000000"/>
-                </a:solidFill>
-                <a:latin typeface="CMU Bright Roman"/>
-                <a:cs typeface="CMU Bright Roman"/>
-              </a:rPr>
-              <a:t>h</a:t>
-            </a:r>
-            <a:r>
-              <a:rPr lang="en-US" sz="1600" i="1" baseline="-25000" dirty="0" smtClean="0">
-                <a:solidFill>
-                  <a:srgbClr val="000000"/>
-                </a:solidFill>
-                <a:latin typeface="CMU Bright Roman"/>
-                <a:cs typeface="CMU Bright Roman"/>
-              </a:rPr>
-              <a:t>1</a:t>
-            </a:r>
-            <a:endParaRPr lang="en-US" sz="1600" i="1" baseline="-25000" dirty="0">
-              <a:solidFill>
-                <a:srgbClr val="000000"/>
-              </a:solidFill>
-              <a:latin typeface="CMU Bright Roman"/>
-              <a:cs typeface="CMU Bright Roman"/>
-            </a:endParaRPr>
-          </a:p>
-        </p:txBody>
-      </p:sp>
-      <p:sp>
-        <p:nvSpPr>
-          <p:cNvPr id="86" name="Oval 85"/>
-          <p:cNvSpPr/>
-          <p:nvPr/>
-        </p:nvSpPr>
-        <p:spPr>
-          <a:xfrm>
-            <a:off x="3502816" y="3572237"/>
-            <a:ext cx="515211" cy="515211"/>
-          </a:xfrm>
-          <a:prstGeom prst="ellipse">
-            <a:avLst/>
-          </a:prstGeom>
-          <a:solidFill>
-            <a:schemeClr val="accent3">
-              <a:lumMod val="60000"/>
-              <a:lumOff val="40000"/>
-            </a:schemeClr>
-          </a:solidFill>
-          <a:effectLst/>
-        </p:spPr>
-        <p:style>
-          <a:lnRef idx="1">
-            <a:schemeClr val="accent1"/>
-          </a:lnRef>
-          <a:fillRef idx="3">
-            <a:schemeClr val="accent1"/>
-          </a:fillRef>
-          <a:effectRef idx="2">
-            <a:schemeClr val="accent1"/>
-          </a:effectRef>
-          <a:fontRef idx="minor">
-            <a:schemeClr val="lt1"/>
-          </a:fontRef>
-        </p:style>
-        <p:txBody>
-          <a:bodyPr rtlCol="0" anchor="ctr" anchorCtr="1"/>
-          <a:lstStyle/>
-          <a:p>
-            <a:pPr algn="ctr"/>
-            <a:r>
-              <a:rPr lang="en-US" sz="1600" i="1" dirty="0" smtClean="0">
-                <a:solidFill>
-                  <a:srgbClr val="000000"/>
-                </a:solidFill>
-                <a:latin typeface="CMU Bright Roman"/>
-                <a:cs typeface="CMU Bright Roman"/>
-              </a:rPr>
-              <a:t>h</a:t>
-            </a:r>
-            <a:r>
-              <a:rPr lang="en-US" sz="1600" i="1" baseline="-25000" dirty="0" smtClean="0">
-                <a:solidFill>
-                  <a:srgbClr val="000000"/>
-                </a:solidFill>
-                <a:latin typeface="CMU Bright Roman"/>
-                <a:cs typeface="CMU Bright Roman"/>
-              </a:rPr>
-              <a:t>2</a:t>
-            </a:r>
-            <a:endParaRPr lang="en-US" sz="1600" i="1" baseline="-25000" dirty="0">
-              <a:solidFill>
-                <a:srgbClr val="000000"/>
-              </a:solidFill>
-              <a:latin typeface="CMU Bright Roman"/>
-              <a:cs typeface="CMU Bright Roman"/>
-            </a:endParaRPr>
-          </a:p>
-        </p:txBody>
-      </p:sp>
-      <p:sp>
-        <p:nvSpPr>
-          <p:cNvPr id="87" name="Oval 86"/>
-          <p:cNvSpPr/>
-          <p:nvPr/>
-        </p:nvSpPr>
-        <p:spPr>
-          <a:xfrm>
-            <a:off x="5102168" y="3572237"/>
-            <a:ext cx="515211" cy="515211"/>
-          </a:xfrm>
-          <a:prstGeom prst="ellipse">
-            <a:avLst/>
-          </a:prstGeom>
-          <a:solidFill>
-            <a:schemeClr val="accent3">
-              <a:lumMod val="60000"/>
-              <a:lumOff val="40000"/>
-            </a:schemeClr>
-          </a:solidFill>
-          <a:effectLst/>
-        </p:spPr>
-        <p:style>
-          <a:lnRef idx="1">
-            <a:schemeClr val="accent1"/>
-          </a:lnRef>
-          <a:fillRef idx="3">
-            <a:schemeClr val="accent1"/>
-          </a:fillRef>
-          <a:effectRef idx="2">
-            <a:schemeClr val="accent1"/>
-          </a:effectRef>
-          <a:fontRef idx="minor">
-            <a:schemeClr val="lt1"/>
-          </a:fontRef>
-        </p:style>
-        <p:txBody>
-          <a:bodyPr rtlCol="0" anchor="ctr" anchorCtr="1"/>
-          <a:lstStyle/>
-          <a:p>
-            <a:pPr algn="ctr"/>
-            <a:r>
-              <a:rPr lang="en-US" sz="1600" i="1" dirty="0" err="1" smtClean="0">
-                <a:solidFill>
-                  <a:srgbClr val="000000"/>
-                </a:solidFill>
-                <a:latin typeface="CMU Bright Roman"/>
-                <a:cs typeface="CMU Bright Roman"/>
-              </a:rPr>
-              <a:t>h</a:t>
-            </a:r>
-            <a:r>
-              <a:rPr lang="en-US" sz="1600" i="1" baseline="-25000" dirty="0" err="1">
-                <a:solidFill>
-                  <a:srgbClr val="000000"/>
-                </a:solidFill>
-                <a:latin typeface="CMU Bright Roman"/>
-                <a:cs typeface="CMU Bright Roman"/>
-              </a:rPr>
-              <a:t>k</a:t>
-            </a:r>
-            <a:endParaRPr lang="en-US" sz="1600" i="1" baseline="-25000" dirty="0">
-              <a:solidFill>
-                <a:srgbClr val="000000"/>
-              </a:solidFill>
-              <a:latin typeface="CMU Bright Roman"/>
-              <a:cs typeface="CMU Bright Roman"/>
-            </a:endParaRPr>
-          </a:p>
-        </p:txBody>
-      </p:sp>
-      <p:cxnSp>
-        <p:nvCxnSpPr>
-          <p:cNvPr id="88" name="Straight Arrow Connector 87"/>
-          <p:cNvCxnSpPr>
-            <a:stCxn id="82" idx="0"/>
-            <a:endCxn id="85" idx="3"/>
-          </p:cNvCxnSpPr>
-          <p:nvPr/>
-        </p:nvCxnSpPr>
-        <p:spPr>
-          <a:xfrm flipV="1">
-            <a:off x="2248278" y="4011997"/>
-            <a:ext cx="392852" cy="833657"/>
-          </a:xfrm>
-          <a:prstGeom prst="straightConnector1">
-            <a:avLst/>
-          </a:prstGeom>
-          <a:ln w="12700">
-            <a:solidFill>
-              <a:srgbClr val="A6A6A6"/>
-            </a:solidFill>
-            <a:tailEnd type="arrow"/>
-          </a:ln>
-          <a:effectLst/>
-        </p:spPr>
-        <p:style>
-          <a:lnRef idx="2">
-            <a:schemeClr val="accent1"/>
-          </a:lnRef>
-          <a:fillRef idx="0">
-            <a:schemeClr val="accent1"/>
-          </a:fillRef>
-          <a:effectRef idx="1">
-            <a:schemeClr val="accent1"/>
-          </a:effectRef>
-          <a:fontRef idx="minor">
-            <a:schemeClr val="tx1"/>
-          </a:fontRef>
-        </p:style>
-      </p:cxnSp>
-      <p:cxnSp>
-        <p:nvCxnSpPr>
-          <p:cNvPr id="89" name="Straight Arrow Connector 88"/>
-          <p:cNvCxnSpPr>
-            <a:stCxn id="82" idx="0"/>
-            <a:endCxn id="86" idx="4"/>
-          </p:cNvCxnSpPr>
-          <p:nvPr/>
-        </p:nvCxnSpPr>
-        <p:spPr>
-          <a:xfrm flipV="1">
-            <a:off x="2248278" y="4087448"/>
-            <a:ext cx="1512144" cy="758206"/>
-          </a:xfrm>
-          <a:prstGeom prst="straightConnector1">
-            <a:avLst/>
-          </a:prstGeom>
-          <a:ln w="12700">
-            <a:solidFill>
-              <a:srgbClr val="A6A6A6"/>
-            </a:solidFill>
-            <a:tailEnd type="arrow"/>
-          </a:ln>
-          <a:effectLst/>
-        </p:spPr>
-        <p:style>
-          <a:lnRef idx="2">
-            <a:schemeClr val="accent1"/>
-          </a:lnRef>
-          <a:fillRef idx="0">
-            <a:schemeClr val="accent1"/>
-          </a:fillRef>
-          <a:effectRef idx="1">
-            <a:schemeClr val="accent1"/>
-          </a:effectRef>
-          <a:fontRef idx="minor">
-            <a:schemeClr val="tx1"/>
-          </a:fontRef>
-        </p:style>
-      </p:cxnSp>
-      <p:cxnSp>
-        <p:nvCxnSpPr>
-          <p:cNvPr id="90" name="Straight Arrow Connector 89"/>
-          <p:cNvCxnSpPr>
-            <a:stCxn id="82" idx="0"/>
-            <a:endCxn id="87" idx="3"/>
-          </p:cNvCxnSpPr>
-          <p:nvPr/>
-        </p:nvCxnSpPr>
-        <p:spPr>
-          <a:xfrm flipV="1">
-            <a:off x="2248278" y="4011997"/>
-            <a:ext cx="2929341" cy="833657"/>
-          </a:xfrm>
-          <a:prstGeom prst="straightConnector1">
-            <a:avLst/>
-          </a:prstGeom>
-          <a:ln w="12700">
-            <a:solidFill>
-              <a:srgbClr val="A6A6A6"/>
-            </a:solidFill>
-            <a:tailEnd type="arrow"/>
-          </a:ln>
-          <a:effectLst/>
-        </p:spPr>
-        <p:style>
-          <a:lnRef idx="2">
-            <a:schemeClr val="accent1"/>
-          </a:lnRef>
-          <a:fillRef idx="0">
-            <a:schemeClr val="accent1"/>
-          </a:fillRef>
-          <a:effectRef idx="1">
-            <a:schemeClr val="accent1"/>
-          </a:effectRef>
-          <a:fontRef idx="minor">
-            <a:schemeClr val="tx1"/>
-          </a:fontRef>
-        </p:style>
-      </p:cxnSp>
-      <p:cxnSp>
-        <p:nvCxnSpPr>
-          <p:cNvPr id="92" name="Straight Arrow Connector 91"/>
-          <p:cNvCxnSpPr>
-            <a:stCxn id="83" idx="0"/>
-            <a:endCxn id="85" idx="4"/>
-          </p:cNvCxnSpPr>
-          <p:nvPr/>
-        </p:nvCxnSpPr>
-        <p:spPr>
-          <a:xfrm flipH="1" flipV="1">
-            <a:off x="2823285" y="4087448"/>
-            <a:ext cx="188390" cy="758206"/>
-          </a:xfrm>
-          <a:prstGeom prst="straightConnector1">
-            <a:avLst/>
-          </a:prstGeom>
-          <a:ln w="12700">
-            <a:solidFill>
-              <a:srgbClr val="A6A6A6"/>
-            </a:solidFill>
-            <a:tailEnd type="arrow"/>
-          </a:ln>
-          <a:effectLst/>
-        </p:spPr>
-        <p:style>
-          <a:lnRef idx="2">
-            <a:schemeClr val="accent1"/>
-          </a:lnRef>
-          <a:fillRef idx="0">
-            <a:schemeClr val="accent1"/>
-          </a:fillRef>
-          <a:effectRef idx="1">
-            <a:schemeClr val="accent1"/>
-          </a:effectRef>
-          <a:fontRef idx="minor">
-            <a:schemeClr val="tx1"/>
-          </a:fontRef>
-        </p:style>
-      </p:cxnSp>
-      <p:cxnSp>
-        <p:nvCxnSpPr>
-          <p:cNvPr id="93" name="Straight Arrow Connector 92"/>
-          <p:cNvCxnSpPr>
-            <a:stCxn id="84" idx="0"/>
-            <a:endCxn id="85" idx="5"/>
-          </p:cNvCxnSpPr>
-          <p:nvPr/>
-        </p:nvCxnSpPr>
-        <p:spPr>
-          <a:xfrm flipH="1" flipV="1">
-            <a:off x="3005439" y="4011997"/>
-            <a:ext cx="2857560" cy="833657"/>
-          </a:xfrm>
-          <a:prstGeom prst="straightConnector1">
-            <a:avLst/>
-          </a:prstGeom>
-          <a:ln w="12700">
-            <a:solidFill>
-              <a:srgbClr val="A6A6A6"/>
-            </a:solidFill>
-            <a:tailEnd type="arrow"/>
-          </a:ln>
-          <a:effectLst/>
-        </p:spPr>
-        <p:style>
-          <a:lnRef idx="2">
-            <a:schemeClr val="accent1"/>
-          </a:lnRef>
-          <a:fillRef idx="0">
-            <a:schemeClr val="accent1"/>
-          </a:fillRef>
-          <a:effectRef idx="1">
-            <a:schemeClr val="accent1"/>
-          </a:effectRef>
-          <a:fontRef idx="minor">
-            <a:schemeClr val="tx1"/>
-          </a:fontRef>
-        </p:style>
-      </p:cxnSp>
-      <p:cxnSp>
-        <p:nvCxnSpPr>
-          <p:cNvPr id="95" name="Straight Arrow Connector 94"/>
-          <p:cNvCxnSpPr>
-            <a:stCxn id="84" idx="0"/>
-            <a:endCxn id="87" idx="5"/>
-          </p:cNvCxnSpPr>
-          <p:nvPr/>
-        </p:nvCxnSpPr>
-        <p:spPr>
-          <a:xfrm flipH="1" flipV="1">
-            <a:off x="5541928" y="4011997"/>
-            <a:ext cx="321071" cy="833657"/>
-          </a:xfrm>
-          <a:prstGeom prst="straightConnector1">
-            <a:avLst/>
-          </a:prstGeom>
-          <a:ln w="12700">
-            <a:solidFill>
-              <a:srgbClr val="A6A6A6"/>
-            </a:solidFill>
-            <a:tailEnd type="arrow"/>
-          </a:ln>
-          <a:effectLst/>
-        </p:spPr>
-        <p:style>
-          <a:lnRef idx="2">
-            <a:schemeClr val="accent1"/>
-          </a:lnRef>
-          <a:fillRef idx="0">
-            <a:schemeClr val="accent1"/>
-          </a:fillRef>
-          <a:effectRef idx="1">
-            <a:schemeClr val="accent1"/>
-          </a:effectRef>
-          <a:fontRef idx="minor">
-            <a:schemeClr val="tx1"/>
-          </a:fontRef>
-        </p:style>
-      </p:cxnSp>
-      <p:cxnSp>
-        <p:nvCxnSpPr>
-          <p:cNvPr id="96" name="Straight Arrow Connector 95"/>
-          <p:cNvCxnSpPr>
-            <a:stCxn id="83" idx="0"/>
-            <a:endCxn id="87" idx="4"/>
-          </p:cNvCxnSpPr>
-          <p:nvPr/>
-        </p:nvCxnSpPr>
-        <p:spPr>
-          <a:xfrm flipV="1">
-            <a:off x="3011675" y="4087448"/>
-            <a:ext cx="2348099" cy="758206"/>
-          </a:xfrm>
-          <a:prstGeom prst="straightConnector1">
-            <a:avLst/>
-          </a:prstGeom>
-          <a:ln w="12700">
-            <a:solidFill>
-              <a:srgbClr val="A6A6A6"/>
-            </a:solidFill>
-            <a:tailEnd type="arrow"/>
-          </a:ln>
-          <a:effectLst/>
-        </p:spPr>
-        <p:style>
-          <a:lnRef idx="2">
-            <a:schemeClr val="accent1"/>
-          </a:lnRef>
-          <a:fillRef idx="0">
-            <a:schemeClr val="accent1"/>
-          </a:fillRef>
-          <a:effectRef idx="1">
-            <a:schemeClr val="accent1"/>
-          </a:effectRef>
-          <a:fontRef idx="minor">
-            <a:schemeClr val="tx1"/>
-          </a:fontRef>
-        </p:style>
-      </p:cxnSp>
-      <p:sp>
-        <p:nvSpPr>
-          <p:cNvPr id="97" name="Oval 96"/>
-          <p:cNvSpPr/>
-          <p:nvPr/>
-        </p:nvSpPr>
-        <p:spPr>
-          <a:xfrm>
-            <a:off x="2038488" y="2394673"/>
-            <a:ext cx="515211" cy="515211"/>
-          </a:xfrm>
-          <a:prstGeom prst="ellipse">
-            <a:avLst/>
-          </a:prstGeom>
-          <a:solidFill>
-            <a:srgbClr val="93CDDD"/>
-          </a:solidFill>
-          <a:effectLst/>
-        </p:spPr>
-        <p:style>
-          <a:lnRef idx="1">
-            <a:schemeClr val="accent1"/>
-          </a:lnRef>
-          <a:fillRef idx="3">
-            <a:schemeClr val="accent1"/>
-          </a:fillRef>
-          <a:effectRef idx="2">
-            <a:schemeClr val="accent1"/>
-          </a:effectRef>
-          <a:fontRef idx="minor">
-            <a:schemeClr val="lt1"/>
-          </a:fontRef>
-        </p:style>
-        <p:txBody>
-          <a:bodyPr rtlCol="0" anchor="ctr" anchorCtr="1"/>
-          <a:lstStyle/>
-          <a:p>
-            <a:pPr algn="ctr"/>
-            <a:r>
-              <a:rPr lang="en-US" sz="1600" i="1" dirty="0" smtClean="0">
-                <a:solidFill>
-                  <a:srgbClr val="000000"/>
-                </a:solidFill>
-                <a:latin typeface="CMU Bright Roman"/>
-                <a:cs typeface="CMU Bright Roman"/>
-              </a:rPr>
-              <a:t>y</a:t>
-            </a:r>
-            <a:r>
-              <a:rPr lang="en-US" sz="1600" i="1" baseline="-25000" dirty="0" smtClean="0">
-                <a:solidFill>
-                  <a:srgbClr val="000000"/>
-                </a:solidFill>
-                <a:latin typeface="CMU Bright Roman"/>
-                <a:cs typeface="CMU Bright Roman"/>
-              </a:rPr>
-              <a:t>1</a:t>
-            </a:r>
-            <a:endParaRPr lang="en-US" sz="1600" i="1" baseline="-25000" dirty="0">
-              <a:solidFill>
-                <a:srgbClr val="000000"/>
-              </a:solidFill>
-              <a:latin typeface="CMU Bright Roman"/>
-              <a:cs typeface="CMU Bright Roman"/>
-            </a:endParaRPr>
-          </a:p>
-        </p:txBody>
-      </p:sp>
-      <p:sp>
-        <p:nvSpPr>
-          <p:cNvPr id="100" name="Oval 99"/>
-          <p:cNvSpPr/>
-          <p:nvPr/>
-        </p:nvSpPr>
-        <p:spPr>
-          <a:xfrm>
-            <a:off x="3051076" y="2394673"/>
-            <a:ext cx="515211" cy="515211"/>
-          </a:xfrm>
-          <a:prstGeom prst="ellipse">
-            <a:avLst/>
-          </a:prstGeom>
-          <a:solidFill>
-            <a:srgbClr val="93CDDD"/>
-          </a:solidFill>
-          <a:effectLst/>
-        </p:spPr>
-        <p:style>
-          <a:lnRef idx="1">
-            <a:schemeClr val="accent1"/>
-          </a:lnRef>
-          <a:fillRef idx="3">
-            <a:schemeClr val="accent1"/>
-          </a:fillRef>
-          <a:effectRef idx="2">
-            <a:schemeClr val="accent1"/>
-          </a:effectRef>
-          <a:fontRef idx="minor">
-            <a:schemeClr val="lt1"/>
-          </a:fontRef>
-        </p:style>
-        <p:txBody>
-          <a:bodyPr rtlCol="0" anchor="ctr" anchorCtr="1"/>
-          <a:lstStyle/>
-          <a:p>
-            <a:pPr algn="ctr"/>
-            <a:r>
-              <a:rPr lang="en-US" sz="1600" i="1" dirty="0" err="1" smtClean="0">
-                <a:solidFill>
-                  <a:srgbClr val="000000"/>
-                </a:solidFill>
-                <a:latin typeface="CMU Bright Roman"/>
-                <a:cs typeface="CMU Bright Roman"/>
-              </a:rPr>
-              <a:t>y</a:t>
-            </a:r>
-            <a:r>
-              <a:rPr lang="en-US" sz="1600" i="1" baseline="-25000" dirty="0" err="1">
-                <a:solidFill>
-                  <a:srgbClr val="000000"/>
-                </a:solidFill>
-                <a:latin typeface="CMU Bright Roman"/>
-                <a:cs typeface="CMU Bright Roman"/>
-              </a:rPr>
-              <a:t>i</a:t>
-            </a:r>
-            <a:endParaRPr lang="en-US" sz="1600" i="1" baseline="-25000" dirty="0">
-              <a:solidFill>
-                <a:srgbClr val="000000"/>
-              </a:solidFill>
-              <a:latin typeface="CMU Bright Roman"/>
-              <a:cs typeface="CMU Bright Roman"/>
-            </a:endParaRPr>
-          </a:p>
-        </p:txBody>
-      </p:sp>
-      <p:sp>
-        <p:nvSpPr>
-          <p:cNvPr id="101" name="Oval 100"/>
-          <p:cNvSpPr/>
-          <p:nvPr/>
-        </p:nvSpPr>
-        <p:spPr>
-          <a:xfrm>
-            <a:off x="5605393" y="2394673"/>
-            <a:ext cx="515211" cy="515211"/>
-          </a:xfrm>
-          <a:prstGeom prst="ellipse">
-            <a:avLst/>
-          </a:prstGeom>
-          <a:solidFill>
-            <a:srgbClr val="93CDDD"/>
-          </a:solidFill>
-          <a:effectLst/>
-        </p:spPr>
-        <p:style>
-          <a:lnRef idx="1">
-            <a:schemeClr val="accent1"/>
-          </a:lnRef>
-          <a:fillRef idx="3">
-            <a:schemeClr val="accent1"/>
-          </a:fillRef>
-          <a:effectRef idx="2">
-            <a:schemeClr val="accent1"/>
-          </a:effectRef>
-          <a:fontRef idx="minor">
-            <a:schemeClr val="lt1"/>
-          </a:fontRef>
-        </p:style>
-        <p:txBody>
-          <a:bodyPr rtlCol="0" anchor="ctr" anchorCtr="1"/>
-          <a:lstStyle/>
-          <a:p>
-            <a:pPr algn="ctr"/>
-            <a:r>
-              <a:rPr lang="en-US" sz="1600" i="1" dirty="0" err="1" smtClean="0">
-                <a:solidFill>
-                  <a:srgbClr val="000000"/>
-                </a:solidFill>
-                <a:latin typeface="CMU Bright Roman"/>
-                <a:cs typeface="CMU Bright Roman"/>
-              </a:rPr>
-              <a:t>y</a:t>
-            </a:r>
-            <a:r>
-              <a:rPr lang="en-US" sz="1600" i="1" baseline="-25000" dirty="0" err="1">
-                <a:solidFill>
-                  <a:srgbClr val="000000"/>
-                </a:solidFill>
-                <a:latin typeface="CMU Bright Roman"/>
-                <a:cs typeface="CMU Bright Roman"/>
-              </a:rPr>
-              <a:t>j</a:t>
-            </a:r>
-            <a:endParaRPr lang="en-US" sz="1600" i="1" baseline="-25000" dirty="0">
-              <a:solidFill>
-                <a:srgbClr val="000000"/>
-              </a:solidFill>
-              <a:latin typeface="CMU Bright Roman"/>
-              <a:cs typeface="CMU Bright Roman"/>
-            </a:endParaRPr>
-          </a:p>
-        </p:txBody>
-      </p:sp>
-      <p:cxnSp>
-        <p:nvCxnSpPr>
-          <p:cNvPr id="103" name="Straight Arrow Connector 102"/>
-          <p:cNvCxnSpPr>
-            <a:stCxn id="85" idx="0"/>
-            <a:endCxn id="100" idx="3"/>
-          </p:cNvCxnSpPr>
-          <p:nvPr/>
-        </p:nvCxnSpPr>
-        <p:spPr>
-          <a:xfrm flipV="1">
-            <a:off x="2823285" y="2834433"/>
-            <a:ext cx="303242" cy="737804"/>
-          </a:xfrm>
-          <a:prstGeom prst="straightConnector1">
-            <a:avLst/>
-          </a:prstGeom>
-          <a:ln w="12700">
-            <a:solidFill>
-              <a:srgbClr val="A6A6A6"/>
-            </a:solidFill>
-            <a:tailEnd type="arrow"/>
-          </a:ln>
-          <a:effectLst/>
-        </p:spPr>
-        <p:style>
-          <a:lnRef idx="2">
-            <a:schemeClr val="accent1"/>
-          </a:lnRef>
-          <a:fillRef idx="0">
-            <a:schemeClr val="accent1"/>
-          </a:fillRef>
-          <a:effectRef idx="1">
-            <a:schemeClr val="accent1"/>
-          </a:effectRef>
-          <a:fontRef idx="minor">
-            <a:schemeClr val="tx1"/>
-          </a:fontRef>
-        </p:style>
-      </p:cxnSp>
-      <p:cxnSp>
-        <p:nvCxnSpPr>
-          <p:cNvPr id="104" name="Straight Arrow Connector 103"/>
-          <p:cNvCxnSpPr>
-            <a:stCxn id="87" idx="0"/>
-            <a:endCxn id="100" idx="5"/>
-          </p:cNvCxnSpPr>
-          <p:nvPr/>
-        </p:nvCxnSpPr>
-        <p:spPr>
-          <a:xfrm flipH="1" flipV="1">
-            <a:off x="3490836" y="2834433"/>
-            <a:ext cx="1868938" cy="737804"/>
-          </a:xfrm>
-          <a:prstGeom prst="straightConnector1">
-            <a:avLst/>
-          </a:prstGeom>
-          <a:ln w="12700">
-            <a:solidFill>
-              <a:srgbClr val="A6A6A6"/>
-            </a:solidFill>
-            <a:tailEnd type="arrow"/>
-          </a:ln>
-          <a:effectLst/>
-        </p:spPr>
-        <p:style>
-          <a:lnRef idx="2">
-            <a:schemeClr val="accent1"/>
-          </a:lnRef>
-          <a:fillRef idx="0">
-            <a:schemeClr val="accent1"/>
-          </a:fillRef>
-          <a:effectRef idx="1">
-            <a:schemeClr val="accent1"/>
-          </a:effectRef>
-          <a:fontRef idx="minor">
-            <a:schemeClr val="tx1"/>
-          </a:fontRef>
-        </p:style>
-      </p:cxnSp>
-      <p:cxnSp>
-        <p:nvCxnSpPr>
-          <p:cNvPr id="105" name="Straight Arrow Connector 104"/>
-          <p:cNvCxnSpPr>
-            <a:stCxn id="86" idx="0"/>
-            <a:endCxn id="100" idx="4"/>
-          </p:cNvCxnSpPr>
-          <p:nvPr/>
-        </p:nvCxnSpPr>
-        <p:spPr>
-          <a:xfrm flipH="1" flipV="1">
-            <a:off x="3308682" y="2909884"/>
-            <a:ext cx="451740" cy="662353"/>
-          </a:xfrm>
-          <a:prstGeom prst="straightConnector1">
-            <a:avLst/>
-          </a:prstGeom>
-          <a:ln w="12700">
-            <a:solidFill>
-              <a:srgbClr val="A6A6A6"/>
-            </a:solidFill>
-            <a:tailEnd type="arrow"/>
-          </a:ln>
-          <a:effectLst/>
-        </p:spPr>
-        <p:style>
-          <a:lnRef idx="2">
-            <a:schemeClr val="accent1"/>
-          </a:lnRef>
-          <a:fillRef idx="0">
-            <a:schemeClr val="accent1"/>
-          </a:fillRef>
-          <a:effectRef idx="1">
-            <a:schemeClr val="accent1"/>
-          </a:effectRef>
-          <a:fontRef idx="minor">
-            <a:schemeClr val="tx1"/>
-          </a:fontRef>
-        </p:style>
-      </p:cxnSp>
-      <p:graphicFrame>
-        <p:nvGraphicFramePr>
-          <p:cNvPr id="106" name="Object 105"/>
-          <p:cNvGraphicFramePr>
-            <a:graphicFrameLocks noChangeAspect="1"/>
-          </p:cNvGraphicFramePr>
-          <p:nvPr>
-            <p:extLst>
-              <p:ext uri="{D42A27DB-BD31-4B8C-83A1-F6EECF244321}">
-                <p14:modId xmlns:p14="http://schemas.microsoft.com/office/powerpoint/2010/main" val="855422550"/>
-              </p:ext>
-            </p:extLst>
-          </p:nvPr>
-        </p:nvGraphicFramePr>
-        <p:xfrm>
-          <a:off x="6265863" y="3670300"/>
-          <a:ext cx="2917825" cy="417513"/>
-        </p:xfrm>
-        <a:graphic>
-          <a:graphicData uri="http://schemas.openxmlformats.org/presentationml/2006/ole">
-            <mc:AlternateContent xmlns:mc="http://schemas.openxmlformats.org/markup-compatibility/2006">
-              <mc:Choice xmlns:v="urn:schemas-microsoft-com:vml" Requires="v">
-                <p:oleObj spid="_x0000_s106853" name="Equation" r:id="rId3" imgW="1422400" imgH="203200" progId="Equation.DSMT4">
-                  <p:embed/>
-                </p:oleObj>
-              </mc:Choice>
-              <mc:Fallback>
-                <p:oleObj name="Equation" r:id="rId3" imgW="1422400" imgH="203200" progId="Equation.DSMT4">
-                  <p:embed/>
-                  <p:pic>
-                    <p:nvPicPr>
-                      <p:cNvPr id="0" name=""/>
-                      <p:cNvPicPr/>
-                      <p:nvPr/>
-                    </p:nvPicPr>
-                    <p:blipFill>
-                      <a:blip r:embed="rId4"/>
-                      <a:stretch>
-                        <a:fillRect/>
-                      </a:stretch>
-                    </p:blipFill>
-                    <p:spPr>
-                      <a:xfrm>
-                        <a:off x="6265863" y="3670300"/>
-                        <a:ext cx="2917825" cy="417513"/>
-                      </a:xfrm>
-                      <a:prstGeom prst="rect">
-                        <a:avLst/>
-                      </a:prstGeom>
-                    </p:spPr>
-                  </p:pic>
-                </p:oleObj>
-              </mc:Fallback>
-            </mc:AlternateContent>
-          </a:graphicData>
-        </a:graphic>
-      </p:graphicFrame>
-      <p:graphicFrame>
-        <p:nvGraphicFramePr>
-          <p:cNvPr id="107" name="Object 106"/>
-          <p:cNvGraphicFramePr>
-            <a:graphicFrameLocks noChangeAspect="1"/>
-          </p:cNvGraphicFramePr>
-          <p:nvPr>
-            <p:extLst>
-              <p:ext uri="{D42A27DB-BD31-4B8C-83A1-F6EECF244321}">
-                <p14:modId xmlns:p14="http://schemas.microsoft.com/office/powerpoint/2010/main" val="1385654484"/>
-              </p:ext>
-            </p:extLst>
-          </p:nvPr>
-        </p:nvGraphicFramePr>
-        <p:xfrm>
-          <a:off x="7169150" y="2478088"/>
-          <a:ext cx="1196975" cy="417512"/>
-        </p:xfrm>
-        <a:graphic>
-          <a:graphicData uri="http://schemas.openxmlformats.org/presentationml/2006/ole">
-            <mc:AlternateContent xmlns:mc="http://schemas.openxmlformats.org/markup-compatibility/2006">
-              <mc:Choice xmlns:v="urn:schemas-microsoft-com:vml" Requires="v">
-                <p:oleObj spid="_x0000_s106854" name="Equation" r:id="rId5" imgW="584200" imgH="203200" progId="Equation.DSMT4">
-                  <p:embed/>
-                </p:oleObj>
-              </mc:Choice>
-              <mc:Fallback>
-                <p:oleObj name="Equation" r:id="rId5" imgW="584200" imgH="203200" progId="Equation.DSMT4">
-                  <p:embed/>
-                  <p:pic>
-                    <p:nvPicPr>
-                      <p:cNvPr id="0" name=""/>
-                      <p:cNvPicPr/>
-                      <p:nvPr/>
-                    </p:nvPicPr>
-                    <p:blipFill>
-                      <a:blip r:embed="rId6"/>
-                      <a:stretch>
-                        <a:fillRect/>
-                      </a:stretch>
-                    </p:blipFill>
-                    <p:spPr>
-                      <a:xfrm>
-                        <a:off x="7169150" y="2478088"/>
-                        <a:ext cx="1196975" cy="417512"/>
-                      </a:xfrm>
-                      <a:prstGeom prst="rect">
-                        <a:avLst/>
-                      </a:prstGeom>
-                    </p:spPr>
-                  </p:pic>
-                </p:oleObj>
-              </mc:Fallback>
-            </mc:AlternateContent>
-          </a:graphicData>
-        </a:graphic>
-      </p:graphicFrame>
-      <p:sp>
-        <p:nvSpPr>
-          <p:cNvPr id="108" name="TextBox 107"/>
-          <p:cNvSpPr txBox="1"/>
-          <p:nvPr/>
-        </p:nvSpPr>
-        <p:spPr>
-          <a:xfrm>
-            <a:off x="235222" y="4919521"/>
-            <a:ext cx="787395" cy="369332"/>
-          </a:xfrm>
-          <a:prstGeom prst="rect">
-            <a:avLst/>
-          </a:prstGeom>
-          <a:noFill/>
-        </p:spPr>
-        <p:txBody>
-          <a:bodyPr wrap="none" rtlCol="0">
-            <a:spAutoFit/>
-          </a:bodyPr>
-          <a:lstStyle/>
-          <a:p>
-            <a:pPr algn="ctr"/>
-            <a:r>
-              <a:rPr lang="en-US" dirty="0" smtClean="0">
-                <a:latin typeface="CMU Bright Roman"/>
-                <a:cs typeface="CMU Bright Roman"/>
-              </a:rPr>
-              <a:t>Inputs</a:t>
-            </a:r>
-            <a:endParaRPr lang="en-US" dirty="0">
-              <a:latin typeface="CMU Bright Roman"/>
-              <a:cs typeface="CMU Bright Roman"/>
-            </a:endParaRPr>
-          </a:p>
-        </p:txBody>
-      </p:sp>
-      <p:sp>
-        <p:nvSpPr>
-          <p:cNvPr id="109" name="TextBox 108"/>
-          <p:cNvSpPr txBox="1"/>
-          <p:nvPr/>
-        </p:nvSpPr>
-        <p:spPr>
-          <a:xfrm>
-            <a:off x="250976" y="3670188"/>
-            <a:ext cx="1454244" cy="369332"/>
-          </a:xfrm>
-          <a:prstGeom prst="rect">
-            <a:avLst/>
-          </a:prstGeom>
-          <a:noFill/>
-        </p:spPr>
-        <p:txBody>
-          <a:bodyPr wrap="none" rtlCol="0">
-            <a:spAutoFit/>
-          </a:bodyPr>
-          <a:lstStyle/>
-          <a:p>
-            <a:pPr algn="ctr"/>
-            <a:r>
-              <a:rPr lang="en-US" dirty="0" smtClean="0">
-                <a:latin typeface="CMU Bright Roman"/>
-                <a:cs typeface="CMU Bright Roman"/>
-              </a:rPr>
-              <a:t>Hidden Units</a:t>
-            </a:r>
-            <a:endParaRPr lang="en-US" dirty="0">
-              <a:latin typeface="CMU Bright Roman"/>
-              <a:cs typeface="CMU Bright Roman"/>
-            </a:endParaRPr>
-          </a:p>
-        </p:txBody>
-      </p:sp>
-      <p:sp>
-        <p:nvSpPr>
-          <p:cNvPr id="110" name="TextBox 109"/>
-          <p:cNvSpPr txBox="1"/>
-          <p:nvPr/>
-        </p:nvSpPr>
-        <p:spPr>
-          <a:xfrm>
-            <a:off x="215550" y="2473963"/>
-            <a:ext cx="1018418" cy="369332"/>
-          </a:xfrm>
-          <a:prstGeom prst="rect">
-            <a:avLst/>
-          </a:prstGeom>
-          <a:noFill/>
-        </p:spPr>
-        <p:txBody>
-          <a:bodyPr wrap="none" rtlCol="0">
-            <a:spAutoFit/>
-          </a:bodyPr>
-          <a:lstStyle/>
-          <a:p>
-            <a:pPr algn="ctr"/>
-            <a:r>
-              <a:rPr lang="en-US" dirty="0" smtClean="0">
-                <a:latin typeface="CMU Bright Roman"/>
-                <a:cs typeface="CMU Bright Roman"/>
-              </a:rPr>
-              <a:t>Outputs</a:t>
-            </a:r>
-            <a:endParaRPr lang="en-US" dirty="0">
-              <a:latin typeface="CMU Bright Roman"/>
-              <a:cs typeface="CMU Bright Roman"/>
-            </a:endParaRPr>
-          </a:p>
-        </p:txBody>
-      </p:sp>
-      <p:cxnSp>
-        <p:nvCxnSpPr>
-          <p:cNvPr id="32" name="Curved Connector 31"/>
-          <p:cNvCxnSpPr>
-            <a:stCxn id="85" idx="2"/>
-            <a:endCxn id="85" idx="1"/>
-          </p:cNvCxnSpPr>
-          <p:nvPr/>
-        </p:nvCxnSpPr>
-        <p:spPr>
-          <a:xfrm rot="10800000" flipH="1">
-            <a:off x="2565678" y="3647689"/>
-            <a:ext cx="75451" cy="182155"/>
-          </a:xfrm>
-          <a:prstGeom prst="curvedConnector4">
-            <a:avLst>
-              <a:gd name="adj1" fmla="val -302978"/>
-              <a:gd name="adj2" fmla="val 266919"/>
-            </a:avLst>
-          </a:prstGeom>
-          <a:ln>
-            <a:solidFill>
-              <a:schemeClr val="tx1"/>
-            </a:solidFill>
-            <a:tailEnd type="arrow"/>
-          </a:ln>
-          <a:effectLst/>
-        </p:spPr>
-        <p:style>
-          <a:lnRef idx="2">
-            <a:schemeClr val="accent1"/>
-          </a:lnRef>
-          <a:fillRef idx="0">
-            <a:schemeClr val="accent1"/>
-          </a:fillRef>
-          <a:effectRef idx="1">
-            <a:schemeClr val="accent1"/>
-          </a:effectRef>
-          <a:fontRef idx="minor">
-            <a:schemeClr val="tx1"/>
-          </a:fontRef>
-        </p:style>
-      </p:cxnSp>
-      <p:cxnSp>
-        <p:nvCxnSpPr>
-          <p:cNvPr id="111" name="Curved Connector 110"/>
-          <p:cNvCxnSpPr>
-            <a:stCxn id="86" idx="1"/>
-            <a:endCxn id="85" idx="7"/>
-          </p:cNvCxnSpPr>
-          <p:nvPr/>
-        </p:nvCxnSpPr>
-        <p:spPr>
-          <a:xfrm rot="16200000" flipV="1">
-            <a:off x="3291853" y="3361274"/>
-            <a:ext cx="12700" cy="572828"/>
-          </a:xfrm>
-          <a:prstGeom prst="curvedConnector3">
-            <a:avLst>
-              <a:gd name="adj1" fmla="val 2394102"/>
-            </a:avLst>
-          </a:prstGeom>
-          <a:ln>
-            <a:solidFill>
-              <a:schemeClr val="tx1"/>
-            </a:solidFill>
-            <a:tailEnd type="arrow"/>
-          </a:ln>
-          <a:effectLst/>
-        </p:spPr>
-        <p:style>
-          <a:lnRef idx="2">
-            <a:schemeClr val="accent1"/>
-          </a:lnRef>
-          <a:fillRef idx="0">
-            <a:schemeClr val="accent1"/>
-          </a:fillRef>
-          <a:effectRef idx="1">
-            <a:schemeClr val="accent1"/>
-          </a:effectRef>
-          <a:fontRef idx="minor">
-            <a:schemeClr val="tx1"/>
-          </a:fontRef>
-        </p:style>
-      </p:cxnSp>
-      <p:cxnSp>
-        <p:nvCxnSpPr>
-          <p:cNvPr id="123" name="Curved Connector 122"/>
-          <p:cNvCxnSpPr>
-            <a:stCxn id="85" idx="5"/>
-            <a:endCxn id="86" idx="3"/>
-          </p:cNvCxnSpPr>
-          <p:nvPr/>
-        </p:nvCxnSpPr>
-        <p:spPr>
-          <a:xfrm rot="16200000" flipH="1">
-            <a:off x="3291853" y="3725583"/>
-            <a:ext cx="12700" cy="572828"/>
-          </a:xfrm>
-          <a:prstGeom prst="curvedConnector3">
-            <a:avLst>
-              <a:gd name="adj1" fmla="val 2394102"/>
-            </a:avLst>
-          </a:prstGeom>
-          <a:ln>
-            <a:solidFill>
-              <a:schemeClr val="tx1"/>
-            </a:solidFill>
-            <a:tailEnd type="arrow"/>
-          </a:ln>
-          <a:effectLst/>
-        </p:spPr>
-        <p:style>
-          <a:lnRef idx="2">
-            <a:schemeClr val="accent1"/>
-          </a:lnRef>
-          <a:fillRef idx="0">
-            <a:schemeClr val="accent1"/>
-          </a:fillRef>
-          <a:effectRef idx="1">
-            <a:schemeClr val="accent1"/>
-          </a:effectRef>
-          <a:fontRef idx="minor">
-            <a:schemeClr val="tx1"/>
-          </a:fontRef>
-        </p:style>
-      </p:cxnSp>
-      <p:cxnSp>
-        <p:nvCxnSpPr>
-          <p:cNvPr id="130" name="Curved Connector 129"/>
-          <p:cNvCxnSpPr>
-            <a:stCxn id="87" idx="1"/>
-            <a:endCxn id="86" idx="7"/>
-          </p:cNvCxnSpPr>
-          <p:nvPr/>
-        </p:nvCxnSpPr>
-        <p:spPr>
-          <a:xfrm rot="16200000" flipV="1">
-            <a:off x="4560098" y="3030166"/>
-            <a:ext cx="12700" cy="1235043"/>
-          </a:xfrm>
-          <a:prstGeom prst="curvedConnector3">
-            <a:avLst>
-              <a:gd name="adj1" fmla="val 2394102"/>
-            </a:avLst>
-          </a:prstGeom>
-          <a:ln>
-            <a:solidFill>
-              <a:schemeClr val="tx1"/>
-            </a:solidFill>
-            <a:tailEnd type="arrow"/>
-          </a:ln>
-          <a:effectLst/>
-        </p:spPr>
-        <p:style>
-          <a:lnRef idx="2">
-            <a:schemeClr val="accent1"/>
-          </a:lnRef>
-          <a:fillRef idx="0">
-            <a:schemeClr val="accent1"/>
-          </a:fillRef>
-          <a:effectRef idx="1">
-            <a:schemeClr val="accent1"/>
-          </a:effectRef>
-          <a:fontRef idx="minor">
-            <a:schemeClr val="tx1"/>
-          </a:fontRef>
-        </p:style>
-      </p:cxnSp>
-      <p:cxnSp>
-        <p:nvCxnSpPr>
-          <p:cNvPr id="38" name="Curved Connector 37"/>
-          <p:cNvCxnSpPr>
-            <a:stCxn id="87" idx="0"/>
-            <a:endCxn id="85" idx="0"/>
-          </p:cNvCxnSpPr>
-          <p:nvPr/>
-        </p:nvCxnSpPr>
-        <p:spPr>
-          <a:xfrm rot="16200000" flipV="1">
-            <a:off x="4091530" y="2303992"/>
-            <a:ext cx="12700" cy="2536489"/>
-          </a:xfrm>
-          <a:prstGeom prst="curvedConnector3">
-            <a:avLst>
-              <a:gd name="adj1" fmla="val 3309472"/>
-            </a:avLst>
-          </a:prstGeom>
-          <a:ln>
-            <a:solidFill>
-              <a:schemeClr val="tx1"/>
-            </a:solidFill>
-            <a:tailEnd type="arrow"/>
-          </a:ln>
-          <a:effectLst/>
-        </p:spPr>
-        <p:style>
-          <a:lnRef idx="2">
-            <a:schemeClr val="accent1"/>
-          </a:lnRef>
-          <a:fillRef idx="0">
-            <a:schemeClr val="accent1"/>
-          </a:fillRef>
-          <a:effectRef idx="1">
-            <a:schemeClr val="accent1"/>
-          </a:effectRef>
-          <a:fontRef idx="minor">
-            <a:schemeClr val="tx1"/>
-          </a:fontRef>
-        </p:style>
-      </p:cxnSp>
-      <p:cxnSp>
-        <p:nvCxnSpPr>
-          <p:cNvPr id="43" name="Curved Connector 42"/>
-          <p:cNvCxnSpPr>
-            <a:stCxn id="87" idx="3"/>
-            <a:endCxn id="86" idx="5"/>
-          </p:cNvCxnSpPr>
-          <p:nvPr/>
-        </p:nvCxnSpPr>
-        <p:spPr>
-          <a:xfrm rot="5400000">
-            <a:off x="4560098" y="3394476"/>
-            <a:ext cx="12700" cy="1235043"/>
-          </a:xfrm>
-          <a:prstGeom prst="curvedConnector3">
-            <a:avLst>
-              <a:gd name="adj1" fmla="val 2394102"/>
-            </a:avLst>
-          </a:prstGeom>
-          <a:ln>
-            <a:solidFill>
-              <a:schemeClr val="tx1"/>
-            </a:solidFill>
-            <a:tailEnd type="arrow"/>
-          </a:ln>
-          <a:effectLst/>
-        </p:spPr>
-        <p:style>
-          <a:lnRef idx="2">
-            <a:schemeClr val="accent1"/>
-          </a:lnRef>
-          <a:fillRef idx="0">
-            <a:schemeClr val="accent1"/>
-          </a:fillRef>
-          <a:effectRef idx="1">
-            <a:schemeClr val="accent1"/>
-          </a:effectRef>
-          <a:fontRef idx="minor">
-            <a:schemeClr val="tx1"/>
-          </a:fontRef>
-        </p:style>
-      </p:cxnSp>
-      <p:sp>
-        <p:nvSpPr>
-          <p:cNvPr id="3" name="Slide Number Placeholder 2"/>
-          <p:cNvSpPr>
-            <a:spLocks noGrp="1"/>
-          </p:cNvSpPr>
-          <p:nvPr>
-            <p:ph type="sldNum" sz="quarter" idx="12"/>
-          </p:nvPr>
-        </p:nvSpPr>
-        <p:spPr/>
-        <p:txBody>
-          <a:bodyPr/>
-          <a:lstStyle/>
-          <a:p>
-            <a:fld id="{BD493B91-FAC0-3043-A682-452F01D0BD90}" type="slidenum">
-              <a:rPr lang="en-US" smtClean="0"/>
-              <a:t>2</a:t>
-            </a:fld>
-            <a:endParaRPr lang="en-US"/>
-          </a:p>
-        </p:txBody>
-      </p:sp>
-    </p:spTree>
-    <p:extLst>
-      <p:ext uri="{BB962C8B-B14F-4D97-AF65-F5344CB8AC3E}">
-        <p14:creationId xmlns:p14="http://schemas.microsoft.com/office/powerpoint/2010/main" val="1549815339"/>
-      </p:ext>
-    </p:extLst>
-  </p:cSld>
-  <p:clrMapOvr>
-    <a:masterClrMapping/>
-  </p:clrMapOvr>
-  <p:timing>
-    <p:tnLst>
-      <p:par>
-        <p:cTn xmlns:p14="http://schemas.microsoft.com/office/powerpoint/2010/main" id="1" dur="indefinite" restart="never" nodeType="tmRoot">
-          <p:childTnLst>
-            <p:seq concurrent="1" nextAc="seek">
-              <p:cTn id="2" dur="indefinite" nodeType="mainSeq">
-                <p:childTnLst>
-                  <p:par>
-                    <p:cTn id="3" fill="hold">
-                      <p:stCondLst>
-                        <p:cond delay="indefinite"/>
-                      </p:stCondLst>
-                      <p:childTnLst>
-                        <p:par>
-                          <p:cTn id="4" fill="hold">
-                            <p:stCondLst>
-                              <p:cond delay="0"/>
-                            </p:stCondLst>
-                            <p:childTnLst>
-                              <p:par>
-                                <p:cTn id="5" presetID="1" presetClass="entr" presetSubtype="0" fill="hold" nodeType="clickEffect">
-                                  <p:stCondLst>
-                                    <p:cond delay="0"/>
-                                  </p:stCondLst>
-                                  <p:childTnLst>
-                                    <p:set>
-                                      <p:cBhvr>
-                                        <p:cTn id="6" dur="1" fill="hold">
-                                          <p:stCondLst>
-                                            <p:cond delay="0"/>
-                                          </p:stCondLst>
-                                        </p:cTn>
-                                        <p:tgtEl>
-                                          <p:spTgt spid="32"/>
-                                        </p:tgtEl>
-                                        <p:attrNameLst>
-                                          <p:attrName>style.visibility</p:attrName>
-                                        </p:attrNameLst>
-                                      </p:cBhvr>
-                                      <p:to>
-                                        <p:strVal val="visible"/>
-                                      </p:to>
-                                    </p:set>
-                                  </p:childTnLst>
-                                </p:cTn>
-                              </p:par>
-                            </p:childTnLst>
-                          </p:cTn>
-                        </p:par>
-                      </p:childTnLst>
-                    </p:cTn>
-                  </p:par>
-                  <p:par>
-                    <p:cTn id="7" fill="hold">
-                      <p:stCondLst>
-                        <p:cond delay="indefinite"/>
-                      </p:stCondLst>
-                      <p:childTnLst>
-                        <p:par>
-                          <p:cTn id="8" fill="hold">
-                            <p:stCondLst>
-                              <p:cond delay="0"/>
-                            </p:stCondLst>
-                            <p:childTnLst>
-                              <p:par>
-                                <p:cTn id="9" presetID="1" presetClass="entr" presetSubtype="0" fill="hold" nodeType="clickEffect">
-                                  <p:stCondLst>
-                                    <p:cond delay="0"/>
-                                  </p:stCondLst>
-                                  <p:childTnLst>
-                                    <p:set>
-                                      <p:cBhvr>
-                                        <p:cTn id="10" dur="1" fill="hold">
-                                          <p:stCondLst>
-                                            <p:cond delay="0"/>
-                                          </p:stCondLst>
-                                        </p:cTn>
-                                        <p:tgtEl>
-                                          <p:spTgt spid="111"/>
-                                        </p:tgtEl>
-                                        <p:attrNameLst>
-                                          <p:attrName>style.visibility</p:attrName>
-                                        </p:attrNameLst>
-                                      </p:cBhvr>
-                                      <p:to>
-                                        <p:strVal val="visible"/>
-                                      </p:to>
-                                    </p:set>
-                                  </p:childTnLst>
-                                </p:cTn>
-                              </p:par>
-                            </p:childTnLst>
-                          </p:cTn>
-                        </p:par>
-                      </p:childTnLst>
-                    </p:cTn>
-                  </p:par>
-                  <p:par>
-                    <p:cTn id="11" fill="hold">
-                      <p:stCondLst>
-                        <p:cond delay="indefinite"/>
-                      </p:stCondLst>
-                      <p:childTnLst>
-                        <p:par>
-                          <p:cTn id="12" fill="hold">
-                            <p:stCondLst>
-                              <p:cond delay="0"/>
-                            </p:stCondLst>
-                            <p:childTnLst>
-                              <p:par>
-                                <p:cTn id="13" presetID="1" presetClass="entr" presetSubtype="0" fill="hold" nodeType="clickEffect">
-                                  <p:stCondLst>
-                                    <p:cond delay="0"/>
-                                  </p:stCondLst>
-                                  <p:childTnLst>
-                                    <p:set>
-                                      <p:cBhvr>
-                                        <p:cTn id="14" dur="1" fill="hold">
-                                          <p:stCondLst>
-                                            <p:cond delay="0"/>
-                                          </p:stCondLst>
-                                        </p:cTn>
-                                        <p:tgtEl>
-                                          <p:spTgt spid="123"/>
-                                        </p:tgtEl>
-                                        <p:attrNameLst>
-                                          <p:attrName>style.visibility</p:attrName>
-                                        </p:attrNameLst>
-                                      </p:cBhvr>
-                                      <p:to>
-                                        <p:strVal val="visible"/>
-                                      </p:to>
-                                    </p:set>
-                                  </p:childTnLst>
-                                </p:cTn>
-                              </p:par>
-                              <p:par>
-                                <p:cTn id="15" presetID="1" presetClass="entr" presetSubtype="0" fill="hold" nodeType="withEffect">
-                                  <p:stCondLst>
-                                    <p:cond delay="0"/>
-                                  </p:stCondLst>
-                                  <p:childTnLst>
-                                    <p:set>
-                                      <p:cBhvr>
-                                        <p:cTn id="16" dur="1" fill="hold">
-                                          <p:stCondLst>
-                                            <p:cond delay="0"/>
-                                          </p:stCondLst>
-                                        </p:cTn>
-                                        <p:tgtEl>
-                                          <p:spTgt spid="130"/>
-                                        </p:tgtEl>
-                                        <p:attrNameLst>
-                                          <p:attrName>style.visibility</p:attrName>
-                                        </p:attrNameLst>
-                                      </p:cBhvr>
-                                      <p:to>
-                                        <p:strVal val="visible"/>
-                                      </p:to>
-                                    </p:set>
-                                  </p:childTnLst>
-                                </p:cTn>
-                              </p:par>
-                              <p:par>
-                                <p:cTn id="17" presetID="1" presetClass="entr" presetSubtype="0" fill="hold" nodeType="withEffect">
-                                  <p:stCondLst>
-                                    <p:cond delay="0"/>
-                                  </p:stCondLst>
-                                  <p:childTnLst>
-                                    <p:set>
-                                      <p:cBhvr>
-                                        <p:cTn id="18" dur="1" fill="hold">
-                                          <p:stCondLst>
-                                            <p:cond delay="0"/>
-                                          </p:stCondLst>
-                                        </p:cTn>
-                                        <p:tgtEl>
-                                          <p:spTgt spid="43"/>
-                                        </p:tgtEl>
-                                        <p:attrNameLst>
-                                          <p:attrName>style.visibility</p:attrName>
-                                        </p:attrNameLst>
-                                      </p:cBhvr>
-                                      <p:to>
-                                        <p:strVal val="visible"/>
-                                      </p:to>
-                                    </p:set>
-                                  </p:childTnLst>
-                                </p:cTn>
-                              </p:par>
-                              <p:par>
-                                <p:cTn id="19" presetID="1" presetClass="entr" presetSubtype="0" fill="hold" nodeType="withEffect">
-                                  <p:stCondLst>
-                                    <p:cond delay="0"/>
-                                  </p:stCondLst>
-                                  <p:childTnLst>
-                                    <p:set>
-                                      <p:cBhvr>
-                                        <p:cTn id="20" dur="1" fill="hold">
-                                          <p:stCondLst>
-                                            <p:cond delay="0"/>
-                                          </p:stCondLst>
-                                        </p:cTn>
-                                        <p:tgtEl>
-                                          <p:spTgt spid="38"/>
-                                        </p:tgtEl>
-                                        <p:attrNameLst>
-                                          <p:attrName>style.visibility</p:attrName>
-                                        </p:attrNameLst>
-                                      </p:cBhvr>
-                                      <p:to>
-                                        <p:strVal val="visible"/>
-                                      </p:to>
-                                    </p:set>
-                                  </p:childTnLst>
-                                </p:cTn>
-                              </p:par>
-                            </p:childTnLst>
-                          </p:cTn>
-                        </p:par>
-                      </p:childTnLst>
-                    </p:cTn>
-                  </p:par>
-                  <p:par>
-                    <p:cTn id="21" fill="hold">
-                      <p:stCondLst>
-                        <p:cond delay="indefinite"/>
-                      </p:stCondLst>
-                      <p:childTnLst>
-                        <p:par>
-                          <p:cTn id="22" fill="hold">
-                            <p:stCondLst>
-                              <p:cond delay="0"/>
-                            </p:stCondLst>
-                            <p:childTnLst>
-                              <p:par>
-                                <p:cTn id="23" presetID="1" presetClass="entr" presetSubtype="0" fill="hold" nodeType="clickEffect">
-                                  <p:stCondLst>
-                                    <p:cond delay="0"/>
-                                  </p:stCondLst>
-                                  <p:childTnLst>
-                                    <p:set>
-                                      <p:cBhvr>
-                                        <p:cTn id="24" dur="1" fill="hold">
-                                          <p:stCondLst>
-                                            <p:cond delay="0"/>
-                                          </p:stCondLst>
-                                        </p:cTn>
-                                        <p:tgtEl>
-                                          <p:spTgt spid="106"/>
-                                        </p:tgtEl>
-                                        <p:attrNameLst>
-                                          <p:attrName>style.visibility</p:attrName>
-                                        </p:attrNameLst>
-                                      </p:cBhvr>
-                                      <p:to>
-                                        <p:strVal val="visible"/>
-                                      </p:to>
-                                    </p:set>
-                                  </p:childTnLst>
-                                </p:cTn>
-                              </p:par>
-                            </p:childTnLst>
-                          </p:cTn>
-                        </p:par>
-                      </p:childTnLst>
-                    </p:cTn>
-                  </p:par>
-                  <p:par>
-                    <p:cTn id="25" fill="hold">
-                      <p:stCondLst>
-                        <p:cond delay="indefinite"/>
-                      </p:stCondLst>
-                      <p:childTnLst>
-                        <p:par>
-                          <p:cTn id="26" fill="hold">
-                            <p:stCondLst>
-                              <p:cond delay="0"/>
-                            </p:stCondLst>
-                            <p:childTnLst>
-                              <p:par>
-                                <p:cTn id="27" presetID="1" presetClass="entr" presetSubtype="0" fill="hold" nodeType="clickEffect">
-                                  <p:stCondLst>
-                                    <p:cond delay="0"/>
-                                  </p:stCondLst>
-                                  <p:childTnLst>
-                                    <p:set>
-                                      <p:cBhvr>
-                                        <p:cTn id="28" dur="1" fill="hold">
-                                          <p:stCondLst>
-                                            <p:cond delay="0"/>
-                                          </p:stCondLst>
-                                        </p:cTn>
-                                        <p:tgtEl>
-                                          <p:spTgt spid="107"/>
-                                        </p:tgtEl>
-                                        <p:attrNameLst>
-                                          <p:attrName>style.visibility</p:attrName>
-                                        </p:attrNameLst>
-                                      </p:cBhvr>
-                                      <p:to>
-                                        <p:strVal val="visible"/>
-                                      </p:to>
-                                    </p:set>
-                                  </p:childTnLst>
-                                </p:cTn>
-                              </p:par>
-                            </p:childTnLst>
-                          </p:cTn>
-                        </p:par>
-                      </p:childTnLst>
-                    </p:cTn>
-                  </p:par>
-                </p:childTnLst>
-              </p:cTn>
-              <p:prevCondLst>
-                <p:cond evt="onPrev" delay="0">
-                  <p:tgtEl>
-                    <p:sldTgt/>
-                  </p:tgtEl>
-                </p:cond>
-              </p:prevCondLst>
-              <p:nextCondLst>
-                <p:cond evt="onNext" delay="0">
-                  <p:tgtEl>
-                    <p:sldTgt/>
-                  </p:tgtEl>
-                </p:cond>
-              </p:nextCondLst>
-            </p:seq>
-          </p:childTnLst>
-        </p:cTn>
-      </p:par>
-    </p:tnLst>
-  </p:timing>
-</p:sld>
-</file>
-
 <file path=ppt/slides/slide3.xml><?xml version="1.0" encoding="utf-8"?>
 <p:sld xmlns:a="http://schemas.openxmlformats.org/drawingml/2006/main" xmlns:r="http://schemas.openxmlformats.org/officeDocument/2006/relationships" xmlns:p="http://schemas.openxmlformats.org/presentationml/2006/main">
   <p:cSld>
@@ -29546,7 +34658,7 @@
           <a:graphicData uri="http://schemas.openxmlformats.org/presentationml/2006/ole">
             <mc:AlternateContent xmlns:mc="http://schemas.openxmlformats.org/markup-compatibility/2006">
               <mc:Choice xmlns:v="urn:schemas-microsoft-com:vml" Requires="v">
-                <p:oleObj spid="_x0000_s142011" name="Equation" r:id="rId3" imgW="2844800" imgH="241300" progId="Equation.DSMT4">
+                <p:oleObj spid="_x0000_s142052" name="Equation" r:id="rId3" imgW="2844800" imgH="241300" progId="Equation.DSMT4">
                   <p:embed/>
                 </p:oleObj>
               </mc:Choice>
@@ -29910,7 +35022,7 @@
               <a:graphicData uri="http://schemas.openxmlformats.org/presentationml/2006/ole">
                 <mc:AlternateContent xmlns:mc="http://schemas.openxmlformats.org/markup-compatibility/2006">
                   <mc:Choice xmlns:v="urn:schemas-microsoft-com:vml" Requires="v">
-                    <p:oleObj spid="_x0000_s142012" name="Equation" r:id="rId5" imgW="152400" imgH="190500" progId="Equation.DSMT4">
+                    <p:oleObj spid="_x0000_s142053" name="Equation" r:id="rId5" imgW="152400" imgH="190500" progId="Equation.DSMT4">
                       <p:embed/>
                     </p:oleObj>
                   </mc:Choice>
@@ -29967,7 +35079,7 @@
               <a:graphicData uri="http://schemas.openxmlformats.org/presentationml/2006/ole">
                 <mc:AlternateContent xmlns:mc="http://schemas.openxmlformats.org/markup-compatibility/2006">
                   <mc:Choice xmlns:v="urn:schemas-microsoft-com:vml" Requires="v">
-                    <p:oleObj spid="_x0000_s142013" name="Equation" r:id="rId7" imgW="152400" imgH="190500" progId="Equation.DSMT4">
+                    <p:oleObj spid="_x0000_s142054" name="Equation" r:id="rId7" imgW="152400" imgH="190500" progId="Equation.DSMT4">
                       <p:embed/>
                     </p:oleObj>
                   </mc:Choice>
@@ -30024,7 +35136,7 @@
               <a:graphicData uri="http://schemas.openxmlformats.org/presentationml/2006/ole">
                 <mc:AlternateContent xmlns:mc="http://schemas.openxmlformats.org/markup-compatibility/2006">
                   <mc:Choice xmlns:v="urn:schemas-microsoft-com:vml" Requires="v">
-                    <p:oleObj spid="_x0000_s142014" name="Equation" r:id="rId9" imgW="152400" imgH="190500" progId="Equation.DSMT4">
+                    <p:oleObj spid="_x0000_s142055" name="Equation" r:id="rId9" imgW="152400" imgH="190500" progId="Equation.DSMT4">
                       <p:embed/>
                     </p:oleObj>
                   </mc:Choice>
@@ -30395,7 +35507,7 @@
               <a:graphicData uri="http://schemas.openxmlformats.org/presentationml/2006/ole">
                 <mc:AlternateContent xmlns:mc="http://schemas.openxmlformats.org/markup-compatibility/2006">
                   <mc:Choice xmlns:v="urn:schemas-microsoft-com:vml" Requires="v">
-                    <p:oleObj spid="_x0000_s142015" name="Equation" r:id="rId11" imgW="165100" imgH="190500" progId="Equation.DSMT4">
+                    <p:oleObj spid="_x0000_s142056" name="Equation" r:id="rId11" imgW="165100" imgH="190500" progId="Equation.DSMT4">
                       <p:embed/>
                     </p:oleObj>
                   </mc:Choice>
@@ -30452,7 +35564,7 @@
               <a:graphicData uri="http://schemas.openxmlformats.org/presentationml/2006/ole">
                 <mc:AlternateContent xmlns:mc="http://schemas.openxmlformats.org/markup-compatibility/2006">
                   <mc:Choice xmlns:v="urn:schemas-microsoft-com:vml" Requires="v">
-                    <p:oleObj spid="_x0000_s142016" name="Equation" r:id="rId13" imgW="165100" imgH="190500" progId="Equation.DSMT4">
+                    <p:oleObj spid="_x0000_s142057" name="Equation" r:id="rId13" imgW="165100" imgH="190500" progId="Equation.DSMT4">
                       <p:embed/>
                     </p:oleObj>
                   </mc:Choice>
@@ -30509,7 +35621,7 @@
               <a:graphicData uri="http://schemas.openxmlformats.org/presentationml/2006/ole">
                 <mc:AlternateContent xmlns:mc="http://schemas.openxmlformats.org/markup-compatibility/2006">
                   <mc:Choice xmlns:v="urn:schemas-microsoft-com:vml" Requires="v">
-                    <p:oleObj spid="_x0000_s142017" name="Equation" r:id="rId15" imgW="165100" imgH="190500" progId="Equation.DSMT4">
+                    <p:oleObj spid="_x0000_s142058" name="Equation" r:id="rId15" imgW="165100" imgH="190500" progId="Equation.DSMT4">
                       <p:embed/>
                     </p:oleObj>
                   </mc:Choice>
@@ -30880,7 +35992,7 @@
               <a:graphicData uri="http://schemas.openxmlformats.org/presentationml/2006/ole">
                 <mc:AlternateContent xmlns:mc="http://schemas.openxmlformats.org/markup-compatibility/2006">
                   <mc:Choice xmlns:v="urn:schemas-microsoft-com:vml" Requires="v">
-                    <p:oleObj spid="_x0000_s142018" name="Equation" r:id="rId17" imgW="152400" imgH="190500" progId="Equation.DSMT4">
+                    <p:oleObj spid="_x0000_s142059" name="Equation" r:id="rId17" imgW="152400" imgH="190500" progId="Equation.DSMT4">
                       <p:embed/>
                     </p:oleObj>
                   </mc:Choice>
@@ -30937,7 +36049,7 @@
               <a:graphicData uri="http://schemas.openxmlformats.org/presentationml/2006/ole">
                 <mc:AlternateContent xmlns:mc="http://schemas.openxmlformats.org/markup-compatibility/2006">
                   <mc:Choice xmlns:v="urn:schemas-microsoft-com:vml" Requires="v">
-                    <p:oleObj spid="_x0000_s142019" name="Equation" r:id="rId19" imgW="152400" imgH="190500" progId="Equation.DSMT4">
+                    <p:oleObj spid="_x0000_s142060" name="Equation" r:id="rId19" imgW="152400" imgH="190500" progId="Equation.DSMT4">
                       <p:embed/>
                     </p:oleObj>
                   </mc:Choice>
@@ -30994,7 +36106,7 @@
               <a:graphicData uri="http://schemas.openxmlformats.org/presentationml/2006/ole">
                 <mc:AlternateContent xmlns:mc="http://schemas.openxmlformats.org/markup-compatibility/2006">
                   <mc:Choice xmlns:v="urn:schemas-microsoft-com:vml" Requires="v">
-                    <p:oleObj spid="_x0000_s142020" name="Equation" r:id="rId21" imgW="165100" imgH="190500" progId="Equation.DSMT4">
+                    <p:oleObj spid="_x0000_s142061" name="Equation" r:id="rId21" imgW="165100" imgH="190500" progId="Equation.DSMT4">
                       <p:embed/>
                     </p:oleObj>
                   </mc:Choice>
